--- a/final_presentation.pptx
+++ b/final_presentation.pptx
@@ -1,44 +1,44 @@
 
 <file path=ppt/presentation.xml><?xml version="1.0" encoding="utf-8"?>
-<p:presentation xmlns:a="http://schemas.openxmlformats.org/drawingml/2006/main" xmlns:r="http://schemas.openxmlformats.org/officeDocument/2006/relationships" xmlns:mc="http://schemas.openxmlformats.org/markup-compatibility/2006" xmlns:mv="urn:schemas-microsoft-com:mac:vml" xmlns:p="http://schemas.openxmlformats.org/presentationml/2006/main" xmlns:c="http://schemas.openxmlformats.org/drawingml/2006/chart" xmlns:dgm="http://schemas.openxmlformats.org/drawingml/2006/diagram" xmlns:o="urn:schemas-microsoft-com:office:office" xmlns:v="urn:schemas-microsoft-com:vml" xmlns:pvml="urn:schemas-microsoft-com:office:powerpoint" xmlns:com="http://schemas.openxmlformats.org/drawingml/2006/compatibility" xmlns:p14="http://schemas.microsoft.com/office/powerpoint/2010/main" xmlns:p15="http://schemas.microsoft.com/office/powerpoint/2012/main" xmlns:ahyp="http://schemas.microsoft.com/office/drawing/2018/hyperlinkcolor" autoCompressPictures="0" embedTrueTypeFonts="1" strictFirstAndLastChars="0" saveSubsetFonts="1">
+<p:presentation xmlns:a="http://schemas.openxmlformats.org/drawingml/2006/main" xmlns:r="http://schemas.openxmlformats.org/officeDocument/2006/relationships" xmlns:p="http://schemas.openxmlformats.org/presentationml/2006/main" strictFirstAndLastChars="0" embedTrueTypeFonts="1" saveSubsetFonts="1" autoCompressPictures="0">
   <p:sldMasterIdLst>
-    <p:sldMasterId id="2147483659" r:id="rId4"/>
+    <p:sldMasterId id="2147483659" r:id="rId1"/>
   </p:sldMasterIdLst>
   <p:notesMasterIdLst>
-    <p:notesMasterId r:id="rId5"/>
+    <p:notesMasterId r:id="rId12"/>
   </p:notesMasterIdLst>
   <p:sldIdLst>
-    <p:sldId id="256" r:id="rId6"/>
-    <p:sldId id="257" r:id="rId7"/>
-    <p:sldId id="258" r:id="rId8"/>
-    <p:sldId id="259" r:id="rId9"/>
-    <p:sldId id="260" r:id="rId10"/>
-    <p:sldId id="261" r:id="rId11"/>
-    <p:sldId id="262" r:id="rId12"/>
-    <p:sldId id="263" r:id="rId13"/>
-    <p:sldId id="264" r:id="rId14"/>
-    <p:sldId id="265" r:id="rId15"/>
+    <p:sldId id="256" r:id="rId2"/>
+    <p:sldId id="257" r:id="rId3"/>
+    <p:sldId id="258" r:id="rId4"/>
+    <p:sldId id="259" r:id="rId5"/>
+    <p:sldId id="260" r:id="rId6"/>
+    <p:sldId id="261" r:id="rId7"/>
+    <p:sldId id="262" r:id="rId8"/>
+    <p:sldId id="263" r:id="rId9"/>
+    <p:sldId id="264" r:id="rId10"/>
+    <p:sldId id="265" r:id="rId11"/>
   </p:sldIdLst>
-  <p:sldSz cy="5143500" cx="9144000"/>
+  <p:sldSz cx="9144000" cy="5143500" type="screen16x9"/>
   <p:notesSz cx="6858000" cy="9144000"/>
   <p:embeddedFontLst>
     <p:embeddedFont>
-      <p:font typeface="Raleway"/>
-      <p:regular r:id="rId16"/>
-      <p:bold r:id="rId17"/>
-      <p:italic r:id="rId18"/>
-      <p:boldItalic r:id="rId19"/>
+      <p:font typeface="Lato" panose="020F0502020204030203" pitchFamily="34" charset="0"/>
+      <p:regular r:id="rId13"/>
+      <p:bold r:id="rId14"/>
+      <p:italic r:id="rId15"/>
+      <p:boldItalic r:id="rId16"/>
     </p:embeddedFont>
     <p:embeddedFont>
-      <p:font typeface="Lato"/>
-      <p:regular r:id="rId20"/>
-      <p:bold r:id="rId21"/>
-      <p:italic r:id="rId22"/>
-      <p:boldItalic r:id="rId23"/>
+      <p:font typeface="Raleway" panose="020F0502020204030204" pitchFamily="2" charset="0"/>
+      <p:regular r:id="rId17"/>
+      <p:bold r:id="rId18"/>
+      <p:italic r:id="rId19"/>
+      <p:boldItalic r:id="rId20"/>
     </p:embeddedFont>
   </p:embeddedFontLst>
   <p:defaultTextStyle>
-    <a:defPPr lvl="0" marR="0" rtl="0" algn="l">
+    <a:defPPr marR="0" lvl="0" algn="l" rtl="0">
       <a:lnSpc>
         <a:spcPct val="100000"/>
       </a:lnSpc>
@@ -49,7 +49,7 @@
         <a:spcPts val="0"/>
       </a:spcAft>
     </a:defPPr>
-    <a:lvl1pPr lvl="0" marR="0" rtl="0" algn="l">
+    <a:lvl1pPr marR="0" lvl="0" algn="l" rtl="0">
       <a:lnSpc>
         <a:spcPct val="100000"/>
       </a:lnSpc>
@@ -63,7 +63,7 @@
         <a:srgbClr val="000000"/>
       </a:buClr>
       <a:buFont typeface="Arial"/>
-      <a:defRPr b="0" i="0" sz="1400" u="none" cap="none" strike="noStrike">
+      <a:defRPr sz="1400" b="0" i="0" u="none" strike="noStrike" cap="none">
         <a:solidFill>
           <a:srgbClr val="000000"/>
         </a:solidFill>
@@ -73,7 +73,7 @@
         <a:sym typeface="Arial"/>
       </a:defRPr>
     </a:lvl1pPr>
-    <a:lvl2pPr lvl="1" marR="0" rtl="0" algn="l">
+    <a:lvl2pPr marR="0" lvl="1" algn="l" rtl="0">
       <a:lnSpc>
         <a:spcPct val="100000"/>
       </a:lnSpc>
@@ -87,7 +87,7 @@
         <a:srgbClr val="000000"/>
       </a:buClr>
       <a:buFont typeface="Arial"/>
-      <a:defRPr b="0" i="0" sz="1400" u="none" cap="none" strike="noStrike">
+      <a:defRPr sz="1400" b="0" i="0" u="none" strike="noStrike" cap="none">
         <a:solidFill>
           <a:srgbClr val="000000"/>
         </a:solidFill>
@@ -97,7 +97,7 @@
         <a:sym typeface="Arial"/>
       </a:defRPr>
     </a:lvl2pPr>
-    <a:lvl3pPr lvl="2" marR="0" rtl="0" algn="l">
+    <a:lvl3pPr marR="0" lvl="2" algn="l" rtl="0">
       <a:lnSpc>
         <a:spcPct val="100000"/>
       </a:lnSpc>
@@ -111,7 +111,7 @@
         <a:srgbClr val="000000"/>
       </a:buClr>
       <a:buFont typeface="Arial"/>
-      <a:defRPr b="0" i="0" sz="1400" u="none" cap="none" strike="noStrike">
+      <a:defRPr sz="1400" b="0" i="0" u="none" strike="noStrike" cap="none">
         <a:solidFill>
           <a:srgbClr val="000000"/>
         </a:solidFill>
@@ -121,7 +121,7 @@
         <a:sym typeface="Arial"/>
       </a:defRPr>
     </a:lvl3pPr>
-    <a:lvl4pPr lvl="3" marR="0" rtl="0" algn="l">
+    <a:lvl4pPr marR="0" lvl="3" algn="l" rtl="0">
       <a:lnSpc>
         <a:spcPct val="100000"/>
       </a:lnSpc>
@@ -135,7 +135,7 @@
         <a:srgbClr val="000000"/>
       </a:buClr>
       <a:buFont typeface="Arial"/>
-      <a:defRPr b="0" i="0" sz="1400" u="none" cap="none" strike="noStrike">
+      <a:defRPr sz="1400" b="0" i="0" u="none" strike="noStrike" cap="none">
         <a:solidFill>
           <a:srgbClr val="000000"/>
         </a:solidFill>
@@ -145,7 +145,7 @@
         <a:sym typeface="Arial"/>
       </a:defRPr>
     </a:lvl4pPr>
-    <a:lvl5pPr lvl="4" marR="0" rtl="0" algn="l">
+    <a:lvl5pPr marR="0" lvl="4" algn="l" rtl="0">
       <a:lnSpc>
         <a:spcPct val="100000"/>
       </a:lnSpc>
@@ -159,7 +159,7 @@
         <a:srgbClr val="000000"/>
       </a:buClr>
       <a:buFont typeface="Arial"/>
-      <a:defRPr b="0" i="0" sz="1400" u="none" cap="none" strike="noStrike">
+      <a:defRPr sz="1400" b="0" i="0" u="none" strike="noStrike" cap="none">
         <a:solidFill>
           <a:srgbClr val="000000"/>
         </a:solidFill>
@@ -169,7 +169,7 @@
         <a:sym typeface="Arial"/>
       </a:defRPr>
     </a:lvl5pPr>
-    <a:lvl6pPr lvl="5" marR="0" rtl="0" algn="l">
+    <a:lvl6pPr marR="0" lvl="5" algn="l" rtl="0">
       <a:lnSpc>
         <a:spcPct val="100000"/>
       </a:lnSpc>
@@ -183,7 +183,7 @@
         <a:srgbClr val="000000"/>
       </a:buClr>
       <a:buFont typeface="Arial"/>
-      <a:defRPr b="0" i="0" sz="1400" u="none" cap="none" strike="noStrike">
+      <a:defRPr sz="1400" b="0" i="0" u="none" strike="noStrike" cap="none">
         <a:solidFill>
           <a:srgbClr val="000000"/>
         </a:solidFill>
@@ -193,7 +193,7 @@
         <a:sym typeface="Arial"/>
       </a:defRPr>
     </a:lvl6pPr>
-    <a:lvl7pPr lvl="6" marR="0" rtl="0" algn="l">
+    <a:lvl7pPr marR="0" lvl="6" algn="l" rtl="0">
       <a:lnSpc>
         <a:spcPct val="100000"/>
       </a:lnSpc>
@@ -207,7 +207,7 @@
         <a:srgbClr val="000000"/>
       </a:buClr>
       <a:buFont typeface="Arial"/>
-      <a:defRPr b="0" i="0" sz="1400" u="none" cap="none" strike="noStrike">
+      <a:defRPr sz="1400" b="0" i="0" u="none" strike="noStrike" cap="none">
         <a:solidFill>
           <a:srgbClr val="000000"/>
         </a:solidFill>
@@ -217,7 +217,7 @@
         <a:sym typeface="Arial"/>
       </a:defRPr>
     </a:lvl7pPr>
-    <a:lvl8pPr lvl="7" marR="0" rtl="0" algn="l">
+    <a:lvl8pPr marR="0" lvl="7" algn="l" rtl="0">
       <a:lnSpc>
         <a:spcPct val="100000"/>
       </a:lnSpc>
@@ -231,7 +231,7 @@
         <a:srgbClr val="000000"/>
       </a:buClr>
       <a:buFont typeface="Arial"/>
-      <a:defRPr b="0" i="0" sz="1400" u="none" cap="none" strike="noStrike">
+      <a:defRPr sz="1400" b="0" i="0" u="none" strike="noStrike" cap="none">
         <a:solidFill>
           <a:srgbClr val="000000"/>
         </a:solidFill>
@@ -241,7 +241,7 @@
         <a:sym typeface="Arial"/>
       </a:defRPr>
     </a:lvl8pPr>
-    <a:lvl9pPr lvl="8" marR="0" rtl="0" algn="l">
+    <a:lvl9pPr marR="0" lvl="8" algn="l" rtl="0">
       <a:lnSpc>
         <a:spcPct val="100000"/>
       </a:lnSpc>
@@ -255,7 +255,7 @@
         <a:srgbClr val="000000"/>
       </a:buClr>
       <a:buFont typeface="Arial"/>
-      <a:defRPr b="0" i="0" sz="1400" u="none" cap="none" strike="noStrike">
+      <a:defRPr sz="1400" b="0" i="0" u="none" strike="noStrike" cap="none">
         <a:solidFill>
           <a:srgbClr val="000000"/>
         </a:solidFill>
@@ -268,7 +268,7 @@
   </p:defaultTextStyle>
   <p:extLst>
     <p:ext uri="{EFAFB233-063F-42B5-8137-9DF3F51BA10A}">
-      <p15:sldGuideLst>
+      <p15:sldGuideLst xmlns:p15="http://schemas.microsoft.com/office/powerpoint/2012/main">
         <p15:guide id="1" orient="horz" pos="1620">
           <p15:clr>
             <a:srgbClr val="747775"/>
@@ -286,11 +286,16 @@
 </file>
 
 <file path=ppt/notesMasters/notesMaster1.xml><?xml version="1.0" encoding="utf-8"?>
-<p:notesMaster xmlns:a="http://schemas.openxmlformats.org/drawingml/2006/main" xmlns:r="http://schemas.openxmlformats.org/officeDocument/2006/relationships" xmlns:mc="http://schemas.openxmlformats.org/markup-compatibility/2006" xmlns:mv="urn:schemas-microsoft-com:mac:vml" xmlns:p="http://schemas.openxmlformats.org/presentationml/2006/main" xmlns:c="http://schemas.openxmlformats.org/drawingml/2006/chart" xmlns:dgm="http://schemas.openxmlformats.org/drawingml/2006/diagram" xmlns:o="urn:schemas-microsoft-com:office:office" xmlns:v="urn:schemas-microsoft-com:vml" xmlns:pvml="urn:schemas-microsoft-com:office:powerpoint" xmlns:com="http://schemas.openxmlformats.org/drawingml/2006/compatibility" xmlns:p14="http://schemas.microsoft.com/office/powerpoint/2010/main" xmlns:p15="http://schemas.microsoft.com/office/powerpoint/2012/main" xmlns:ahyp="http://schemas.microsoft.com/office/drawing/2018/hyperlinkcolor">
+<p:notesMaster xmlns:a="http://schemas.openxmlformats.org/drawingml/2006/main" xmlns:r="http://schemas.openxmlformats.org/officeDocument/2006/relationships" xmlns:p="http://schemas.openxmlformats.org/presentationml/2006/main">
   <p:cSld>
+    <p:bg>
+      <p:bgRef idx="1001">
+        <a:schemeClr val="bg1"/>
+      </p:bgRef>
+    </p:bg>
     <p:spTree>
       <p:nvGrpSpPr>
-        <p:cNvPr id="2" name="Shape 2"/>
+        <p:cNvPr id="1" name="Shape 2"/>
         <p:cNvGrpSpPr/>
         <p:nvPr/>
       </p:nvGrpSpPr>
@@ -305,9 +310,11 @@
       <p:sp>
         <p:nvSpPr>
           <p:cNvPr id="3" name="Google Shape;3;n"/>
-          <p:cNvSpPr/>
+          <p:cNvSpPr>
+            <a:spLocks noGrp="1" noRot="1" noChangeAspect="1"/>
+          </p:cNvSpPr>
           <p:nvPr>
-            <p:ph idx="2" type="sldImg"/>
+            <p:ph type="sldImg" idx="2"/>
           </p:nvPr>
         </p:nvSpPr>
         <p:spPr>
@@ -316,9 +323,13 @@
             <a:ext cx="6096075" cy="3429000"/>
           </a:xfrm>
           <a:custGeom>
-            <a:rect b="b" l="l" r="r" t="t"/>
+            <a:avLst/>
+            <a:gdLst/>
+            <a:ahLst/>
+            <a:cxnLst/>
+            <a:rect l="l" t="t" r="r" b="b"/>
             <a:pathLst>
-              <a:path extrusionOk="0" h="120000" w="120000">
+              <a:path w="120000" h="120000" extrusionOk="0">
                 <a:moveTo>
                   <a:pt x="0" y="0"/>
                 </a:moveTo>
@@ -336,23 +347,25 @@
             </a:pathLst>
           </a:custGeom>
           <a:noFill/>
-          <a:ln cap="flat" cmpd="sng" w="9525">
+          <a:ln w="9525" cap="flat" cmpd="sng">
             <a:solidFill>
               <a:srgbClr val="000000"/>
             </a:solidFill>
             <a:prstDash val="solid"/>
             <a:round/>
-            <a:headEnd len="sm" w="sm" type="none"/>
-            <a:tailEnd len="sm" w="sm" type="none"/>
+            <a:headEnd type="none" w="sm" len="sm"/>
+            <a:tailEnd type="none" w="sm" len="sm"/>
           </a:ln>
         </p:spPr>
       </p:sp>
       <p:sp>
         <p:nvSpPr>
           <p:cNvPr id="4" name="Google Shape;4;n"/>
-          <p:cNvSpPr txBox="1"/>
+          <p:cNvSpPr txBox="1">
+            <a:spLocks noGrp="1"/>
+          </p:cNvSpPr>
           <p:nvPr>
-            <p:ph idx="1" type="body"/>
+            <p:ph type="body" idx="1"/>
           </p:nvPr>
         </p:nvSpPr>
         <p:spPr>
@@ -369,11 +382,11 @@
           </a:ln>
         </p:spPr>
         <p:txBody>
-          <a:bodyPr anchorCtr="0" anchor="t" bIns="91425" lIns="91425" spcFirstLastPara="1" rIns="91425" wrap="square" tIns="91425">
+          <a:bodyPr spcFirstLastPara="1" wrap="square" lIns="91425" tIns="91425" rIns="91425" bIns="91425" anchor="t" anchorCtr="0">
             <a:noAutofit/>
           </a:bodyPr>
           <a:lstStyle>
-            <a:lvl1pPr indent="-298450" lvl="0" marL="457200">
+            <a:lvl1pPr marL="457200" lvl="0" indent="-298450">
               <a:spcBef>
                 <a:spcPts val="0"/>
               </a:spcBef>
@@ -384,7 +397,7 @@
               <a:buChar char="●"/>
               <a:defRPr sz="1100"/>
             </a:lvl1pPr>
-            <a:lvl2pPr indent="-298450" lvl="1" marL="914400">
+            <a:lvl2pPr marL="914400" lvl="1" indent="-298450">
               <a:spcBef>
                 <a:spcPts val="0"/>
               </a:spcBef>
@@ -395,7 +408,7 @@
               <a:buChar char="○"/>
               <a:defRPr sz="1100"/>
             </a:lvl2pPr>
-            <a:lvl3pPr indent="-298450" lvl="2" marL="1371600">
+            <a:lvl3pPr marL="1371600" lvl="2" indent="-298450">
               <a:spcBef>
                 <a:spcPts val="0"/>
               </a:spcBef>
@@ -406,7 +419,7 @@
               <a:buChar char="■"/>
               <a:defRPr sz="1100"/>
             </a:lvl3pPr>
-            <a:lvl4pPr indent="-298450" lvl="3" marL="1828800">
+            <a:lvl4pPr marL="1828800" lvl="3" indent="-298450">
               <a:spcBef>
                 <a:spcPts val="0"/>
               </a:spcBef>
@@ -417,7 +430,7 @@
               <a:buChar char="●"/>
               <a:defRPr sz="1100"/>
             </a:lvl4pPr>
-            <a:lvl5pPr indent="-298450" lvl="4" marL="2286000">
+            <a:lvl5pPr marL="2286000" lvl="4" indent="-298450">
               <a:spcBef>
                 <a:spcPts val="0"/>
               </a:spcBef>
@@ -428,7 +441,7 @@
               <a:buChar char="○"/>
               <a:defRPr sz="1100"/>
             </a:lvl5pPr>
-            <a:lvl6pPr indent="-298450" lvl="5" marL="2743200">
+            <a:lvl6pPr marL="2743200" lvl="5" indent="-298450">
               <a:spcBef>
                 <a:spcPts val="0"/>
               </a:spcBef>
@@ -439,7 +452,7 @@
               <a:buChar char="■"/>
               <a:defRPr sz="1100"/>
             </a:lvl6pPr>
-            <a:lvl7pPr indent="-298450" lvl="6" marL="3200400">
+            <a:lvl7pPr marL="3200400" lvl="6" indent="-298450">
               <a:spcBef>
                 <a:spcPts val="0"/>
               </a:spcBef>
@@ -450,7 +463,7 @@
               <a:buChar char="●"/>
               <a:defRPr sz="1100"/>
             </a:lvl7pPr>
-            <a:lvl8pPr indent="-298450" lvl="7" marL="3657600">
+            <a:lvl8pPr marL="3657600" lvl="7" indent="-298450">
               <a:spcBef>
                 <a:spcPts val="0"/>
               </a:spcBef>
@@ -461,7 +474,7 @@
               <a:buChar char="○"/>
               <a:defRPr sz="1100"/>
             </a:lvl8pPr>
-            <a:lvl9pPr indent="-298450" lvl="8" marL="4114800">
+            <a:lvl9pPr marL="4114800" lvl="8" indent="-298450">
               <a:spcBef>
                 <a:spcPts val="0"/>
               </a:spcBef>
@@ -473,14 +486,16 @@
               <a:defRPr sz="1100"/>
             </a:lvl9pPr>
           </a:lstStyle>
-          <a:p/>
+          <a:p>
+            <a:endParaRPr/>
+          </a:p>
         </p:txBody>
       </p:sp>
     </p:spTree>
   </p:cSld>
-  <p:clrMap accent1="accent1" accent2="accent2" accent3="accent3" accent4="accent4" accent5="accent5" accent6="accent6" bg1="lt1" bg2="dk2" tx1="dk1" tx2="lt2" folHlink="folHlink" hlink="hlink"/>
+  <p:clrMap bg1="lt1" tx1="dk1" bg2="dk2" tx2="lt2" accent1="accent1" accent2="accent2" accent3="accent3" accent4="accent4" accent5="accent5" accent6="accent6" hlink="hlink" folHlink="folHlink"/>
   <p:notesStyle>
-    <a:defPPr lvl="0" marR="0" rtl="0" algn="l">
+    <a:defPPr marR="0" lvl="0" algn="l" rtl="0">
       <a:lnSpc>
         <a:spcPct val="100000"/>
       </a:lnSpc>
@@ -491,7 +506,7 @@
         <a:spcPts val="0"/>
       </a:spcAft>
     </a:defPPr>
-    <a:lvl1pPr lvl="0" marR="0" rtl="0" algn="l">
+    <a:lvl1pPr marR="0" lvl="0" algn="l" rtl="0">
       <a:lnSpc>
         <a:spcPct val="100000"/>
       </a:lnSpc>
@@ -505,7 +520,7 @@
         <a:srgbClr val="000000"/>
       </a:buClr>
       <a:buFont typeface="Arial"/>
-      <a:defRPr b="0" i="0" sz="1400" u="none" cap="none" strike="noStrike">
+      <a:defRPr sz="1400" b="0" i="0" u="none" strike="noStrike" cap="none">
         <a:solidFill>
           <a:srgbClr val="000000"/>
         </a:solidFill>
@@ -515,7 +530,7 @@
         <a:sym typeface="Arial"/>
       </a:defRPr>
     </a:lvl1pPr>
-    <a:lvl2pPr lvl="1" marR="0" rtl="0" algn="l">
+    <a:lvl2pPr marR="0" lvl="1" algn="l" rtl="0">
       <a:lnSpc>
         <a:spcPct val="100000"/>
       </a:lnSpc>
@@ -529,7 +544,7 @@
         <a:srgbClr val="000000"/>
       </a:buClr>
       <a:buFont typeface="Arial"/>
-      <a:defRPr b="0" i="0" sz="1400" u="none" cap="none" strike="noStrike">
+      <a:defRPr sz="1400" b="0" i="0" u="none" strike="noStrike" cap="none">
         <a:solidFill>
           <a:srgbClr val="000000"/>
         </a:solidFill>
@@ -539,7 +554,7 @@
         <a:sym typeface="Arial"/>
       </a:defRPr>
     </a:lvl2pPr>
-    <a:lvl3pPr lvl="2" marR="0" rtl="0" algn="l">
+    <a:lvl3pPr marR="0" lvl="2" algn="l" rtl="0">
       <a:lnSpc>
         <a:spcPct val="100000"/>
       </a:lnSpc>
@@ -553,7 +568,7 @@
         <a:srgbClr val="000000"/>
       </a:buClr>
       <a:buFont typeface="Arial"/>
-      <a:defRPr b="0" i="0" sz="1400" u="none" cap="none" strike="noStrike">
+      <a:defRPr sz="1400" b="0" i="0" u="none" strike="noStrike" cap="none">
         <a:solidFill>
           <a:srgbClr val="000000"/>
         </a:solidFill>
@@ -563,7 +578,7 @@
         <a:sym typeface="Arial"/>
       </a:defRPr>
     </a:lvl3pPr>
-    <a:lvl4pPr lvl="3" marR="0" rtl="0" algn="l">
+    <a:lvl4pPr marR="0" lvl="3" algn="l" rtl="0">
       <a:lnSpc>
         <a:spcPct val="100000"/>
       </a:lnSpc>
@@ -577,7 +592,7 @@
         <a:srgbClr val="000000"/>
       </a:buClr>
       <a:buFont typeface="Arial"/>
-      <a:defRPr b="0" i="0" sz="1400" u="none" cap="none" strike="noStrike">
+      <a:defRPr sz="1400" b="0" i="0" u="none" strike="noStrike" cap="none">
         <a:solidFill>
           <a:srgbClr val="000000"/>
         </a:solidFill>
@@ -587,7 +602,7 @@
         <a:sym typeface="Arial"/>
       </a:defRPr>
     </a:lvl4pPr>
-    <a:lvl5pPr lvl="4" marR="0" rtl="0" algn="l">
+    <a:lvl5pPr marR="0" lvl="4" algn="l" rtl="0">
       <a:lnSpc>
         <a:spcPct val="100000"/>
       </a:lnSpc>
@@ -601,7 +616,7 @@
         <a:srgbClr val="000000"/>
       </a:buClr>
       <a:buFont typeface="Arial"/>
-      <a:defRPr b="0" i="0" sz="1400" u="none" cap="none" strike="noStrike">
+      <a:defRPr sz="1400" b="0" i="0" u="none" strike="noStrike" cap="none">
         <a:solidFill>
           <a:srgbClr val="000000"/>
         </a:solidFill>
@@ -611,7 +626,7 @@
         <a:sym typeface="Arial"/>
       </a:defRPr>
     </a:lvl5pPr>
-    <a:lvl6pPr lvl="5" marR="0" rtl="0" algn="l">
+    <a:lvl6pPr marR="0" lvl="5" algn="l" rtl="0">
       <a:lnSpc>
         <a:spcPct val="100000"/>
       </a:lnSpc>
@@ -625,7 +640,7 @@
         <a:srgbClr val="000000"/>
       </a:buClr>
       <a:buFont typeface="Arial"/>
-      <a:defRPr b="0" i="0" sz="1400" u="none" cap="none" strike="noStrike">
+      <a:defRPr sz="1400" b="0" i="0" u="none" strike="noStrike" cap="none">
         <a:solidFill>
           <a:srgbClr val="000000"/>
         </a:solidFill>
@@ -635,7 +650,7 @@
         <a:sym typeface="Arial"/>
       </a:defRPr>
     </a:lvl6pPr>
-    <a:lvl7pPr lvl="6" marR="0" rtl="0" algn="l">
+    <a:lvl7pPr marR="0" lvl="6" algn="l" rtl="0">
       <a:lnSpc>
         <a:spcPct val="100000"/>
       </a:lnSpc>
@@ -649,7 +664,7 @@
         <a:srgbClr val="000000"/>
       </a:buClr>
       <a:buFont typeface="Arial"/>
-      <a:defRPr b="0" i="0" sz="1400" u="none" cap="none" strike="noStrike">
+      <a:defRPr sz="1400" b="0" i="0" u="none" strike="noStrike" cap="none">
         <a:solidFill>
           <a:srgbClr val="000000"/>
         </a:solidFill>
@@ -659,7 +674,7 @@
         <a:sym typeface="Arial"/>
       </a:defRPr>
     </a:lvl7pPr>
-    <a:lvl8pPr lvl="7" marR="0" rtl="0" algn="l">
+    <a:lvl8pPr marR="0" lvl="7" algn="l" rtl="0">
       <a:lnSpc>
         <a:spcPct val="100000"/>
       </a:lnSpc>
@@ -673,7 +688,7 @@
         <a:srgbClr val="000000"/>
       </a:buClr>
       <a:buFont typeface="Arial"/>
-      <a:defRPr b="0" i="0" sz="1400" u="none" cap="none" strike="noStrike">
+      <a:defRPr sz="1400" b="0" i="0" u="none" strike="noStrike" cap="none">
         <a:solidFill>
           <a:srgbClr val="000000"/>
         </a:solidFill>
@@ -683,7 +698,7 @@
         <a:sym typeface="Arial"/>
       </a:defRPr>
     </a:lvl8pPr>
-    <a:lvl9pPr lvl="8" marR="0" rtl="0" algn="l">
+    <a:lvl9pPr marR="0" lvl="8" algn="l" rtl="0">
       <a:lnSpc>
         <a:spcPct val="100000"/>
       </a:lnSpc>
@@ -697,7 +712,7 @@
         <a:srgbClr val="000000"/>
       </a:buClr>
       <a:buFont typeface="Arial"/>
-      <a:defRPr b="0" i="0" sz="1400" u="none" cap="none" strike="noStrike">
+      <a:defRPr sz="1400" b="0" i="0" u="none" strike="noStrike" cap="none">
         <a:solidFill>
           <a:srgbClr val="000000"/>
         </a:solidFill>
@@ -712,11 +727,11 @@
 </file>
 
 <file path=ppt/notesSlides/notesSlide1.xml><?xml version="1.0" encoding="utf-8"?>
-<p:notes xmlns:a="http://schemas.openxmlformats.org/drawingml/2006/main" xmlns:r="http://schemas.openxmlformats.org/officeDocument/2006/relationships" xmlns:mc="http://schemas.openxmlformats.org/markup-compatibility/2006" xmlns:mv="urn:schemas-microsoft-com:mac:vml" xmlns:p="http://schemas.openxmlformats.org/presentationml/2006/main" xmlns:c="http://schemas.openxmlformats.org/drawingml/2006/chart" xmlns:dgm="http://schemas.openxmlformats.org/drawingml/2006/diagram" xmlns:o="urn:schemas-microsoft-com:office:office" xmlns:v="urn:schemas-microsoft-com:vml" xmlns:pvml="urn:schemas-microsoft-com:office:powerpoint" xmlns:com="http://schemas.openxmlformats.org/drawingml/2006/compatibility" xmlns:p14="http://schemas.microsoft.com/office/powerpoint/2010/main" xmlns:p15="http://schemas.microsoft.com/office/powerpoint/2012/main" xmlns:ahyp="http://schemas.microsoft.com/office/drawing/2018/hyperlinkcolor" showMasterPhAnim="0" showMasterSp="0">
+<p:notes xmlns:a="http://schemas.openxmlformats.org/drawingml/2006/main" xmlns:r="http://schemas.openxmlformats.org/officeDocument/2006/relationships" xmlns:p="http://schemas.openxmlformats.org/presentationml/2006/main" showMasterSp="0" showMasterPhAnim="0">
   <p:cSld>
     <p:spTree>
       <p:nvGrpSpPr>
-        <p:cNvPr id="82" name="Shape 82"/>
+        <p:cNvPr id="1" name="Shape 82"/>
         <p:cNvGrpSpPr/>
         <p:nvPr/>
       </p:nvGrpSpPr>
@@ -731,9 +746,11 @@
       <p:sp>
         <p:nvSpPr>
           <p:cNvPr id="83" name="Google Shape;83;p:notes"/>
-          <p:cNvSpPr/>
+          <p:cNvSpPr>
+            <a:spLocks noGrp="1" noRot="1" noChangeAspect="1"/>
+          </p:cNvSpPr>
           <p:nvPr>
-            <p:ph idx="2" type="sldImg"/>
+            <p:ph type="sldImg" idx="2"/>
           </p:nvPr>
         </p:nvSpPr>
         <p:spPr>
@@ -742,9 +759,13 @@
             <a:ext cx="6096075" cy="3429000"/>
           </a:xfrm>
           <a:custGeom>
-            <a:rect b="b" l="l" r="r" t="t"/>
+            <a:avLst/>
+            <a:gdLst/>
+            <a:ahLst/>
+            <a:cxnLst/>
+            <a:rect l="l" t="t" r="r" b="b"/>
             <a:pathLst>
-              <a:path extrusionOk="0" h="120000" w="120000">
+              <a:path w="120000" h="120000" extrusionOk="0">
                 <a:moveTo>
                   <a:pt x="0" y="0"/>
                 </a:moveTo>
@@ -766,9 +787,11 @@
       <p:sp>
         <p:nvSpPr>
           <p:cNvPr id="84" name="Google Shape;84;p:notes"/>
-          <p:cNvSpPr txBox="1"/>
+          <p:cNvSpPr txBox="1">
+            <a:spLocks noGrp="1"/>
+          </p:cNvSpPr>
           <p:nvPr>
-            <p:ph idx="1" type="body"/>
+            <p:ph type="body" idx="1"/>
           </p:nvPr>
         </p:nvSpPr>
         <p:spPr>
@@ -781,12 +804,12 @@
           </a:prstGeom>
         </p:spPr>
         <p:txBody>
-          <a:bodyPr anchorCtr="0" anchor="t" bIns="91425" lIns="91425" spcFirstLastPara="1" rIns="91425" wrap="square" tIns="91425">
+          <a:bodyPr spcFirstLastPara="1" wrap="square" lIns="91425" tIns="91425" rIns="91425" bIns="91425" anchor="t" anchorCtr="0">
             <a:noAutofit/>
           </a:bodyPr>
           <a:lstStyle/>
           <a:p>
-            <a:pPr indent="0" lvl="0" marL="0" rtl="0" algn="l">
+            <a:pPr marL="0" lvl="0" indent="0" algn="l" rtl="0">
               <a:spcBef>
                 <a:spcPts val="0"/>
               </a:spcBef>
@@ -795,9 +818,6 @@
               </a:spcAft>
               <a:buNone/>
             </a:pPr>
-            <a:r>
-              <a:t/>
-            </a:r>
             <a:endParaRPr/>
           </a:p>
         </p:txBody>
@@ -811,11 +831,11 @@
 </file>
 
 <file path=ppt/notesSlides/notesSlide10.xml><?xml version="1.0" encoding="utf-8"?>
-<p:notes xmlns:a="http://schemas.openxmlformats.org/drawingml/2006/main" xmlns:r="http://schemas.openxmlformats.org/officeDocument/2006/relationships" xmlns:mc="http://schemas.openxmlformats.org/markup-compatibility/2006" xmlns:mv="urn:schemas-microsoft-com:mac:vml" xmlns:p="http://schemas.openxmlformats.org/presentationml/2006/main" xmlns:c="http://schemas.openxmlformats.org/drawingml/2006/chart" xmlns:dgm="http://schemas.openxmlformats.org/drawingml/2006/diagram" xmlns:o="urn:schemas-microsoft-com:office:office" xmlns:v="urn:schemas-microsoft-com:vml" xmlns:pvml="urn:schemas-microsoft-com:office:powerpoint" xmlns:com="http://schemas.openxmlformats.org/drawingml/2006/compatibility" xmlns:p14="http://schemas.microsoft.com/office/powerpoint/2010/main" xmlns:p15="http://schemas.microsoft.com/office/powerpoint/2012/main" xmlns:ahyp="http://schemas.microsoft.com/office/drawing/2018/hyperlinkcolor" showMasterPhAnim="0" showMasterSp="0">
+<p:notes xmlns:a="http://schemas.openxmlformats.org/drawingml/2006/main" xmlns:r="http://schemas.openxmlformats.org/officeDocument/2006/relationships" xmlns:p="http://schemas.openxmlformats.org/presentationml/2006/main" showMasterSp="0" showMasterPhAnim="0">
   <p:cSld>
     <p:spTree>
       <p:nvGrpSpPr>
-        <p:cNvPr id="138" name="Shape 138"/>
+        <p:cNvPr id="1" name="Shape 138"/>
         <p:cNvGrpSpPr/>
         <p:nvPr/>
       </p:nvGrpSpPr>
@@ -830,9 +850,11 @@
       <p:sp>
         <p:nvSpPr>
           <p:cNvPr id="139" name="Google Shape;139;g327bdbfaeae_0_0:notes"/>
-          <p:cNvSpPr/>
+          <p:cNvSpPr>
+            <a:spLocks noGrp="1" noRot="1" noChangeAspect="1"/>
+          </p:cNvSpPr>
           <p:nvPr>
-            <p:ph idx="2" type="sldImg"/>
+            <p:ph type="sldImg" idx="2"/>
           </p:nvPr>
         </p:nvSpPr>
         <p:spPr>
@@ -841,9 +863,13 @@
             <a:ext cx="6096000" cy="3429000"/>
           </a:xfrm>
           <a:custGeom>
-            <a:rect b="b" l="l" r="r" t="t"/>
+            <a:avLst/>
+            <a:gdLst/>
+            <a:ahLst/>
+            <a:cxnLst/>
+            <a:rect l="l" t="t" r="r" b="b"/>
             <a:pathLst>
-              <a:path extrusionOk="0" h="120000" w="120000">
+              <a:path w="120000" h="120000" extrusionOk="0">
                 <a:moveTo>
                   <a:pt x="0" y="0"/>
                 </a:moveTo>
@@ -865,9 +891,11 @@
       <p:sp>
         <p:nvSpPr>
           <p:cNvPr id="140" name="Google Shape;140;g327bdbfaeae_0_0:notes"/>
-          <p:cNvSpPr txBox="1"/>
+          <p:cNvSpPr txBox="1">
+            <a:spLocks noGrp="1"/>
+          </p:cNvSpPr>
           <p:nvPr>
-            <p:ph idx="1" type="body"/>
+            <p:ph type="body" idx="1"/>
           </p:nvPr>
         </p:nvSpPr>
         <p:spPr>
@@ -880,12 +908,12 @@
           </a:prstGeom>
         </p:spPr>
         <p:txBody>
-          <a:bodyPr anchorCtr="0" anchor="t" bIns="91425" lIns="91425" spcFirstLastPara="1" rIns="91425" wrap="square" tIns="91425">
+          <a:bodyPr spcFirstLastPara="1" wrap="square" lIns="91425" tIns="91425" rIns="91425" bIns="91425" anchor="t" anchorCtr="0">
             <a:noAutofit/>
           </a:bodyPr>
           <a:lstStyle/>
           <a:p>
-            <a:pPr indent="0" lvl="0" marL="0" rtl="0" algn="l">
+            <a:pPr marL="0" lvl="0" indent="0" algn="l" rtl="0">
               <a:spcBef>
                 <a:spcPts val="0"/>
               </a:spcBef>
@@ -894,9 +922,6 @@
               </a:spcAft>
               <a:buNone/>
             </a:pPr>
-            <a:r>
-              <a:t/>
-            </a:r>
             <a:endParaRPr/>
           </a:p>
         </p:txBody>
@@ -910,11 +935,11 @@
 </file>
 
 <file path=ppt/notesSlides/notesSlide2.xml><?xml version="1.0" encoding="utf-8"?>
-<p:notes xmlns:a="http://schemas.openxmlformats.org/drawingml/2006/main" xmlns:r="http://schemas.openxmlformats.org/officeDocument/2006/relationships" xmlns:mc="http://schemas.openxmlformats.org/markup-compatibility/2006" xmlns:mv="urn:schemas-microsoft-com:mac:vml" xmlns:p="http://schemas.openxmlformats.org/presentationml/2006/main" xmlns:c="http://schemas.openxmlformats.org/drawingml/2006/chart" xmlns:dgm="http://schemas.openxmlformats.org/drawingml/2006/diagram" xmlns:o="urn:schemas-microsoft-com:office:office" xmlns:v="urn:schemas-microsoft-com:vml" xmlns:pvml="urn:schemas-microsoft-com:office:powerpoint" xmlns:com="http://schemas.openxmlformats.org/drawingml/2006/compatibility" xmlns:p14="http://schemas.microsoft.com/office/powerpoint/2010/main" xmlns:p15="http://schemas.microsoft.com/office/powerpoint/2012/main" xmlns:ahyp="http://schemas.microsoft.com/office/drawing/2018/hyperlinkcolor" showMasterPhAnim="0" showMasterSp="0">
+<p:notes xmlns:a="http://schemas.openxmlformats.org/drawingml/2006/main" xmlns:r="http://schemas.openxmlformats.org/officeDocument/2006/relationships" xmlns:p="http://schemas.openxmlformats.org/presentationml/2006/main" showMasterSp="0" showMasterPhAnim="0">
   <p:cSld>
     <p:spTree>
       <p:nvGrpSpPr>
-        <p:cNvPr id="88" name="Shape 88"/>
+        <p:cNvPr id="1" name="Shape 88"/>
         <p:cNvGrpSpPr/>
         <p:nvPr/>
       </p:nvGrpSpPr>
@@ -929,9 +954,11 @@
       <p:sp>
         <p:nvSpPr>
           <p:cNvPr id="89" name="Google Shape;89;g32767891b22_1_11:notes"/>
-          <p:cNvSpPr/>
+          <p:cNvSpPr>
+            <a:spLocks noGrp="1" noRot="1" noChangeAspect="1"/>
+          </p:cNvSpPr>
           <p:nvPr>
-            <p:ph idx="2" type="sldImg"/>
+            <p:ph type="sldImg" idx="2"/>
           </p:nvPr>
         </p:nvSpPr>
         <p:spPr>
@@ -940,9 +967,13 @@
             <a:ext cx="6096000" cy="3429000"/>
           </a:xfrm>
           <a:custGeom>
-            <a:rect b="b" l="l" r="r" t="t"/>
+            <a:avLst/>
+            <a:gdLst/>
+            <a:ahLst/>
+            <a:cxnLst/>
+            <a:rect l="l" t="t" r="r" b="b"/>
             <a:pathLst>
-              <a:path extrusionOk="0" h="120000" w="120000">
+              <a:path w="120000" h="120000" extrusionOk="0">
                 <a:moveTo>
                   <a:pt x="0" y="0"/>
                 </a:moveTo>
@@ -964,9 +995,11 @@
       <p:sp>
         <p:nvSpPr>
           <p:cNvPr id="90" name="Google Shape;90;g32767891b22_1_11:notes"/>
-          <p:cNvSpPr txBox="1"/>
+          <p:cNvSpPr txBox="1">
+            <a:spLocks noGrp="1"/>
+          </p:cNvSpPr>
           <p:nvPr>
-            <p:ph idx="1" type="body"/>
+            <p:ph type="body" idx="1"/>
           </p:nvPr>
         </p:nvSpPr>
         <p:spPr>
@@ -979,12 +1012,12 @@
           </a:prstGeom>
         </p:spPr>
         <p:txBody>
-          <a:bodyPr anchorCtr="0" anchor="t" bIns="91425" lIns="91425" spcFirstLastPara="1" rIns="91425" wrap="square" tIns="91425">
+          <a:bodyPr spcFirstLastPara="1" wrap="square" lIns="91425" tIns="91425" rIns="91425" bIns="91425" anchor="t" anchorCtr="0">
             <a:noAutofit/>
           </a:bodyPr>
           <a:lstStyle/>
           <a:p>
-            <a:pPr indent="0" lvl="0" marL="0" rtl="0" algn="l">
+            <a:pPr marL="0" lvl="0" indent="0" algn="l" rtl="0">
               <a:spcBef>
                 <a:spcPts val="0"/>
               </a:spcBef>
@@ -993,9 +1026,6 @@
               </a:spcAft>
               <a:buNone/>
             </a:pPr>
-            <a:r>
-              <a:t/>
-            </a:r>
             <a:endParaRPr/>
           </a:p>
         </p:txBody>
@@ -1009,11 +1039,11 @@
 </file>
 
 <file path=ppt/notesSlides/notesSlide3.xml><?xml version="1.0" encoding="utf-8"?>
-<p:notes xmlns:a="http://schemas.openxmlformats.org/drawingml/2006/main" xmlns:r="http://schemas.openxmlformats.org/officeDocument/2006/relationships" xmlns:mc="http://schemas.openxmlformats.org/markup-compatibility/2006" xmlns:mv="urn:schemas-microsoft-com:mac:vml" xmlns:p="http://schemas.openxmlformats.org/presentationml/2006/main" xmlns:c="http://schemas.openxmlformats.org/drawingml/2006/chart" xmlns:dgm="http://schemas.openxmlformats.org/drawingml/2006/diagram" xmlns:o="urn:schemas-microsoft-com:office:office" xmlns:v="urn:schemas-microsoft-com:vml" xmlns:pvml="urn:schemas-microsoft-com:office:powerpoint" xmlns:com="http://schemas.openxmlformats.org/drawingml/2006/compatibility" xmlns:p14="http://schemas.microsoft.com/office/powerpoint/2010/main" xmlns:p15="http://schemas.microsoft.com/office/powerpoint/2012/main" xmlns:ahyp="http://schemas.microsoft.com/office/drawing/2018/hyperlinkcolor" showMasterPhAnim="0" showMasterSp="0">
+<p:notes xmlns:a="http://schemas.openxmlformats.org/drawingml/2006/main" xmlns:r="http://schemas.openxmlformats.org/officeDocument/2006/relationships" xmlns:p="http://schemas.openxmlformats.org/presentationml/2006/main" showMasterSp="0" showMasterPhAnim="0">
   <p:cSld>
     <p:spTree>
       <p:nvGrpSpPr>
-        <p:cNvPr id="95" name="Shape 95"/>
+        <p:cNvPr id="1" name="Shape 95"/>
         <p:cNvGrpSpPr/>
         <p:nvPr/>
       </p:nvGrpSpPr>
@@ -1028,20 +1058,26 @@
       <p:sp>
         <p:nvSpPr>
           <p:cNvPr id="96" name="Google Shape;96;g32767891b22_1_22:notes"/>
-          <p:cNvSpPr/>
+          <p:cNvSpPr>
+            <a:spLocks noGrp="1" noRot="1" noChangeAspect="1"/>
+          </p:cNvSpPr>
           <p:nvPr>
-            <p:ph idx="2" type="sldImg"/>
+            <p:ph type="sldImg" idx="2"/>
           </p:nvPr>
         </p:nvSpPr>
         <p:spPr>
           <a:xfrm>
-            <a:off x="381300" y="685800"/>
+            <a:off x="381000" y="685800"/>
             <a:ext cx="6096000" cy="3429000"/>
           </a:xfrm>
           <a:custGeom>
-            <a:rect b="b" l="l" r="r" t="t"/>
+            <a:avLst/>
+            <a:gdLst/>
+            <a:ahLst/>
+            <a:cxnLst/>
+            <a:rect l="l" t="t" r="r" b="b"/>
             <a:pathLst>
-              <a:path extrusionOk="0" h="120000" w="120000">
+              <a:path w="120000" h="120000" extrusionOk="0">
                 <a:moveTo>
                   <a:pt x="0" y="0"/>
                 </a:moveTo>
@@ -1063,9 +1099,11 @@
       <p:sp>
         <p:nvSpPr>
           <p:cNvPr id="97" name="Google Shape;97;g32767891b22_1_22:notes"/>
-          <p:cNvSpPr txBox="1"/>
+          <p:cNvSpPr txBox="1">
+            <a:spLocks noGrp="1"/>
+          </p:cNvSpPr>
           <p:nvPr>
-            <p:ph idx="1" type="body"/>
+            <p:ph type="body" idx="1"/>
           </p:nvPr>
         </p:nvSpPr>
         <p:spPr>
@@ -1078,12 +1116,12 @@
           </a:prstGeom>
         </p:spPr>
         <p:txBody>
-          <a:bodyPr anchorCtr="0" anchor="t" bIns="91425" lIns="91425" spcFirstLastPara="1" rIns="91425" wrap="square" tIns="91425">
+          <a:bodyPr spcFirstLastPara="1" wrap="square" lIns="91425" tIns="91425" rIns="91425" bIns="91425" anchor="t" anchorCtr="0">
             <a:noAutofit/>
           </a:bodyPr>
           <a:lstStyle/>
           <a:p>
-            <a:pPr indent="0" lvl="0" marL="0" rtl="0" algn="l">
+            <a:pPr marL="0" lvl="0" indent="0" algn="l" rtl="0">
               <a:spcBef>
                 <a:spcPts val="0"/>
               </a:spcBef>
@@ -1092,9 +1130,6 @@
               </a:spcAft>
               <a:buNone/>
             </a:pPr>
-            <a:r>
-              <a:t/>
-            </a:r>
             <a:endParaRPr/>
           </a:p>
         </p:txBody>
@@ -1108,11 +1143,11 @@
 </file>
 
 <file path=ppt/notesSlides/notesSlide4.xml><?xml version="1.0" encoding="utf-8"?>
-<p:notes xmlns:a="http://schemas.openxmlformats.org/drawingml/2006/main" xmlns:r="http://schemas.openxmlformats.org/officeDocument/2006/relationships" xmlns:mc="http://schemas.openxmlformats.org/markup-compatibility/2006" xmlns:mv="urn:schemas-microsoft-com:mac:vml" xmlns:p="http://schemas.openxmlformats.org/presentationml/2006/main" xmlns:c="http://schemas.openxmlformats.org/drawingml/2006/chart" xmlns:dgm="http://schemas.openxmlformats.org/drawingml/2006/diagram" xmlns:o="urn:schemas-microsoft-com:office:office" xmlns:v="urn:schemas-microsoft-com:vml" xmlns:pvml="urn:schemas-microsoft-com:office:powerpoint" xmlns:com="http://schemas.openxmlformats.org/drawingml/2006/compatibility" xmlns:p14="http://schemas.microsoft.com/office/powerpoint/2010/main" xmlns:p15="http://schemas.microsoft.com/office/powerpoint/2012/main" xmlns:ahyp="http://schemas.microsoft.com/office/drawing/2018/hyperlinkcolor" showMasterPhAnim="0" showMasterSp="0">
+<p:notes xmlns:a="http://schemas.openxmlformats.org/drawingml/2006/main" xmlns:r="http://schemas.openxmlformats.org/officeDocument/2006/relationships" xmlns:p="http://schemas.openxmlformats.org/presentationml/2006/main" showMasterSp="0" showMasterPhAnim="0">
   <p:cSld>
     <p:spTree>
       <p:nvGrpSpPr>
-        <p:cNvPr id="102" name="Shape 102"/>
+        <p:cNvPr id="1" name="Shape 102"/>
         <p:cNvGrpSpPr/>
         <p:nvPr/>
       </p:nvGrpSpPr>
@@ -1127,9 +1162,11 @@
       <p:sp>
         <p:nvSpPr>
           <p:cNvPr id="103" name="Google Shape;103;g3276f0da58c_1_0:notes"/>
-          <p:cNvSpPr/>
+          <p:cNvSpPr>
+            <a:spLocks noGrp="1" noRot="1" noChangeAspect="1"/>
+          </p:cNvSpPr>
           <p:nvPr>
-            <p:ph idx="2" type="sldImg"/>
+            <p:ph type="sldImg" idx="2"/>
           </p:nvPr>
         </p:nvSpPr>
         <p:spPr>
@@ -1138,9 +1175,13 @@
             <a:ext cx="6096000" cy="3429000"/>
           </a:xfrm>
           <a:custGeom>
-            <a:rect b="b" l="l" r="r" t="t"/>
+            <a:avLst/>
+            <a:gdLst/>
+            <a:ahLst/>
+            <a:cxnLst/>
+            <a:rect l="l" t="t" r="r" b="b"/>
             <a:pathLst>
-              <a:path extrusionOk="0" h="120000" w="120000">
+              <a:path w="120000" h="120000" extrusionOk="0">
                 <a:moveTo>
                   <a:pt x="0" y="0"/>
                 </a:moveTo>
@@ -1162,9 +1203,11 @@
       <p:sp>
         <p:nvSpPr>
           <p:cNvPr id="104" name="Google Shape;104;g3276f0da58c_1_0:notes"/>
-          <p:cNvSpPr txBox="1"/>
+          <p:cNvSpPr txBox="1">
+            <a:spLocks noGrp="1"/>
+          </p:cNvSpPr>
           <p:nvPr>
-            <p:ph idx="1" type="body"/>
+            <p:ph type="body" idx="1"/>
           </p:nvPr>
         </p:nvSpPr>
         <p:spPr>
@@ -1177,12 +1220,12 @@
           </a:prstGeom>
         </p:spPr>
         <p:txBody>
-          <a:bodyPr anchorCtr="0" anchor="t" bIns="91425" lIns="91425" spcFirstLastPara="1" rIns="91425" wrap="square" tIns="91425">
+          <a:bodyPr spcFirstLastPara="1" wrap="square" lIns="91425" tIns="91425" rIns="91425" bIns="91425" anchor="t" anchorCtr="0">
             <a:noAutofit/>
           </a:bodyPr>
           <a:lstStyle/>
           <a:p>
-            <a:pPr indent="0" lvl="0" marL="0" rtl="0" algn="l">
+            <a:pPr marL="0" lvl="0" indent="0" algn="l" rtl="0">
               <a:spcBef>
                 <a:spcPts val="0"/>
               </a:spcBef>
@@ -1191,9 +1234,6 @@
               </a:spcAft>
               <a:buNone/>
             </a:pPr>
-            <a:r>
-              <a:t/>
-            </a:r>
             <a:endParaRPr/>
           </a:p>
         </p:txBody>
@@ -1207,11 +1247,11 @@
 </file>
 
 <file path=ppt/notesSlides/notesSlide5.xml><?xml version="1.0" encoding="utf-8"?>
-<p:notes xmlns:a="http://schemas.openxmlformats.org/drawingml/2006/main" xmlns:r="http://schemas.openxmlformats.org/officeDocument/2006/relationships" xmlns:mc="http://schemas.openxmlformats.org/markup-compatibility/2006" xmlns:mv="urn:schemas-microsoft-com:mac:vml" xmlns:p="http://schemas.openxmlformats.org/presentationml/2006/main" xmlns:c="http://schemas.openxmlformats.org/drawingml/2006/chart" xmlns:dgm="http://schemas.openxmlformats.org/drawingml/2006/diagram" xmlns:o="urn:schemas-microsoft-com:office:office" xmlns:v="urn:schemas-microsoft-com:vml" xmlns:pvml="urn:schemas-microsoft-com:office:powerpoint" xmlns:com="http://schemas.openxmlformats.org/drawingml/2006/compatibility" xmlns:p14="http://schemas.microsoft.com/office/powerpoint/2010/main" xmlns:p15="http://schemas.microsoft.com/office/powerpoint/2012/main" xmlns:ahyp="http://schemas.microsoft.com/office/drawing/2018/hyperlinkcolor" showMasterPhAnim="0" showMasterSp="0">
+<p:notes xmlns:a="http://schemas.openxmlformats.org/drawingml/2006/main" xmlns:r="http://schemas.openxmlformats.org/officeDocument/2006/relationships" xmlns:p="http://schemas.openxmlformats.org/presentationml/2006/main" showMasterSp="0" showMasterPhAnim="0">
   <p:cSld>
     <p:spTree>
       <p:nvGrpSpPr>
-        <p:cNvPr id="108" name="Shape 108"/>
+        <p:cNvPr id="1" name="Shape 108"/>
         <p:cNvGrpSpPr/>
         <p:nvPr/>
       </p:nvGrpSpPr>
@@ -1226,9 +1266,11 @@
       <p:sp>
         <p:nvSpPr>
           <p:cNvPr id="109" name="Google Shape;109;g32767891b22_1_0:notes"/>
-          <p:cNvSpPr/>
+          <p:cNvSpPr>
+            <a:spLocks noGrp="1" noRot="1" noChangeAspect="1"/>
+          </p:cNvSpPr>
           <p:nvPr>
-            <p:ph idx="2" type="sldImg"/>
+            <p:ph type="sldImg" idx="2"/>
           </p:nvPr>
         </p:nvSpPr>
         <p:spPr>
@@ -1237,9 +1279,13 @@
             <a:ext cx="6096000" cy="3429000"/>
           </a:xfrm>
           <a:custGeom>
-            <a:rect b="b" l="l" r="r" t="t"/>
+            <a:avLst/>
+            <a:gdLst/>
+            <a:ahLst/>
+            <a:cxnLst/>
+            <a:rect l="l" t="t" r="r" b="b"/>
             <a:pathLst>
-              <a:path extrusionOk="0" h="120000" w="120000">
+              <a:path w="120000" h="120000" extrusionOk="0">
                 <a:moveTo>
                   <a:pt x="0" y="0"/>
                 </a:moveTo>
@@ -1261,9 +1307,11 @@
       <p:sp>
         <p:nvSpPr>
           <p:cNvPr id="110" name="Google Shape;110;g32767891b22_1_0:notes"/>
-          <p:cNvSpPr txBox="1"/>
+          <p:cNvSpPr txBox="1">
+            <a:spLocks noGrp="1"/>
+          </p:cNvSpPr>
           <p:nvPr>
-            <p:ph idx="1" type="body"/>
+            <p:ph type="body" idx="1"/>
           </p:nvPr>
         </p:nvSpPr>
         <p:spPr>
@@ -1276,12 +1324,12 @@
           </a:prstGeom>
         </p:spPr>
         <p:txBody>
-          <a:bodyPr anchorCtr="0" anchor="t" bIns="91425" lIns="91425" spcFirstLastPara="1" rIns="91425" wrap="square" tIns="91425">
+          <a:bodyPr spcFirstLastPara="1" wrap="square" lIns="91425" tIns="91425" rIns="91425" bIns="91425" anchor="t" anchorCtr="0">
             <a:noAutofit/>
           </a:bodyPr>
           <a:lstStyle/>
           <a:p>
-            <a:pPr indent="0" lvl="0" marL="0" rtl="0" algn="l">
+            <a:pPr marL="0" lvl="0" indent="0" algn="l" rtl="0">
               <a:spcBef>
                 <a:spcPts val="0"/>
               </a:spcBef>
@@ -1290,9 +1338,6 @@
               </a:spcAft>
               <a:buNone/>
             </a:pPr>
-            <a:r>
-              <a:t/>
-            </a:r>
             <a:endParaRPr/>
           </a:p>
         </p:txBody>
@@ -1306,11 +1351,11 @@
 </file>
 
 <file path=ppt/notesSlides/notesSlide6.xml><?xml version="1.0" encoding="utf-8"?>
-<p:notes xmlns:a="http://schemas.openxmlformats.org/drawingml/2006/main" xmlns:r="http://schemas.openxmlformats.org/officeDocument/2006/relationships" xmlns:mc="http://schemas.openxmlformats.org/markup-compatibility/2006" xmlns:mv="urn:schemas-microsoft-com:mac:vml" xmlns:p="http://schemas.openxmlformats.org/presentationml/2006/main" xmlns:c="http://schemas.openxmlformats.org/drawingml/2006/chart" xmlns:dgm="http://schemas.openxmlformats.org/drawingml/2006/diagram" xmlns:o="urn:schemas-microsoft-com:office:office" xmlns:v="urn:schemas-microsoft-com:vml" xmlns:pvml="urn:schemas-microsoft-com:office:powerpoint" xmlns:com="http://schemas.openxmlformats.org/drawingml/2006/compatibility" xmlns:p14="http://schemas.microsoft.com/office/powerpoint/2010/main" xmlns:p15="http://schemas.microsoft.com/office/powerpoint/2012/main" xmlns:ahyp="http://schemas.microsoft.com/office/drawing/2018/hyperlinkcolor" showMasterPhAnim="0" showMasterSp="0">
+<p:notes xmlns:a="http://schemas.openxmlformats.org/drawingml/2006/main" xmlns:r="http://schemas.openxmlformats.org/officeDocument/2006/relationships" xmlns:p="http://schemas.openxmlformats.org/presentationml/2006/main" showMasterSp="0" showMasterPhAnim="0">
   <p:cSld>
     <p:spTree>
       <p:nvGrpSpPr>
-        <p:cNvPr id="117" name="Shape 117"/>
+        <p:cNvPr id="1" name="Shape 117"/>
         <p:cNvGrpSpPr/>
         <p:nvPr/>
       </p:nvGrpSpPr>
@@ -1325,9 +1370,11 @@
       <p:sp>
         <p:nvSpPr>
           <p:cNvPr id="118" name="Google Shape;118;g327f2c58b9a_0_10:notes"/>
-          <p:cNvSpPr/>
+          <p:cNvSpPr>
+            <a:spLocks noGrp="1" noRot="1" noChangeAspect="1"/>
+          </p:cNvSpPr>
           <p:nvPr>
-            <p:ph idx="2" type="sldImg"/>
+            <p:ph type="sldImg" idx="2"/>
           </p:nvPr>
         </p:nvSpPr>
         <p:spPr>
@@ -1336,9 +1383,13 @@
             <a:ext cx="6096000" cy="3429000"/>
           </a:xfrm>
           <a:custGeom>
-            <a:rect b="b" l="l" r="r" t="t"/>
+            <a:avLst/>
+            <a:gdLst/>
+            <a:ahLst/>
+            <a:cxnLst/>
+            <a:rect l="l" t="t" r="r" b="b"/>
             <a:pathLst>
-              <a:path extrusionOk="0" h="120000" w="120000">
+              <a:path w="120000" h="120000" extrusionOk="0">
                 <a:moveTo>
                   <a:pt x="0" y="0"/>
                 </a:moveTo>
@@ -1360,9 +1411,11 @@
       <p:sp>
         <p:nvSpPr>
           <p:cNvPr id="119" name="Google Shape;119;g327f2c58b9a_0_10:notes"/>
-          <p:cNvSpPr txBox="1"/>
+          <p:cNvSpPr txBox="1">
+            <a:spLocks noGrp="1"/>
+          </p:cNvSpPr>
           <p:nvPr>
-            <p:ph idx="1" type="body"/>
+            <p:ph type="body" idx="1"/>
           </p:nvPr>
         </p:nvSpPr>
         <p:spPr>
@@ -1375,12 +1428,12 @@
           </a:prstGeom>
         </p:spPr>
         <p:txBody>
-          <a:bodyPr anchorCtr="0" anchor="t" bIns="91425" lIns="91425" spcFirstLastPara="1" rIns="91425" wrap="square" tIns="91425">
+          <a:bodyPr spcFirstLastPara="1" wrap="square" lIns="91425" tIns="91425" rIns="91425" bIns="91425" anchor="t" anchorCtr="0">
             <a:noAutofit/>
           </a:bodyPr>
           <a:lstStyle/>
           <a:p>
-            <a:pPr indent="0" lvl="0" marL="0" rtl="0" algn="l">
+            <a:pPr marL="0" lvl="0" indent="0" algn="l" rtl="0">
               <a:spcBef>
                 <a:spcPts val="0"/>
               </a:spcBef>
@@ -1389,9 +1442,6 @@
               </a:spcAft>
               <a:buNone/>
             </a:pPr>
-            <a:r>
-              <a:t/>
-            </a:r>
             <a:endParaRPr/>
           </a:p>
         </p:txBody>
@@ -1405,11 +1455,11 @@
 </file>
 
 <file path=ppt/notesSlides/notesSlide7.xml><?xml version="1.0" encoding="utf-8"?>
-<p:notes xmlns:a="http://schemas.openxmlformats.org/drawingml/2006/main" xmlns:r="http://schemas.openxmlformats.org/officeDocument/2006/relationships" xmlns:mc="http://schemas.openxmlformats.org/markup-compatibility/2006" xmlns:mv="urn:schemas-microsoft-com:mac:vml" xmlns:p="http://schemas.openxmlformats.org/presentationml/2006/main" xmlns:c="http://schemas.openxmlformats.org/drawingml/2006/chart" xmlns:dgm="http://schemas.openxmlformats.org/drawingml/2006/diagram" xmlns:o="urn:schemas-microsoft-com:office:office" xmlns:v="urn:schemas-microsoft-com:vml" xmlns:pvml="urn:schemas-microsoft-com:office:powerpoint" xmlns:com="http://schemas.openxmlformats.org/drawingml/2006/compatibility" xmlns:p14="http://schemas.microsoft.com/office/powerpoint/2010/main" xmlns:p15="http://schemas.microsoft.com/office/powerpoint/2012/main" xmlns:ahyp="http://schemas.microsoft.com/office/drawing/2018/hyperlinkcolor" showMasterPhAnim="0" showMasterSp="0">
+<p:notes xmlns:a="http://schemas.openxmlformats.org/drawingml/2006/main" xmlns:r="http://schemas.openxmlformats.org/officeDocument/2006/relationships" xmlns:p="http://schemas.openxmlformats.org/presentationml/2006/main" showMasterSp="0" showMasterPhAnim="0">
   <p:cSld>
     <p:spTree>
       <p:nvGrpSpPr>
-        <p:cNvPr id="122" name="Shape 122"/>
+        <p:cNvPr id="1" name="Shape 122"/>
         <p:cNvGrpSpPr/>
         <p:nvPr/>
       </p:nvGrpSpPr>
@@ -1424,9 +1474,11 @@
       <p:sp>
         <p:nvSpPr>
           <p:cNvPr id="123" name="Google Shape;123;g32767891b22_1_17:notes"/>
-          <p:cNvSpPr/>
+          <p:cNvSpPr>
+            <a:spLocks noGrp="1" noRot="1" noChangeAspect="1"/>
+          </p:cNvSpPr>
           <p:nvPr>
-            <p:ph idx="2" type="sldImg"/>
+            <p:ph type="sldImg" idx="2"/>
           </p:nvPr>
         </p:nvSpPr>
         <p:spPr>
@@ -1435,9 +1487,13 @@
             <a:ext cx="6096000" cy="3429000"/>
           </a:xfrm>
           <a:custGeom>
-            <a:rect b="b" l="l" r="r" t="t"/>
+            <a:avLst/>
+            <a:gdLst/>
+            <a:ahLst/>
+            <a:cxnLst/>
+            <a:rect l="l" t="t" r="r" b="b"/>
             <a:pathLst>
-              <a:path extrusionOk="0" h="120000" w="120000">
+              <a:path w="120000" h="120000" extrusionOk="0">
                 <a:moveTo>
                   <a:pt x="0" y="0"/>
                 </a:moveTo>
@@ -1459,9 +1515,11 @@
       <p:sp>
         <p:nvSpPr>
           <p:cNvPr id="124" name="Google Shape;124;g32767891b22_1_17:notes"/>
-          <p:cNvSpPr txBox="1"/>
+          <p:cNvSpPr txBox="1">
+            <a:spLocks noGrp="1"/>
+          </p:cNvSpPr>
           <p:nvPr>
-            <p:ph idx="1" type="body"/>
+            <p:ph type="body" idx="1"/>
           </p:nvPr>
         </p:nvSpPr>
         <p:spPr>
@@ -1474,12 +1532,12 @@
           </a:prstGeom>
         </p:spPr>
         <p:txBody>
-          <a:bodyPr anchorCtr="0" anchor="t" bIns="91425" lIns="91425" spcFirstLastPara="1" rIns="91425" wrap="square" tIns="91425">
+          <a:bodyPr spcFirstLastPara="1" wrap="square" lIns="91425" tIns="91425" rIns="91425" bIns="91425" anchor="t" anchorCtr="0">
             <a:noAutofit/>
           </a:bodyPr>
           <a:lstStyle/>
           <a:p>
-            <a:pPr indent="0" lvl="0" marL="0" rtl="0" algn="l">
+            <a:pPr marL="0" lvl="0" indent="0" algn="l" rtl="0">
               <a:spcBef>
                 <a:spcPts val="0"/>
               </a:spcBef>
@@ -1488,9 +1546,6 @@
               </a:spcAft>
               <a:buNone/>
             </a:pPr>
-            <a:r>
-              <a:t/>
-            </a:r>
             <a:endParaRPr/>
           </a:p>
         </p:txBody>
@@ -1504,11 +1559,11 @@
 </file>
 
 <file path=ppt/notesSlides/notesSlide8.xml><?xml version="1.0" encoding="utf-8"?>
-<p:notes xmlns:a="http://schemas.openxmlformats.org/drawingml/2006/main" xmlns:r="http://schemas.openxmlformats.org/officeDocument/2006/relationships" xmlns:mc="http://schemas.openxmlformats.org/markup-compatibility/2006" xmlns:mv="urn:schemas-microsoft-com:mac:vml" xmlns:p="http://schemas.openxmlformats.org/presentationml/2006/main" xmlns:c="http://schemas.openxmlformats.org/drawingml/2006/chart" xmlns:dgm="http://schemas.openxmlformats.org/drawingml/2006/diagram" xmlns:o="urn:schemas-microsoft-com:office:office" xmlns:v="urn:schemas-microsoft-com:vml" xmlns:pvml="urn:schemas-microsoft-com:office:powerpoint" xmlns:com="http://schemas.openxmlformats.org/drawingml/2006/compatibility" xmlns:p14="http://schemas.microsoft.com/office/powerpoint/2010/main" xmlns:p15="http://schemas.microsoft.com/office/powerpoint/2012/main" xmlns:ahyp="http://schemas.microsoft.com/office/drawing/2018/hyperlinkcolor" showMasterPhAnim="0" showMasterSp="0">
+<p:notes xmlns:a="http://schemas.openxmlformats.org/drawingml/2006/main" xmlns:r="http://schemas.openxmlformats.org/officeDocument/2006/relationships" xmlns:p="http://schemas.openxmlformats.org/presentationml/2006/main" showMasterSp="0" showMasterPhAnim="0">
   <p:cSld>
     <p:spTree>
       <p:nvGrpSpPr>
-        <p:cNvPr id="128" name="Shape 128"/>
+        <p:cNvPr id="1" name="Shape 128"/>
         <p:cNvGrpSpPr/>
         <p:nvPr/>
       </p:nvGrpSpPr>
@@ -1523,9 +1578,11 @@
       <p:sp>
         <p:nvSpPr>
           <p:cNvPr id="129" name="Google Shape;129;g327f2c58b9a_0_15:notes"/>
-          <p:cNvSpPr/>
+          <p:cNvSpPr>
+            <a:spLocks noGrp="1" noRot="1" noChangeAspect="1"/>
+          </p:cNvSpPr>
           <p:nvPr>
-            <p:ph idx="2" type="sldImg"/>
+            <p:ph type="sldImg" idx="2"/>
           </p:nvPr>
         </p:nvSpPr>
         <p:spPr>
@@ -1534,9 +1591,13 @@
             <a:ext cx="6096000" cy="3429000"/>
           </a:xfrm>
           <a:custGeom>
-            <a:rect b="b" l="l" r="r" t="t"/>
+            <a:avLst/>
+            <a:gdLst/>
+            <a:ahLst/>
+            <a:cxnLst/>
+            <a:rect l="l" t="t" r="r" b="b"/>
             <a:pathLst>
-              <a:path extrusionOk="0" h="120000" w="120000">
+              <a:path w="120000" h="120000" extrusionOk="0">
                 <a:moveTo>
                   <a:pt x="0" y="0"/>
                 </a:moveTo>
@@ -1558,9 +1619,11 @@
       <p:sp>
         <p:nvSpPr>
           <p:cNvPr id="130" name="Google Shape;130;g327f2c58b9a_0_15:notes"/>
-          <p:cNvSpPr txBox="1"/>
+          <p:cNvSpPr txBox="1">
+            <a:spLocks noGrp="1"/>
+          </p:cNvSpPr>
           <p:nvPr>
-            <p:ph idx="1" type="body"/>
+            <p:ph type="body" idx="1"/>
           </p:nvPr>
         </p:nvSpPr>
         <p:spPr>
@@ -1573,12 +1636,12 @@
           </a:prstGeom>
         </p:spPr>
         <p:txBody>
-          <a:bodyPr anchorCtr="0" anchor="t" bIns="91425" lIns="91425" spcFirstLastPara="1" rIns="91425" wrap="square" tIns="91425">
+          <a:bodyPr spcFirstLastPara="1" wrap="square" lIns="91425" tIns="91425" rIns="91425" bIns="91425" anchor="t" anchorCtr="0">
             <a:noAutofit/>
           </a:bodyPr>
           <a:lstStyle/>
           <a:p>
-            <a:pPr indent="0" lvl="0" marL="0" rtl="0" algn="l">
+            <a:pPr marL="0" lvl="0" indent="0" algn="l" rtl="0">
               <a:spcBef>
                 <a:spcPts val="0"/>
               </a:spcBef>
@@ -1587,9 +1650,6 @@
               </a:spcAft>
               <a:buNone/>
             </a:pPr>
-            <a:r>
-              <a:t/>
-            </a:r>
             <a:endParaRPr/>
           </a:p>
         </p:txBody>
@@ -1603,11 +1663,11 @@
 </file>
 
 <file path=ppt/notesSlides/notesSlide9.xml><?xml version="1.0" encoding="utf-8"?>
-<p:notes xmlns:a="http://schemas.openxmlformats.org/drawingml/2006/main" xmlns:r="http://schemas.openxmlformats.org/officeDocument/2006/relationships" xmlns:mc="http://schemas.openxmlformats.org/markup-compatibility/2006" xmlns:mv="urn:schemas-microsoft-com:mac:vml" xmlns:p="http://schemas.openxmlformats.org/presentationml/2006/main" xmlns:c="http://schemas.openxmlformats.org/drawingml/2006/chart" xmlns:dgm="http://schemas.openxmlformats.org/drawingml/2006/diagram" xmlns:o="urn:schemas-microsoft-com:office:office" xmlns:v="urn:schemas-microsoft-com:vml" xmlns:pvml="urn:schemas-microsoft-com:office:powerpoint" xmlns:com="http://schemas.openxmlformats.org/drawingml/2006/compatibility" xmlns:p14="http://schemas.microsoft.com/office/powerpoint/2010/main" xmlns:p15="http://schemas.microsoft.com/office/powerpoint/2012/main" xmlns:ahyp="http://schemas.microsoft.com/office/drawing/2018/hyperlinkcolor" showMasterPhAnim="0" showMasterSp="0">
+<p:notes xmlns:a="http://schemas.openxmlformats.org/drawingml/2006/main" xmlns:r="http://schemas.openxmlformats.org/officeDocument/2006/relationships" xmlns:p="http://schemas.openxmlformats.org/presentationml/2006/main" showMasterSp="0" showMasterPhAnim="0">
   <p:cSld>
     <p:spTree>
       <p:nvGrpSpPr>
-        <p:cNvPr id="133" name="Shape 133"/>
+        <p:cNvPr id="1" name="Shape 133"/>
         <p:cNvGrpSpPr/>
         <p:nvPr/>
       </p:nvGrpSpPr>
@@ -1622,9 +1682,11 @@
       <p:sp>
         <p:nvSpPr>
           <p:cNvPr id="134" name="Google Shape;134;g327f2c58b9a_0_19:notes"/>
-          <p:cNvSpPr/>
+          <p:cNvSpPr>
+            <a:spLocks noGrp="1" noRot="1" noChangeAspect="1"/>
+          </p:cNvSpPr>
           <p:nvPr>
-            <p:ph idx="2" type="sldImg"/>
+            <p:ph type="sldImg" idx="2"/>
           </p:nvPr>
         </p:nvSpPr>
         <p:spPr>
@@ -1633,9 +1695,13 @@
             <a:ext cx="6096000" cy="3429000"/>
           </a:xfrm>
           <a:custGeom>
-            <a:rect b="b" l="l" r="r" t="t"/>
+            <a:avLst/>
+            <a:gdLst/>
+            <a:ahLst/>
+            <a:cxnLst/>
+            <a:rect l="l" t="t" r="r" b="b"/>
             <a:pathLst>
-              <a:path extrusionOk="0" h="120000" w="120000">
+              <a:path w="120000" h="120000" extrusionOk="0">
                 <a:moveTo>
                   <a:pt x="0" y="0"/>
                 </a:moveTo>
@@ -1657,9 +1723,11 @@
       <p:sp>
         <p:nvSpPr>
           <p:cNvPr id="135" name="Google Shape;135;g327f2c58b9a_0_19:notes"/>
-          <p:cNvSpPr txBox="1"/>
+          <p:cNvSpPr txBox="1">
+            <a:spLocks noGrp="1"/>
+          </p:cNvSpPr>
           <p:nvPr>
-            <p:ph idx="1" type="body"/>
+            <p:ph type="body" idx="1"/>
           </p:nvPr>
         </p:nvSpPr>
         <p:spPr>
@@ -1672,12 +1740,12 @@
           </a:prstGeom>
         </p:spPr>
         <p:txBody>
-          <a:bodyPr anchorCtr="0" anchor="t" bIns="91425" lIns="91425" spcFirstLastPara="1" rIns="91425" wrap="square" tIns="91425">
+          <a:bodyPr spcFirstLastPara="1" wrap="square" lIns="91425" tIns="91425" rIns="91425" bIns="91425" anchor="t" anchorCtr="0">
             <a:noAutofit/>
           </a:bodyPr>
           <a:lstStyle/>
           <a:p>
-            <a:pPr indent="0" lvl="0" marL="0" rtl="0" algn="l">
+            <a:pPr marL="0" lvl="0" indent="0" algn="l" rtl="0">
               <a:spcBef>
                 <a:spcPts val="0"/>
               </a:spcBef>
@@ -1686,9 +1754,6 @@
               </a:spcAft>
               <a:buNone/>
             </a:pPr>
-            <a:r>
-              <a:t/>
-            </a:r>
             <a:endParaRPr/>
           </a:p>
         </p:txBody>
@@ -1702,18 +1767,19 @@
 </file>
 
 <file path=ppt/slideLayouts/slideLayout1.xml><?xml version="1.0" encoding="utf-8"?>
-<p:sldLayout xmlns:a="http://schemas.openxmlformats.org/drawingml/2006/main" xmlns:r="http://schemas.openxmlformats.org/officeDocument/2006/relationships" xmlns:mc="http://schemas.openxmlformats.org/markup-compatibility/2006" xmlns:mv="urn:schemas-microsoft-com:mac:vml" xmlns:p="http://schemas.openxmlformats.org/presentationml/2006/main" xmlns:c="http://schemas.openxmlformats.org/drawingml/2006/chart" xmlns:dgm="http://schemas.openxmlformats.org/drawingml/2006/diagram" xmlns:o="urn:schemas-microsoft-com:office:office" xmlns:v="urn:schemas-microsoft-com:vml" xmlns:pvml="urn:schemas-microsoft-com:office:powerpoint" xmlns:com="http://schemas.openxmlformats.org/drawingml/2006/compatibility" xmlns:p14="http://schemas.microsoft.com/office/powerpoint/2010/main" xmlns:p15="http://schemas.microsoft.com/office/powerpoint/2012/main" xmlns:ahyp="http://schemas.microsoft.com/office/drawing/2018/hyperlinkcolor" matchingName="Title slide" type="title">
+<p:sldLayout xmlns:a="http://schemas.openxmlformats.org/drawingml/2006/main" xmlns:r="http://schemas.openxmlformats.org/officeDocument/2006/relationships" xmlns:p="http://schemas.openxmlformats.org/presentationml/2006/main" matchingName="Title slide" type="title">
   <p:cSld name="TITLE">
     <p:bg>
       <p:bgPr>
         <a:solidFill>
           <a:schemeClr val="lt2"/>
         </a:solidFill>
+        <a:effectLst/>
       </p:bgPr>
     </p:bg>
     <p:spTree>
       <p:nvGrpSpPr>
-        <p:cNvPr id="9" name="Shape 9"/>
+        <p:cNvPr id="1" name="Shape 9"/>
         <p:cNvGrpSpPr/>
         <p:nvPr/>
       </p:nvGrpSpPr>
@@ -1747,12 +1813,12 @@
           </a:ln>
         </p:spPr>
         <p:txBody>
-          <a:bodyPr anchorCtr="0" anchor="ctr" bIns="91425" lIns="91425" spcFirstLastPara="1" rIns="91425" wrap="square" tIns="91425">
+          <a:bodyPr spcFirstLastPara="1" wrap="square" lIns="91425" tIns="91425" rIns="91425" bIns="91425" anchor="ctr" anchorCtr="0">
             <a:noAutofit/>
           </a:bodyPr>
           <a:lstStyle/>
           <a:p>
-            <a:pPr indent="0" lvl="0" marL="0" rtl="0" algn="l">
+            <a:pPr marL="0" lvl="0" indent="0" algn="l" rtl="0">
               <a:spcBef>
                 <a:spcPts val="0"/>
               </a:spcBef>
@@ -1761,9 +1827,6 @@
               </a:spcAft>
               <a:buNone/>
             </a:pPr>
-            <a:r>
-              <a:t/>
-            </a:r>
             <a:endParaRPr/>
           </a:p>
         </p:txBody>
@@ -1804,12 +1867,12 @@
             </a:ln>
           </p:spPr>
           <p:txBody>
-            <a:bodyPr anchorCtr="0" anchor="ctr" bIns="91425" lIns="91425" spcFirstLastPara="1" rIns="91425" wrap="square" tIns="91425">
+            <a:bodyPr spcFirstLastPara="1" wrap="square" lIns="91425" tIns="91425" rIns="91425" bIns="91425" anchor="ctr" anchorCtr="0">
               <a:noAutofit/>
             </a:bodyPr>
             <a:lstStyle/>
             <a:p>
-              <a:pPr indent="0" lvl="0" marL="0" rtl="0" algn="l">
+              <a:pPr marL="0" lvl="0" indent="0" algn="l" rtl="0">
                 <a:spcBef>
                   <a:spcPts val="0"/>
                 </a:spcBef>
@@ -1818,9 +1881,6 @@
                 </a:spcAft>
                 <a:buNone/>
               </a:pPr>
-              <a:r>
-                <a:t/>
-              </a:r>
               <a:endParaRPr/>
             </a:p>
           </p:txBody>
@@ -1847,12 +1907,12 @@
             </a:ln>
           </p:spPr>
           <p:txBody>
-            <a:bodyPr anchorCtr="0" anchor="ctr" bIns="91425" lIns="91425" spcFirstLastPara="1" rIns="91425" wrap="square" tIns="91425">
+            <a:bodyPr spcFirstLastPara="1" wrap="square" lIns="91425" tIns="91425" rIns="91425" bIns="91425" anchor="ctr" anchorCtr="0">
               <a:noAutofit/>
             </a:bodyPr>
             <a:lstStyle/>
             <a:p>
-              <a:pPr indent="0" lvl="0" marL="0" rtl="0" algn="l">
+              <a:pPr marL="0" lvl="0" indent="0" algn="l" rtl="0">
                 <a:spcBef>
                   <a:spcPts val="0"/>
                 </a:spcBef>
@@ -1861,9 +1921,6 @@
                 </a:spcAft>
                 <a:buNone/>
               </a:pPr>
-              <a:r>
-                <a:t/>
-              </a:r>
               <a:endParaRPr/>
             </a:p>
           </p:txBody>
@@ -1872,7 +1929,9 @@
       <p:sp>
         <p:nvSpPr>
           <p:cNvPr id="14" name="Google Shape;14;p2"/>
-          <p:cNvSpPr txBox="1"/>
+          <p:cNvSpPr txBox="1">
+            <a:spLocks noGrp="1"/>
+          </p:cNvSpPr>
           <p:nvPr>
             <p:ph type="ctrTitle"/>
           </p:nvPr>
@@ -1887,7 +1946,7 @@
           </a:prstGeom>
         </p:spPr>
         <p:txBody>
-          <a:bodyPr anchorCtr="0" anchor="t" bIns="91425" lIns="91425" spcFirstLastPara="1" rIns="91425" wrap="square" tIns="91425">
+          <a:bodyPr spcFirstLastPara="1" wrap="square" lIns="91425" tIns="91425" rIns="91425" bIns="91425" anchor="t" anchorCtr="0">
             <a:normAutofit/>
           </a:bodyPr>
           <a:lstStyle>
@@ -1991,15 +2050,19 @@
               <a:defRPr sz="4200"/>
             </a:lvl9pPr>
           </a:lstStyle>
-          <a:p/>
+          <a:p>
+            <a:endParaRPr/>
+          </a:p>
         </p:txBody>
       </p:sp>
       <p:sp>
         <p:nvSpPr>
           <p:cNvPr id="15" name="Google Shape;15;p2"/>
-          <p:cNvSpPr txBox="1"/>
+          <p:cNvSpPr txBox="1">
+            <a:spLocks noGrp="1"/>
+          </p:cNvSpPr>
           <p:nvPr>
-            <p:ph idx="1" type="subTitle"/>
+            <p:ph type="subTitle" idx="1"/>
           </p:nvPr>
         </p:nvSpPr>
         <p:spPr>
@@ -2012,7 +2075,7 @@
           </a:prstGeom>
         </p:spPr>
         <p:txBody>
-          <a:bodyPr anchorCtr="0" anchor="t" bIns="91425" lIns="91425" spcFirstLastPara="1" rIns="91425" wrap="square" tIns="91425">
+          <a:bodyPr spcFirstLastPara="1" wrap="square" lIns="91425" tIns="91425" rIns="91425" bIns="91425" anchor="t" anchorCtr="0">
             <a:normAutofit/>
           </a:bodyPr>
           <a:lstStyle>
@@ -2143,15 +2206,19 @@
               <a:defRPr sz="1600"/>
             </a:lvl9pPr>
           </a:lstStyle>
-          <a:p/>
+          <a:p>
+            <a:endParaRPr/>
+          </a:p>
         </p:txBody>
       </p:sp>
       <p:sp>
         <p:nvSpPr>
           <p:cNvPr id="16" name="Google Shape;16;p2"/>
-          <p:cNvSpPr txBox="1"/>
+          <p:cNvSpPr txBox="1">
+            <a:spLocks noGrp="1"/>
+          </p:cNvSpPr>
           <p:nvPr>
-            <p:ph idx="12" type="sldNum"/>
+            <p:ph type="sldNum" idx="12"/>
           </p:nvPr>
         </p:nvSpPr>
         <p:spPr>
@@ -2164,7 +2231,7 @@
           </a:prstGeom>
         </p:spPr>
         <p:txBody>
-          <a:bodyPr anchorCtr="0" anchor="ctr" bIns="91425" lIns="91425" spcFirstLastPara="1" rIns="91425" wrap="square" tIns="91425">
+          <a:bodyPr spcFirstLastPara="1" wrap="square" lIns="91425" tIns="91425" rIns="91425" bIns="91425" anchor="ctr" anchorCtr="0">
             <a:normAutofit/>
           </a:bodyPr>
           <a:lstStyle>
@@ -2206,7 +2273,7 @@
             </a:lvl9pPr>
           </a:lstStyle>
           <a:p>
-            <a:pPr indent="0" lvl="0" marL="0" rtl="0" algn="r">
+            <a:pPr marL="0" lvl="0" indent="0" algn="r" rtl="0">
               <a:spcBef>
                 <a:spcPts val="0"/>
               </a:spcBef>
@@ -2217,7 +2284,7 @@
             </a:pPr>
             <a:fld id="{00000000-1234-1234-1234-123412341234}" type="slidenum">
               <a:rPr lang="de"/>
-              <a:t>‹#›</a:t>
+              <a:t>‹Nr.›</a:t>
             </a:fld>
             <a:endParaRPr/>
           </a:p>
@@ -2232,18 +2299,19 @@
 </file>
 
 <file path=ppt/slideLayouts/slideLayout10.xml><?xml version="1.0" encoding="utf-8"?>
-<p:sldLayout xmlns:a="http://schemas.openxmlformats.org/drawingml/2006/main" xmlns:r="http://schemas.openxmlformats.org/officeDocument/2006/relationships" xmlns:mc="http://schemas.openxmlformats.org/markup-compatibility/2006" xmlns:mv="urn:schemas-microsoft-com:mac:vml" xmlns:p="http://schemas.openxmlformats.org/presentationml/2006/main" xmlns:c="http://schemas.openxmlformats.org/drawingml/2006/chart" xmlns:dgm="http://schemas.openxmlformats.org/drawingml/2006/diagram" xmlns:o="urn:schemas-microsoft-com:office:office" xmlns:v="urn:schemas-microsoft-com:vml" xmlns:pvml="urn:schemas-microsoft-com:office:powerpoint" xmlns:com="http://schemas.openxmlformats.org/drawingml/2006/compatibility" xmlns:p14="http://schemas.microsoft.com/office/powerpoint/2010/main" xmlns:p15="http://schemas.microsoft.com/office/powerpoint/2012/main" xmlns:ahyp="http://schemas.microsoft.com/office/drawing/2018/hyperlinkcolor" matchingName="Big number">
+<p:sldLayout xmlns:a="http://schemas.openxmlformats.org/drawingml/2006/main" xmlns:r="http://schemas.openxmlformats.org/officeDocument/2006/relationships" xmlns:p="http://schemas.openxmlformats.org/presentationml/2006/main" matchingName="Big number">
   <p:cSld name="BIG_NUMBER">
     <p:bg>
       <p:bgPr>
         <a:solidFill>
           <a:schemeClr val="dk1"/>
         </a:solidFill>
+        <a:effectLst/>
       </p:bgPr>
     </p:bg>
     <p:spTree>
       <p:nvGrpSpPr>
-        <p:cNvPr id="73" name="Shape 73"/>
+        <p:cNvPr id="1" name="Shape 73"/>
         <p:cNvGrpSpPr/>
         <p:nvPr/>
       </p:nvGrpSpPr>
@@ -2291,12 +2359,12 @@
             </a:ln>
           </p:spPr>
           <p:txBody>
-            <a:bodyPr anchorCtr="0" anchor="ctr" bIns="91425" lIns="91425" spcFirstLastPara="1" rIns="91425" wrap="square" tIns="91425">
+            <a:bodyPr spcFirstLastPara="1" wrap="square" lIns="91425" tIns="91425" rIns="91425" bIns="91425" anchor="ctr" anchorCtr="0">
               <a:noAutofit/>
             </a:bodyPr>
             <a:lstStyle/>
             <a:p>
-              <a:pPr indent="0" lvl="0" marL="0" rtl="0" algn="l">
+              <a:pPr marL="0" lvl="0" indent="0" algn="l" rtl="0">
                 <a:spcBef>
                   <a:spcPts val="0"/>
                 </a:spcBef>
@@ -2305,9 +2373,6 @@
                 </a:spcAft>
                 <a:buNone/>
               </a:pPr>
-              <a:r>
-                <a:t/>
-              </a:r>
               <a:endParaRPr/>
             </a:p>
           </p:txBody>
@@ -2334,12 +2399,12 @@
             </a:ln>
           </p:spPr>
           <p:txBody>
-            <a:bodyPr anchorCtr="0" anchor="ctr" bIns="91425" lIns="91425" spcFirstLastPara="1" rIns="91425" wrap="square" tIns="91425">
+            <a:bodyPr spcFirstLastPara="1" wrap="square" lIns="91425" tIns="91425" rIns="91425" bIns="91425" anchor="ctr" anchorCtr="0">
               <a:noAutofit/>
             </a:bodyPr>
             <a:lstStyle/>
             <a:p>
-              <a:pPr indent="0" lvl="0" marL="0" rtl="0" algn="l">
+              <a:pPr marL="0" lvl="0" indent="0" algn="l" rtl="0">
                 <a:spcBef>
                   <a:spcPts val="0"/>
                 </a:spcBef>
@@ -2348,9 +2413,6 @@
                 </a:spcAft>
                 <a:buNone/>
               </a:pPr>
-              <a:r>
-                <a:t/>
-              </a:r>
               <a:endParaRPr/>
             </a:p>
           </p:txBody>
@@ -2359,9 +2421,11 @@
       <p:sp>
         <p:nvSpPr>
           <p:cNvPr id="77" name="Google Shape;77;p11"/>
-          <p:cNvSpPr txBox="1"/>
+          <p:cNvSpPr txBox="1">
+            <a:spLocks noGrp="1"/>
+          </p:cNvSpPr>
           <p:nvPr>
-            <p:ph hasCustomPrompt="1" type="title"/>
+            <p:ph type="title" hasCustomPrompt="1"/>
           </p:nvPr>
         </p:nvSpPr>
         <p:spPr>
@@ -2374,7 +2438,7 @@
           </a:prstGeom>
         </p:spPr>
         <p:txBody>
-          <a:bodyPr anchorCtr="0" anchor="t" bIns="91425" lIns="91425" spcFirstLastPara="1" rIns="91425" wrap="square" tIns="91425">
+          <a:bodyPr spcFirstLastPara="1" wrap="square" lIns="91425" tIns="91425" rIns="91425" bIns="91425" anchor="t" anchorCtr="0">
             <a:normAutofit/>
           </a:bodyPr>
           <a:lstStyle>
@@ -2551,9 +2615,11 @@
       <p:sp>
         <p:nvSpPr>
           <p:cNvPr id="78" name="Google Shape;78;p11"/>
-          <p:cNvSpPr txBox="1"/>
+          <p:cNvSpPr txBox="1">
+            <a:spLocks noGrp="1"/>
+          </p:cNvSpPr>
           <p:nvPr>
-            <p:ph idx="1" type="body"/>
+            <p:ph type="body" idx="1"/>
           </p:nvPr>
         </p:nvSpPr>
         <p:spPr>
@@ -2566,11 +2632,11 @@
           </a:prstGeom>
         </p:spPr>
         <p:txBody>
-          <a:bodyPr anchorCtr="0" anchor="t" bIns="91425" lIns="91425" spcFirstLastPara="1" rIns="91425" wrap="square" tIns="91425">
+          <a:bodyPr spcFirstLastPara="1" wrap="square" lIns="91425" tIns="91425" rIns="91425" bIns="91425" anchor="t" anchorCtr="0">
             <a:normAutofit/>
           </a:bodyPr>
           <a:lstStyle>
-            <a:lvl1pPr indent="-311150" lvl="0" marL="457200">
+            <a:lvl1pPr marL="457200" lvl="0" indent="-311150">
               <a:spcBef>
                 <a:spcPts val="0"/>
               </a:spcBef>
@@ -2588,7 +2654,7 @@
                 </a:solidFill>
               </a:defRPr>
             </a:lvl1pPr>
-            <a:lvl2pPr indent="-298450" lvl="1" marL="914400">
+            <a:lvl2pPr marL="914400" lvl="1" indent="-298450">
               <a:spcBef>
                 <a:spcPts val="0"/>
               </a:spcBef>
@@ -2606,7 +2672,7 @@
                 </a:solidFill>
               </a:defRPr>
             </a:lvl2pPr>
-            <a:lvl3pPr indent="-298450" lvl="2" marL="1371600">
+            <a:lvl3pPr marL="1371600" lvl="2" indent="-298450">
               <a:spcBef>
                 <a:spcPts val="0"/>
               </a:spcBef>
@@ -2624,7 +2690,7 @@
                 </a:solidFill>
               </a:defRPr>
             </a:lvl3pPr>
-            <a:lvl4pPr indent="-298450" lvl="3" marL="1828800">
+            <a:lvl4pPr marL="1828800" lvl="3" indent="-298450">
               <a:spcBef>
                 <a:spcPts val="0"/>
               </a:spcBef>
@@ -2642,7 +2708,7 @@
                 </a:solidFill>
               </a:defRPr>
             </a:lvl4pPr>
-            <a:lvl5pPr indent="-298450" lvl="4" marL="2286000">
+            <a:lvl5pPr marL="2286000" lvl="4" indent="-298450">
               <a:spcBef>
                 <a:spcPts val="0"/>
               </a:spcBef>
@@ -2660,7 +2726,7 @@
                 </a:solidFill>
               </a:defRPr>
             </a:lvl5pPr>
-            <a:lvl6pPr indent="-298450" lvl="5" marL="2743200">
+            <a:lvl6pPr marL="2743200" lvl="5" indent="-298450">
               <a:spcBef>
                 <a:spcPts val="0"/>
               </a:spcBef>
@@ -2678,7 +2744,7 @@
                 </a:solidFill>
               </a:defRPr>
             </a:lvl6pPr>
-            <a:lvl7pPr indent="-298450" lvl="6" marL="3200400">
+            <a:lvl7pPr marL="3200400" lvl="6" indent="-298450">
               <a:spcBef>
                 <a:spcPts val="0"/>
               </a:spcBef>
@@ -2696,7 +2762,7 @@
                 </a:solidFill>
               </a:defRPr>
             </a:lvl7pPr>
-            <a:lvl8pPr indent="-298450" lvl="7" marL="3657600">
+            <a:lvl8pPr marL="3657600" lvl="7" indent="-298450">
               <a:spcBef>
                 <a:spcPts val="0"/>
               </a:spcBef>
@@ -2714,7 +2780,7 @@
                 </a:solidFill>
               </a:defRPr>
             </a:lvl8pPr>
-            <a:lvl9pPr indent="-298450" lvl="8" marL="4114800">
+            <a:lvl9pPr marL="4114800" lvl="8" indent="-298450">
               <a:spcBef>
                 <a:spcPts val="0"/>
               </a:spcBef>
@@ -2733,15 +2799,19 @@
               </a:defRPr>
             </a:lvl9pPr>
           </a:lstStyle>
-          <a:p/>
+          <a:p>
+            <a:endParaRPr/>
+          </a:p>
         </p:txBody>
       </p:sp>
       <p:sp>
         <p:nvSpPr>
           <p:cNvPr id="79" name="Google Shape;79;p11"/>
-          <p:cNvSpPr txBox="1"/>
+          <p:cNvSpPr txBox="1">
+            <a:spLocks noGrp="1"/>
+          </p:cNvSpPr>
           <p:nvPr>
-            <p:ph idx="12" type="sldNum"/>
+            <p:ph type="sldNum" idx="12"/>
           </p:nvPr>
         </p:nvSpPr>
         <p:spPr>
@@ -2754,7 +2824,7 @@
           </a:prstGeom>
         </p:spPr>
         <p:txBody>
-          <a:bodyPr anchorCtr="0" anchor="ctr" bIns="91425" lIns="91425" spcFirstLastPara="1" rIns="91425" wrap="square" tIns="91425">
+          <a:bodyPr spcFirstLastPara="1" wrap="square" lIns="91425" tIns="91425" rIns="91425" bIns="91425" anchor="ctr" anchorCtr="0">
             <a:normAutofit/>
           </a:bodyPr>
           <a:lstStyle>
@@ -2832,7 +2902,7 @@
             </a:lvl9pPr>
           </a:lstStyle>
           <a:p>
-            <a:pPr indent="0" lvl="0" marL="0" rtl="0" algn="r">
+            <a:pPr marL="0" lvl="0" indent="0" algn="r" rtl="0">
               <a:spcBef>
                 <a:spcPts val="0"/>
               </a:spcBef>
@@ -2843,7 +2913,7 @@
             </a:pPr>
             <a:fld id="{00000000-1234-1234-1234-123412341234}" type="slidenum">
               <a:rPr lang="de"/>
-              <a:t>‹#›</a:t>
+              <a:t>‹Nr.›</a:t>
             </a:fld>
             <a:endParaRPr/>
           </a:p>
@@ -2858,11 +2928,11 @@
 </file>
 
 <file path=ppt/slideLayouts/slideLayout11.xml><?xml version="1.0" encoding="utf-8"?>
-<p:sldLayout xmlns:a="http://schemas.openxmlformats.org/drawingml/2006/main" xmlns:r="http://schemas.openxmlformats.org/officeDocument/2006/relationships" xmlns:mc="http://schemas.openxmlformats.org/markup-compatibility/2006" xmlns:mv="urn:schemas-microsoft-com:mac:vml" xmlns:p="http://schemas.openxmlformats.org/presentationml/2006/main" xmlns:c="http://schemas.openxmlformats.org/drawingml/2006/chart" xmlns:dgm="http://schemas.openxmlformats.org/drawingml/2006/diagram" xmlns:o="urn:schemas-microsoft-com:office:office" xmlns:v="urn:schemas-microsoft-com:vml" xmlns:pvml="urn:schemas-microsoft-com:office:powerpoint" xmlns:com="http://schemas.openxmlformats.org/drawingml/2006/compatibility" xmlns:p14="http://schemas.microsoft.com/office/powerpoint/2010/main" xmlns:p15="http://schemas.microsoft.com/office/powerpoint/2012/main" xmlns:ahyp="http://schemas.microsoft.com/office/drawing/2018/hyperlinkcolor" matchingName="Blank" type="blank">
+<p:sldLayout xmlns:a="http://schemas.openxmlformats.org/drawingml/2006/main" xmlns:r="http://schemas.openxmlformats.org/officeDocument/2006/relationships" xmlns:p="http://schemas.openxmlformats.org/presentationml/2006/main" matchingName="Blank" type="blank">
   <p:cSld name="BLANK">
     <p:spTree>
       <p:nvGrpSpPr>
-        <p:cNvPr id="80" name="Shape 80"/>
+        <p:cNvPr id="1" name="Shape 80"/>
         <p:cNvGrpSpPr/>
         <p:nvPr/>
       </p:nvGrpSpPr>
@@ -2877,9 +2947,11 @@
       <p:sp>
         <p:nvSpPr>
           <p:cNvPr id="81" name="Google Shape;81;p12"/>
-          <p:cNvSpPr txBox="1"/>
+          <p:cNvSpPr txBox="1">
+            <a:spLocks noGrp="1"/>
+          </p:cNvSpPr>
           <p:nvPr>
-            <p:ph idx="12" type="sldNum"/>
+            <p:ph type="sldNum" idx="12"/>
           </p:nvPr>
         </p:nvSpPr>
         <p:spPr>
@@ -2892,7 +2964,7 @@
           </a:prstGeom>
         </p:spPr>
         <p:txBody>
-          <a:bodyPr anchorCtr="0" anchor="ctr" bIns="91425" lIns="91425" spcFirstLastPara="1" rIns="91425" wrap="square" tIns="91425">
+          <a:bodyPr spcFirstLastPara="1" wrap="square" lIns="91425" tIns="91425" rIns="91425" bIns="91425" anchor="ctr" anchorCtr="0">
             <a:normAutofit/>
           </a:bodyPr>
           <a:lstStyle>
@@ -2934,7 +3006,7 @@
             </a:lvl9pPr>
           </a:lstStyle>
           <a:p>
-            <a:pPr indent="0" lvl="0" marL="0" rtl="0" algn="r">
+            <a:pPr marL="0" lvl="0" indent="0" algn="r" rtl="0">
               <a:spcBef>
                 <a:spcPts val="0"/>
               </a:spcBef>
@@ -2945,7 +3017,7 @@
             </a:pPr>
             <a:fld id="{00000000-1234-1234-1234-123412341234}" type="slidenum">
               <a:rPr lang="de"/>
-              <a:t>‹#›</a:t>
+              <a:t>‹Nr.›</a:t>
             </a:fld>
             <a:endParaRPr/>
           </a:p>
@@ -2960,18 +3032,19 @@
 </file>
 
 <file path=ppt/slideLayouts/slideLayout2.xml><?xml version="1.0" encoding="utf-8"?>
-<p:sldLayout xmlns:a="http://schemas.openxmlformats.org/drawingml/2006/main" xmlns:r="http://schemas.openxmlformats.org/officeDocument/2006/relationships" xmlns:mc="http://schemas.openxmlformats.org/markup-compatibility/2006" xmlns:mv="urn:schemas-microsoft-com:mac:vml" xmlns:p="http://schemas.openxmlformats.org/presentationml/2006/main" xmlns:c="http://schemas.openxmlformats.org/drawingml/2006/chart" xmlns:dgm="http://schemas.openxmlformats.org/drawingml/2006/diagram" xmlns:o="urn:schemas-microsoft-com:office:office" xmlns:v="urn:schemas-microsoft-com:vml" xmlns:pvml="urn:schemas-microsoft-com:office:powerpoint" xmlns:com="http://schemas.openxmlformats.org/drawingml/2006/compatibility" xmlns:p14="http://schemas.microsoft.com/office/powerpoint/2010/main" xmlns:p15="http://schemas.microsoft.com/office/powerpoint/2012/main" xmlns:ahyp="http://schemas.microsoft.com/office/drawing/2018/hyperlinkcolor" matchingName="Section header" type="secHead">
+<p:sldLayout xmlns:a="http://schemas.openxmlformats.org/drawingml/2006/main" xmlns:r="http://schemas.openxmlformats.org/officeDocument/2006/relationships" xmlns:p="http://schemas.openxmlformats.org/presentationml/2006/main" matchingName="Section header" type="secHead">
   <p:cSld name="SECTION_HEADER">
     <p:bg>
       <p:bgPr>
         <a:solidFill>
           <a:schemeClr val="dk1"/>
         </a:solidFill>
+        <a:effectLst/>
       </p:bgPr>
     </p:bg>
     <p:spTree>
       <p:nvGrpSpPr>
-        <p:cNvPr id="17" name="Shape 17"/>
+        <p:cNvPr id="1" name="Shape 17"/>
         <p:cNvGrpSpPr/>
         <p:nvPr/>
       </p:nvGrpSpPr>
@@ -3019,12 +3092,12 @@
             </a:ln>
           </p:spPr>
           <p:txBody>
-            <a:bodyPr anchorCtr="0" anchor="ctr" bIns="91425" lIns="91425" spcFirstLastPara="1" rIns="91425" wrap="square" tIns="91425">
+            <a:bodyPr spcFirstLastPara="1" wrap="square" lIns="91425" tIns="91425" rIns="91425" bIns="91425" anchor="ctr" anchorCtr="0">
               <a:noAutofit/>
             </a:bodyPr>
             <a:lstStyle/>
             <a:p>
-              <a:pPr indent="0" lvl="0" marL="0" rtl="0" algn="l">
+              <a:pPr marL="0" lvl="0" indent="0" algn="l" rtl="0">
                 <a:spcBef>
                   <a:spcPts val="0"/>
                 </a:spcBef>
@@ -3033,9 +3106,6 @@
                 </a:spcAft>
                 <a:buNone/>
               </a:pPr>
-              <a:r>
-                <a:t/>
-              </a:r>
               <a:endParaRPr/>
             </a:p>
           </p:txBody>
@@ -3062,12 +3132,12 @@
             </a:ln>
           </p:spPr>
           <p:txBody>
-            <a:bodyPr anchorCtr="0" anchor="ctr" bIns="91425" lIns="91425" spcFirstLastPara="1" rIns="91425" wrap="square" tIns="91425">
+            <a:bodyPr spcFirstLastPara="1" wrap="square" lIns="91425" tIns="91425" rIns="91425" bIns="91425" anchor="ctr" anchorCtr="0">
               <a:noAutofit/>
             </a:bodyPr>
             <a:lstStyle/>
             <a:p>
-              <a:pPr indent="0" lvl="0" marL="0" rtl="0" algn="l">
+              <a:pPr marL="0" lvl="0" indent="0" algn="l" rtl="0">
                 <a:spcBef>
                   <a:spcPts val="0"/>
                 </a:spcBef>
@@ -3076,9 +3146,6 @@
                 </a:spcAft>
                 <a:buNone/>
               </a:pPr>
-              <a:r>
-                <a:t/>
-              </a:r>
               <a:endParaRPr/>
             </a:p>
           </p:txBody>
@@ -3087,7 +3154,9 @@
       <p:sp>
         <p:nvSpPr>
           <p:cNvPr id="21" name="Google Shape;21;p3"/>
-          <p:cNvSpPr txBox="1"/>
+          <p:cNvSpPr txBox="1">
+            <a:spLocks noGrp="1"/>
+          </p:cNvSpPr>
           <p:nvPr>
             <p:ph type="title"/>
           </p:nvPr>
@@ -3102,7 +3171,7 @@
           </a:prstGeom>
         </p:spPr>
         <p:txBody>
-          <a:bodyPr anchorCtr="0" anchor="t" bIns="91425" lIns="91425" spcFirstLastPara="1" rIns="91425" wrap="square" tIns="91425">
+          <a:bodyPr spcFirstLastPara="1" wrap="square" lIns="91425" tIns="91425" rIns="91425" bIns="91425" anchor="t" anchorCtr="0">
             <a:normAutofit/>
           </a:bodyPr>
           <a:lstStyle>
@@ -3269,15 +3338,19 @@
               </a:defRPr>
             </a:lvl9pPr>
           </a:lstStyle>
-          <a:p/>
+          <a:p>
+            <a:endParaRPr/>
+          </a:p>
         </p:txBody>
       </p:sp>
       <p:sp>
         <p:nvSpPr>
           <p:cNvPr id="22" name="Google Shape;22;p3"/>
-          <p:cNvSpPr txBox="1"/>
+          <p:cNvSpPr txBox="1">
+            <a:spLocks noGrp="1"/>
+          </p:cNvSpPr>
           <p:nvPr>
-            <p:ph idx="12" type="sldNum"/>
+            <p:ph type="sldNum" idx="12"/>
           </p:nvPr>
         </p:nvSpPr>
         <p:spPr>
@@ -3290,7 +3363,7 @@
           </a:prstGeom>
         </p:spPr>
         <p:txBody>
-          <a:bodyPr anchorCtr="0" anchor="ctr" bIns="91425" lIns="91425" spcFirstLastPara="1" rIns="91425" wrap="square" tIns="91425">
+          <a:bodyPr spcFirstLastPara="1" wrap="square" lIns="91425" tIns="91425" rIns="91425" bIns="91425" anchor="ctr" anchorCtr="0">
             <a:normAutofit/>
           </a:bodyPr>
           <a:lstStyle>
@@ -3368,7 +3441,7 @@
             </a:lvl9pPr>
           </a:lstStyle>
           <a:p>
-            <a:pPr indent="0" lvl="0" marL="0" rtl="0" algn="r">
+            <a:pPr marL="0" lvl="0" indent="0" algn="r" rtl="0">
               <a:spcBef>
                 <a:spcPts val="0"/>
               </a:spcBef>
@@ -3379,7 +3452,7 @@
             </a:pPr>
             <a:fld id="{00000000-1234-1234-1234-123412341234}" type="slidenum">
               <a:rPr lang="de"/>
-              <a:t>‹#›</a:t>
+              <a:t>‹Nr.›</a:t>
             </a:fld>
             <a:endParaRPr/>
           </a:p>
@@ -3394,11 +3467,11 @@
 </file>
 
 <file path=ppt/slideLayouts/slideLayout3.xml><?xml version="1.0" encoding="utf-8"?>
-<p:sldLayout xmlns:a="http://schemas.openxmlformats.org/drawingml/2006/main" xmlns:r="http://schemas.openxmlformats.org/officeDocument/2006/relationships" xmlns:mc="http://schemas.openxmlformats.org/markup-compatibility/2006" xmlns:mv="urn:schemas-microsoft-com:mac:vml" xmlns:p="http://schemas.openxmlformats.org/presentationml/2006/main" xmlns:c="http://schemas.openxmlformats.org/drawingml/2006/chart" xmlns:dgm="http://schemas.openxmlformats.org/drawingml/2006/diagram" xmlns:o="urn:schemas-microsoft-com:office:office" xmlns:v="urn:schemas-microsoft-com:vml" xmlns:pvml="urn:schemas-microsoft-com:office:powerpoint" xmlns:com="http://schemas.openxmlformats.org/drawingml/2006/compatibility" xmlns:p14="http://schemas.microsoft.com/office/powerpoint/2010/main" xmlns:p15="http://schemas.microsoft.com/office/powerpoint/2012/main" xmlns:ahyp="http://schemas.microsoft.com/office/drawing/2018/hyperlinkcolor" matchingName="Title and body" type="tx">
+<p:sldLayout xmlns:a="http://schemas.openxmlformats.org/drawingml/2006/main" xmlns:r="http://schemas.openxmlformats.org/officeDocument/2006/relationships" xmlns:p="http://schemas.openxmlformats.org/presentationml/2006/main" matchingName="Title and body" type="tx">
   <p:cSld name="TITLE_AND_BODY">
     <p:spTree>
       <p:nvGrpSpPr>
-        <p:cNvPr id="23" name="Shape 23"/>
+        <p:cNvPr id="1" name="Shape 23"/>
         <p:cNvGrpSpPr/>
         <p:nvPr/>
       </p:nvGrpSpPr>
@@ -3432,12 +3505,12 @@
           </a:ln>
         </p:spPr>
         <p:txBody>
-          <a:bodyPr anchorCtr="0" anchor="ctr" bIns="91425" lIns="91425" spcFirstLastPara="1" rIns="91425" wrap="square" tIns="91425">
+          <a:bodyPr spcFirstLastPara="1" wrap="square" lIns="91425" tIns="91425" rIns="91425" bIns="91425" anchor="ctr" anchorCtr="0">
             <a:noAutofit/>
           </a:bodyPr>
           <a:lstStyle/>
           <a:p>
-            <a:pPr indent="0" lvl="0" marL="0" rtl="0" algn="l">
+            <a:pPr marL="0" lvl="0" indent="0" algn="l" rtl="0">
               <a:spcBef>
                 <a:spcPts val="0"/>
               </a:spcBef>
@@ -3446,9 +3519,6 @@
               </a:spcAft>
               <a:buNone/>
             </a:pPr>
-            <a:r>
-              <a:t/>
-            </a:r>
             <a:endParaRPr/>
           </a:p>
         </p:txBody>
@@ -3489,12 +3559,12 @@
             </a:ln>
           </p:spPr>
           <p:txBody>
-            <a:bodyPr anchorCtr="0" anchor="ctr" bIns="91425" lIns="91425" spcFirstLastPara="1" rIns="91425" wrap="square" tIns="91425">
+            <a:bodyPr spcFirstLastPara="1" wrap="square" lIns="91425" tIns="91425" rIns="91425" bIns="91425" anchor="ctr" anchorCtr="0">
               <a:noAutofit/>
             </a:bodyPr>
             <a:lstStyle/>
             <a:p>
-              <a:pPr indent="0" lvl="0" marL="0" rtl="0" algn="l">
+              <a:pPr marL="0" lvl="0" indent="0" algn="l" rtl="0">
                 <a:spcBef>
                   <a:spcPts val="0"/>
                 </a:spcBef>
@@ -3503,9 +3573,6 @@
                 </a:spcAft>
                 <a:buNone/>
               </a:pPr>
-              <a:r>
-                <a:t/>
-              </a:r>
               <a:endParaRPr/>
             </a:p>
           </p:txBody>
@@ -3532,12 +3599,12 @@
             </a:ln>
           </p:spPr>
           <p:txBody>
-            <a:bodyPr anchorCtr="0" anchor="ctr" bIns="91425" lIns="91425" spcFirstLastPara="1" rIns="91425" wrap="square" tIns="91425">
+            <a:bodyPr spcFirstLastPara="1" wrap="square" lIns="91425" tIns="91425" rIns="91425" bIns="91425" anchor="ctr" anchorCtr="0">
               <a:noAutofit/>
             </a:bodyPr>
             <a:lstStyle/>
             <a:p>
-              <a:pPr indent="0" lvl="0" marL="0" rtl="0" algn="l">
+              <a:pPr marL="0" lvl="0" indent="0" algn="l" rtl="0">
                 <a:spcBef>
                   <a:spcPts val="0"/>
                 </a:spcBef>
@@ -3546,9 +3613,6 @@
                 </a:spcAft>
                 <a:buNone/>
               </a:pPr>
-              <a:r>
-                <a:t/>
-              </a:r>
               <a:endParaRPr/>
             </a:p>
           </p:txBody>
@@ -3557,7 +3621,9 @@
       <p:sp>
         <p:nvSpPr>
           <p:cNvPr id="28" name="Google Shape;28;p4"/>
-          <p:cNvSpPr txBox="1"/>
+          <p:cNvSpPr txBox="1">
+            <a:spLocks noGrp="1"/>
+          </p:cNvSpPr>
           <p:nvPr>
             <p:ph type="title"/>
           </p:nvPr>
@@ -3572,7 +3638,7 @@
           </a:prstGeom>
         </p:spPr>
         <p:txBody>
-          <a:bodyPr anchorCtr="0" anchor="t" bIns="91425" lIns="91425" spcFirstLastPara="1" rIns="91425" wrap="square" tIns="91425">
+          <a:bodyPr spcFirstLastPara="1" wrap="square" lIns="91425" tIns="91425" rIns="91425" bIns="91425" anchor="t" anchorCtr="0">
             <a:normAutofit/>
           </a:bodyPr>
           <a:lstStyle>
@@ -3676,15 +3742,19 @@
               <a:defRPr sz="2600"/>
             </a:lvl9pPr>
           </a:lstStyle>
-          <a:p/>
+          <a:p>
+            <a:endParaRPr/>
+          </a:p>
         </p:txBody>
       </p:sp>
       <p:sp>
         <p:nvSpPr>
           <p:cNvPr id="29" name="Google Shape;29;p4"/>
-          <p:cNvSpPr txBox="1"/>
+          <p:cNvSpPr txBox="1">
+            <a:spLocks noGrp="1"/>
+          </p:cNvSpPr>
           <p:nvPr>
-            <p:ph idx="1" type="body"/>
+            <p:ph type="body" idx="1"/>
           </p:nvPr>
         </p:nvSpPr>
         <p:spPr>
@@ -3697,11 +3767,11 @@
           </a:prstGeom>
         </p:spPr>
         <p:txBody>
-          <a:bodyPr anchorCtr="0" anchor="t" bIns="91425" lIns="91425" spcFirstLastPara="1" rIns="91425" wrap="square" tIns="91425">
+          <a:bodyPr spcFirstLastPara="1" wrap="square" lIns="91425" tIns="91425" rIns="91425" bIns="91425" anchor="t" anchorCtr="0">
             <a:normAutofit/>
           </a:bodyPr>
           <a:lstStyle>
-            <a:lvl1pPr indent="-311150" lvl="0" marL="457200">
+            <a:lvl1pPr marL="457200" lvl="0" indent="-311150">
               <a:spcBef>
                 <a:spcPts val="0"/>
               </a:spcBef>
@@ -3712,7 +3782,7 @@
               <a:buChar char="●"/>
               <a:defRPr/>
             </a:lvl1pPr>
-            <a:lvl2pPr indent="-298450" lvl="1" marL="914400">
+            <a:lvl2pPr marL="914400" lvl="1" indent="-298450">
               <a:spcBef>
                 <a:spcPts val="0"/>
               </a:spcBef>
@@ -3723,7 +3793,7 @@
               <a:buChar char="○"/>
               <a:defRPr/>
             </a:lvl2pPr>
-            <a:lvl3pPr indent="-298450" lvl="2" marL="1371600">
+            <a:lvl3pPr marL="1371600" lvl="2" indent="-298450">
               <a:spcBef>
                 <a:spcPts val="0"/>
               </a:spcBef>
@@ -3734,7 +3804,7 @@
               <a:buChar char="■"/>
               <a:defRPr/>
             </a:lvl3pPr>
-            <a:lvl4pPr indent="-298450" lvl="3" marL="1828800">
+            <a:lvl4pPr marL="1828800" lvl="3" indent="-298450">
               <a:spcBef>
                 <a:spcPts val="0"/>
               </a:spcBef>
@@ -3745,7 +3815,7 @@
               <a:buChar char="●"/>
               <a:defRPr/>
             </a:lvl4pPr>
-            <a:lvl5pPr indent="-298450" lvl="4" marL="2286000">
+            <a:lvl5pPr marL="2286000" lvl="4" indent="-298450">
               <a:spcBef>
                 <a:spcPts val="0"/>
               </a:spcBef>
@@ -3756,7 +3826,7 @@
               <a:buChar char="○"/>
               <a:defRPr/>
             </a:lvl5pPr>
-            <a:lvl6pPr indent="-298450" lvl="5" marL="2743200">
+            <a:lvl6pPr marL="2743200" lvl="5" indent="-298450">
               <a:spcBef>
                 <a:spcPts val="0"/>
               </a:spcBef>
@@ -3767,7 +3837,7 @@
               <a:buChar char="■"/>
               <a:defRPr/>
             </a:lvl6pPr>
-            <a:lvl7pPr indent="-298450" lvl="6" marL="3200400">
+            <a:lvl7pPr marL="3200400" lvl="6" indent="-298450">
               <a:spcBef>
                 <a:spcPts val="0"/>
               </a:spcBef>
@@ -3778,7 +3848,7 @@
               <a:buChar char="●"/>
               <a:defRPr/>
             </a:lvl7pPr>
-            <a:lvl8pPr indent="-298450" lvl="7" marL="3657600">
+            <a:lvl8pPr marL="3657600" lvl="7" indent="-298450">
               <a:spcBef>
                 <a:spcPts val="0"/>
               </a:spcBef>
@@ -3789,7 +3859,7 @@
               <a:buChar char="○"/>
               <a:defRPr/>
             </a:lvl8pPr>
-            <a:lvl9pPr indent="-298450" lvl="8" marL="4114800">
+            <a:lvl9pPr marL="4114800" lvl="8" indent="-298450">
               <a:spcBef>
                 <a:spcPts val="0"/>
               </a:spcBef>
@@ -3801,15 +3871,19 @@
               <a:defRPr/>
             </a:lvl9pPr>
           </a:lstStyle>
-          <a:p/>
+          <a:p>
+            <a:endParaRPr/>
+          </a:p>
         </p:txBody>
       </p:sp>
       <p:sp>
         <p:nvSpPr>
           <p:cNvPr id="30" name="Google Shape;30;p4"/>
-          <p:cNvSpPr txBox="1"/>
+          <p:cNvSpPr txBox="1">
+            <a:spLocks noGrp="1"/>
+          </p:cNvSpPr>
           <p:nvPr>
-            <p:ph idx="12" type="sldNum"/>
+            <p:ph type="sldNum" idx="12"/>
           </p:nvPr>
         </p:nvSpPr>
         <p:spPr>
@@ -3822,7 +3896,7 @@
           </a:prstGeom>
         </p:spPr>
         <p:txBody>
-          <a:bodyPr anchorCtr="0" anchor="ctr" bIns="91425" lIns="91425" spcFirstLastPara="1" rIns="91425" wrap="square" tIns="91425">
+          <a:bodyPr spcFirstLastPara="1" wrap="square" lIns="91425" tIns="91425" rIns="91425" bIns="91425" anchor="ctr" anchorCtr="0">
             <a:normAutofit/>
           </a:bodyPr>
           <a:lstStyle>
@@ -3864,7 +3938,7 @@
             </a:lvl9pPr>
           </a:lstStyle>
           <a:p>
-            <a:pPr indent="0" lvl="0" marL="0" rtl="0" algn="r">
+            <a:pPr marL="0" lvl="0" indent="0" algn="r" rtl="0">
               <a:spcBef>
                 <a:spcPts val="0"/>
               </a:spcBef>
@@ -3875,7 +3949,7 @@
             </a:pPr>
             <a:fld id="{00000000-1234-1234-1234-123412341234}" type="slidenum">
               <a:rPr lang="de"/>
-              <a:t>‹#›</a:t>
+              <a:t>‹Nr.›</a:t>
             </a:fld>
             <a:endParaRPr/>
           </a:p>
@@ -3890,11 +3964,11 @@
 </file>
 
 <file path=ppt/slideLayouts/slideLayout4.xml><?xml version="1.0" encoding="utf-8"?>
-<p:sldLayout xmlns:a="http://schemas.openxmlformats.org/drawingml/2006/main" xmlns:r="http://schemas.openxmlformats.org/officeDocument/2006/relationships" xmlns:mc="http://schemas.openxmlformats.org/markup-compatibility/2006" xmlns:mv="urn:schemas-microsoft-com:mac:vml" xmlns:p="http://schemas.openxmlformats.org/presentationml/2006/main" xmlns:c="http://schemas.openxmlformats.org/drawingml/2006/chart" xmlns:dgm="http://schemas.openxmlformats.org/drawingml/2006/diagram" xmlns:o="urn:schemas-microsoft-com:office:office" xmlns:v="urn:schemas-microsoft-com:vml" xmlns:pvml="urn:schemas-microsoft-com:office:powerpoint" xmlns:com="http://schemas.openxmlformats.org/drawingml/2006/compatibility" xmlns:p14="http://schemas.microsoft.com/office/powerpoint/2010/main" xmlns:p15="http://schemas.microsoft.com/office/powerpoint/2012/main" xmlns:ahyp="http://schemas.microsoft.com/office/drawing/2018/hyperlinkcolor" matchingName="Title and two columns" type="twoColTx">
+<p:sldLayout xmlns:a="http://schemas.openxmlformats.org/drawingml/2006/main" xmlns:r="http://schemas.openxmlformats.org/officeDocument/2006/relationships" xmlns:p="http://schemas.openxmlformats.org/presentationml/2006/main" matchingName="Title and two columns" type="twoColTx">
   <p:cSld name="TITLE_AND_TWO_COLUMNS">
     <p:spTree>
       <p:nvGrpSpPr>
-        <p:cNvPr id="31" name="Shape 31"/>
+        <p:cNvPr id="1" name="Shape 31"/>
         <p:cNvGrpSpPr/>
         <p:nvPr/>
       </p:nvGrpSpPr>
@@ -3928,12 +4002,12 @@
           </a:ln>
         </p:spPr>
         <p:txBody>
-          <a:bodyPr anchorCtr="0" anchor="ctr" bIns="91425" lIns="91425" spcFirstLastPara="1" rIns="91425" wrap="square" tIns="91425">
+          <a:bodyPr spcFirstLastPara="1" wrap="square" lIns="91425" tIns="91425" rIns="91425" bIns="91425" anchor="ctr" anchorCtr="0">
             <a:noAutofit/>
           </a:bodyPr>
           <a:lstStyle/>
           <a:p>
-            <a:pPr indent="0" lvl="0" marL="0" rtl="0" algn="l">
+            <a:pPr marL="0" lvl="0" indent="0" algn="l" rtl="0">
               <a:spcBef>
                 <a:spcPts val="0"/>
               </a:spcBef>
@@ -3942,9 +4016,6 @@
               </a:spcAft>
               <a:buNone/>
             </a:pPr>
-            <a:r>
-              <a:t/>
-            </a:r>
             <a:endParaRPr/>
           </a:p>
         </p:txBody>
@@ -3985,12 +4056,12 @@
             </a:ln>
           </p:spPr>
           <p:txBody>
-            <a:bodyPr anchorCtr="0" anchor="ctr" bIns="91425" lIns="91425" spcFirstLastPara="1" rIns="91425" wrap="square" tIns="91425">
+            <a:bodyPr spcFirstLastPara="1" wrap="square" lIns="91425" tIns="91425" rIns="91425" bIns="91425" anchor="ctr" anchorCtr="0">
               <a:noAutofit/>
             </a:bodyPr>
             <a:lstStyle/>
             <a:p>
-              <a:pPr indent="0" lvl="0" marL="0" rtl="0" algn="l">
+              <a:pPr marL="0" lvl="0" indent="0" algn="l" rtl="0">
                 <a:spcBef>
                   <a:spcPts val="0"/>
                 </a:spcBef>
@@ -3999,9 +4070,6 @@
                 </a:spcAft>
                 <a:buNone/>
               </a:pPr>
-              <a:r>
-                <a:t/>
-              </a:r>
               <a:endParaRPr/>
             </a:p>
           </p:txBody>
@@ -4028,12 +4096,12 @@
             </a:ln>
           </p:spPr>
           <p:txBody>
-            <a:bodyPr anchorCtr="0" anchor="ctr" bIns="91425" lIns="91425" spcFirstLastPara="1" rIns="91425" wrap="square" tIns="91425">
+            <a:bodyPr spcFirstLastPara="1" wrap="square" lIns="91425" tIns="91425" rIns="91425" bIns="91425" anchor="ctr" anchorCtr="0">
               <a:noAutofit/>
             </a:bodyPr>
             <a:lstStyle/>
             <a:p>
-              <a:pPr indent="0" lvl="0" marL="0" rtl="0" algn="l">
+              <a:pPr marL="0" lvl="0" indent="0" algn="l" rtl="0">
                 <a:spcBef>
                   <a:spcPts val="0"/>
                 </a:spcBef>
@@ -4042,9 +4110,6 @@
                 </a:spcAft>
                 <a:buNone/>
               </a:pPr>
-              <a:r>
-                <a:t/>
-              </a:r>
               <a:endParaRPr/>
             </a:p>
           </p:txBody>
@@ -4053,7 +4118,9 @@
       <p:sp>
         <p:nvSpPr>
           <p:cNvPr id="36" name="Google Shape;36;p5"/>
-          <p:cNvSpPr txBox="1"/>
+          <p:cNvSpPr txBox="1">
+            <a:spLocks noGrp="1"/>
+          </p:cNvSpPr>
           <p:nvPr>
             <p:ph type="title"/>
           </p:nvPr>
@@ -4068,7 +4135,7 @@
           </a:prstGeom>
         </p:spPr>
         <p:txBody>
-          <a:bodyPr anchorCtr="0" anchor="t" bIns="91425" lIns="91425" spcFirstLastPara="1" rIns="91425" wrap="square" tIns="91425">
+          <a:bodyPr spcFirstLastPara="1" wrap="square" lIns="91425" tIns="91425" rIns="91425" bIns="91425" anchor="t" anchorCtr="0">
             <a:normAutofit/>
           </a:bodyPr>
           <a:lstStyle>
@@ -4172,15 +4239,19 @@
               <a:defRPr sz="2600"/>
             </a:lvl9pPr>
           </a:lstStyle>
-          <a:p/>
+          <a:p>
+            <a:endParaRPr/>
+          </a:p>
         </p:txBody>
       </p:sp>
       <p:sp>
         <p:nvSpPr>
           <p:cNvPr id="37" name="Google Shape;37;p5"/>
-          <p:cNvSpPr txBox="1"/>
+          <p:cNvSpPr txBox="1">
+            <a:spLocks noGrp="1"/>
+          </p:cNvSpPr>
           <p:nvPr>
-            <p:ph idx="1" type="body"/>
+            <p:ph type="body" idx="1"/>
           </p:nvPr>
         </p:nvSpPr>
         <p:spPr>
@@ -4193,11 +4264,11 @@
           </a:prstGeom>
         </p:spPr>
         <p:txBody>
-          <a:bodyPr anchorCtr="0" anchor="t" bIns="91425" lIns="91425" spcFirstLastPara="1" rIns="91425" wrap="square" tIns="91425">
+          <a:bodyPr spcFirstLastPara="1" wrap="square" lIns="91425" tIns="91425" rIns="91425" bIns="91425" anchor="t" anchorCtr="0">
             <a:normAutofit/>
           </a:bodyPr>
           <a:lstStyle>
-            <a:lvl1pPr indent="-311150" lvl="0" marL="457200">
+            <a:lvl1pPr marL="457200" lvl="0" indent="-311150">
               <a:spcBef>
                 <a:spcPts val="0"/>
               </a:spcBef>
@@ -4208,7 +4279,7 @@
               <a:buChar char="●"/>
               <a:defRPr/>
             </a:lvl1pPr>
-            <a:lvl2pPr indent="-298450" lvl="1" marL="914400">
+            <a:lvl2pPr marL="914400" lvl="1" indent="-298450">
               <a:spcBef>
                 <a:spcPts val="0"/>
               </a:spcBef>
@@ -4219,7 +4290,7 @@
               <a:buChar char="○"/>
               <a:defRPr/>
             </a:lvl2pPr>
-            <a:lvl3pPr indent="-298450" lvl="2" marL="1371600">
+            <a:lvl3pPr marL="1371600" lvl="2" indent="-298450">
               <a:spcBef>
                 <a:spcPts val="0"/>
               </a:spcBef>
@@ -4230,7 +4301,7 @@
               <a:buChar char="■"/>
               <a:defRPr/>
             </a:lvl3pPr>
-            <a:lvl4pPr indent="-298450" lvl="3" marL="1828800">
+            <a:lvl4pPr marL="1828800" lvl="3" indent="-298450">
               <a:spcBef>
                 <a:spcPts val="0"/>
               </a:spcBef>
@@ -4241,7 +4312,7 @@
               <a:buChar char="●"/>
               <a:defRPr/>
             </a:lvl4pPr>
-            <a:lvl5pPr indent="-298450" lvl="4" marL="2286000">
+            <a:lvl5pPr marL="2286000" lvl="4" indent="-298450">
               <a:spcBef>
                 <a:spcPts val="0"/>
               </a:spcBef>
@@ -4252,7 +4323,7 @@
               <a:buChar char="○"/>
               <a:defRPr/>
             </a:lvl5pPr>
-            <a:lvl6pPr indent="-298450" lvl="5" marL="2743200">
+            <a:lvl6pPr marL="2743200" lvl="5" indent="-298450">
               <a:spcBef>
                 <a:spcPts val="0"/>
               </a:spcBef>
@@ -4263,7 +4334,7 @@
               <a:buChar char="■"/>
               <a:defRPr/>
             </a:lvl6pPr>
-            <a:lvl7pPr indent="-298450" lvl="6" marL="3200400">
+            <a:lvl7pPr marL="3200400" lvl="6" indent="-298450">
               <a:spcBef>
                 <a:spcPts val="0"/>
               </a:spcBef>
@@ -4274,7 +4345,7 @@
               <a:buChar char="●"/>
               <a:defRPr/>
             </a:lvl7pPr>
-            <a:lvl8pPr indent="-298450" lvl="7" marL="3657600">
+            <a:lvl8pPr marL="3657600" lvl="7" indent="-298450">
               <a:spcBef>
                 <a:spcPts val="0"/>
               </a:spcBef>
@@ -4285,7 +4356,7 @@
               <a:buChar char="○"/>
               <a:defRPr/>
             </a:lvl8pPr>
-            <a:lvl9pPr indent="-298450" lvl="8" marL="4114800">
+            <a:lvl9pPr marL="4114800" lvl="8" indent="-298450">
               <a:spcBef>
                 <a:spcPts val="0"/>
               </a:spcBef>
@@ -4297,15 +4368,19 @@
               <a:defRPr/>
             </a:lvl9pPr>
           </a:lstStyle>
-          <a:p/>
+          <a:p>
+            <a:endParaRPr/>
+          </a:p>
         </p:txBody>
       </p:sp>
       <p:sp>
         <p:nvSpPr>
           <p:cNvPr id="38" name="Google Shape;38;p5"/>
-          <p:cNvSpPr txBox="1"/>
+          <p:cNvSpPr txBox="1">
+            <a:spLocks noGrp="1"/>
+          </p:cNvSpPr>
           <p:nvPr>
-            <p:ph idx="2" type="body"/>
+            <p:ph type="body" idx="2"/>
           </p:nvPr>
         </p:nvSpPr>
         <p:spPr>
@@ -4318,11 +4393,11 @@
           </a:prstGeom>
         </p:spPr>
         <p:txBody>
-          <a:bodyPr anchorCtr="0" anchor="t" bIns="91425" lIns="91425" spcFirstLastPara="1" rIns="91425" wrap="square" tIns="91425">
+          <a:bodyPr spcFirstLastPara="1" wrap="square" lIns="91425" tIns="91425" rIns="91425" bIns="91425" anchor="t" anchorCtr="0">
             <a:normAutofit/>
           </a:bodyPr>
           <a:lstStyle>
-            <a:lvl1pPr indent="-311150" lvl="0" marL="457200">
+            <a:lvl1pPr marL="457200" lvl="0" indent="-311150">
               <a:spcBef>
                 <a:spcPts val="0"/>
               </a:spcBef>
@@ -4333,7 +4408,7 @@
               <a:buChar char="●"/>
               <a:defRPr/>
             </a:lvl1pPr>
-            <a:lvl2pPr indent="-298450" lvl="1" marL="914400">
+            <a:lvl2pPr marL="914400" lvl="1" indent="-298450">
               <a:spcBef>
                 <a:spcPts val="0"/>
               </a:spcBef>
@@ -4344,7 +4419,7 @@
               <a:buChar char="○"/>
               <a:defRPr/>
             </a:lvl2pPr>
-            <a:lvl3pPr indent="-298450" lvl="2" marL="1371600">
+            <a:lvl3pPr marL="1371600" lvl="2" indent="-298450">
               <a:spcBef>
                 <a:spcPts val="0"/>
               </a:spcBef>
@@ -4355,7 +4430,7 @@
               <a:buChar char="■"/>
               <a:defRPr/>
             </a:lvl3pPr>
-            <a:lvl4pPr indent="-298450" lvl="3" marL="1828800">
+            <a:lvl4pPr marL="1828800" lvl="3" indent="-298450">
               <a:spcBef>
                 <a:spcPts val="0"/>
               </a:spcBef>
@@ -4366,7 +4441,7 @@
               <a:buChar char="●"/>
               <a:defRPr/>
             </a:lvl4pPr>
-            <a:lvl5pPr indent="-298450" lvl="4" marL="2286000">
+            <a:lvl5pPr marL="2286000" lvl="4" indent="-298450">
               <a:spcBef>
                 <a:spcPts val="0"/>
               </a:spcBef>
@@ -4377,7 +4452,7 @@
               <a:buChar char="○"/>
               <a:defRPr/>
             </a:lvl5pPr>
-            <a:lvl6pPr indent="-298450" lvl="5" marL="2743200">
+            <a:lvl6pPr marL="2743200" lvl="5" indent="-298450">
               <a:spcBef>
                 <a:spcPts val="0"/>
               </a:spcBef>
@@ -4388,7 +4463,7 @@
               <a:buChar char="■"/>
               <a:defRPr/>
             </a:lvl6pPr>
-            <a:lvl7pPr indent="-298450" lvl="6" marL="3200400">
+            <a:lvl7pPr marL="3200400" lvl="6" indent="-298450">
               <a:spcBef>
                 <a:spcPts val="0"/>
               </a:spcBef>
@@ -4399,7 +4474,7 @@
               <a:buChar char="●"/>
               <a:defRPr/>
             </a:lvl7pPr>
-            <a:lvl8pPr indent="-298450" lvl="7" marL="3657600">
+            <a:lvl8pPr marL="3657600" lvl="7" indent="-298450">
               <a:spcBef>
                 <a:spcPts val="0"/>
               </a:spcBef>
@@ -4410,7 +4485,7 @@
               <a:buChar char="○"/>
               <a:defRPr/>
             </a:lvl8pPr>
-            <a:lvl9pPr indent="-298450" lvl="8" marL="4114800">
+            <a:lvl9pPr marL="4114800" lvl="8" indent="-298450">
               <a:spcBef>
                 <a:spcPts val="0"/>
               </a:spcBef>
@@ -4422,15 +4497,19 @@
               <a:defRPr/>
             </a:lvl9pPr>
           </a:lstStyle>
-          <a:p/>
+          <a:p>
+            <a:endParaRPr/>
+          </a:p>
         </p:txBody>
       </p:sp>
       <p:sp>
         <p:nvSpPr>
           <p:cNvPr id="39" name="Google Shape;39;p5"/>
-          <p:cNvSpPr txBox="1"/>
+          <p:cNvSpPr txBox="1">
+            <a:spLocks noGrp="1"/>
+          </p:cNvSpPr>
           <p:nvPr>
-            <p:ph idx="12" type="sldNum"/>
+            <p:ph type="sldNum" idx="12"/>
           </p:nvPr>
         </p:nvSpPr>
         <p:spPr>
@@ -4443,7 +4522,7 @@
           </a:prstGeom>
         </p:spPr>
         <p:txBody>
-          <a:bodyPr anchorCtr="0" anchor="ctr" bIns="91425" lIns="91425" spcFirstLastPara="1" rIns="91425" wrap="square" tIns="91425">
+          <a:bodyPr spcFirstLastPara="1" wrap="square" lIns="91425" tIns="91425" rIns="91425" bIns="91425" anchor="ctr" anchorCtr="0">
             <a:normAutofit/>
           </a:bodyPr>
           <a:lstStyle>
@@ -4485,7 +4564,7 @@
             </a:lvl9pPr>
           </a:lstStyle>
           <a:p>
-            <a:pPr indent="0" lvl="0" marL="0" rtl="0" algn="r">
+            <a:pPr marL="0" lvl="0" indent="0" algn="r" rtl="0">
               <a:spcBef>
                 <a:spcPts val="0"/>
               </a:spcBef>
@@ -4496,7 +4575,7 @@
             </a:pPr>
             <a:fld id="{00000000-1234-1234-1234-123412341234}" type="slidenum">
               <a:rPr lang="de"/>
-              <a:t>‹#›</a:t>
+              <a:t>‹Nr.›</a:t>
             </a:fld>
             <a:endParaRPr/>
           </a:p>
@@ -4511,11 +4590,11 @@
 </file>
 
 <file path=ppt/slideLayouts/slideLayout5.xml><?xml version="1.0" encoding="utf-8"?>
-<p:sldLayout xmlns:a="http://schemas.openxmlformats.org/drawingml/2006/main" xmlns:r="http://schemas.openxmlformats.org/officeDocument/2006/relationships" xmlns:mc="http://schemas.openxmlformats.org/markup-compatibility/2006" xmlns:mv="urn:schemas-microsoft-com:mac:vml" xmlns:p="http://schemas.openxmlformats.org/presentationml/2006/main" xmlns:c="http://schemas.openxmlformats.org/drawingml/2006/chart" xmlns:dgm="http://schemas.openxmlformats.org/drawingml/2006/diagram" xmlns:o="urn:schemas-microsoft-com:office:office" xmlns:v="urn:schemas-microsoft-com:vml" xmlns:pvml="urn:schemas-microsoft-com:office:powerpoint" xmlns:com="http://schemas.openxmlformats.org/drawingml/2006/compatibility" xmlns:p14="http://schemas.microsoft.com/office/powerpoint/2010/main" xmlns:p15="http://schemas.microsoft.com/office/powerpoint/2012/main" xmlns:ahyp="http://schemas.microsoft.com/office/drawing/2018/hyperlinkcolor" matchingName="Title only" type="titleOnly">
+<p:sldLayout xmlns:a="http://schemas.openxmlformats.org/drawingml/2006/main" xmlns:r="http://schemas.openxmlformats.org/officeDocument/2006/relationships" xmlns:p="http://schemas.openxmlformats.org/presentationml/2006/main" matchingName="Title only" type="titleOnly">
   <p:cSld name="TITLE_ONLY">
     <p:spTree>
       <p:nvGrpSpPr>
-        <p:cNvPr id="40" name="Shape 40"/>
+        <p:cNvPr id="1" name="Shape 40"/>
         <p:cNvGrpSpPr/>
         <p:nvPr/>
       </p:nvGrpSpPr>
@@ -4549,12 +4628,12 @@
           </a:ln>
         </p:spPr>
         <p:txBody>
-          <a:bodyPr anchorCtr="0" anchor="ctr" bIns="91425" lIns="91425" spcFirstLastPara="1" rIns="91425" wrap="square" tIns="91425">
+          <a:bodyPr spcFirstLastPara="1" wrap="square" lIns="91425" tIns="91425" rIns="91425" bIns="91425" anchor="ctr" anchorCtr="0">
             <a:noAutofit/>
           </a:bodyPr>
           <a:lstStyle/>
           <a:p>
-            <a:pPr indent="0" lvl="0" marL="0" rtl="0" algn="l">
+            <a:pPr marL="0" lvl="0" indent="0" algn="l" rtl="0">
               <a:spcBef>
                 <a:spcPts val="0"/>
               </a:spcBef>
@@ -4563,9 +4642,6 @@
               </a:spcAft>
               <a:buNone/>
             </a:pPr>
-            <a:r>
-              <a:t/>
-            </a:r>
             <a:endParaRPr/>
           </a:p>
         </p:txBody>
@@ -4606,12 +4682,12 @@
             </a:ln>
           </p:spPr>
           <p:txBody>
-            <a:bodyPr anchorCtr="0" anchor="ctr" bIns="91425" lIns="91425" spcFirstLastPara="1" rIns="91425" wrap="square" tIns="91425">
+            <a:bodyPr spcFirstLastPara="1" wrap="square" lIns="91425" tIns="91425" rIns="91425" bIns="91425" anchor="ctr" anchorCtr="0">
               <a:noAutofit/>
             </a:bodyPr>
             <a:lstStyle/>
             <a:p>
-              <a:pPr indent="0" lvl="0" marL="0" rtl="0" algn="l">
+              <a:pPr marL="0" lvl="0" indent="0" algn="l" rtl="0">
                 <a:spcBef>
                   <a:spcPts val="0"/>
                 </a:spcBef>
@@ -4620,9 +4696,6 @@
                 </a:spcAft>
                 <a:buNone/>
               </a:pPr>
-              <a:r>
-                <a:t/>
-              </a:r>
               <a:endParaRPr/>
             </a:p>
           </p:txBody>
@@ -4649,12 +4722,12 @@
             </a:ln>
           </p:spPr>
           <p:txBody>
-            <a:bodyPr anchorCtr="0" anchor="ctr" bIns="91425" lIns="91425" spcFirstLastPara="1" rIns="91425" wrap="square" tIns="91425">
+            <a:bodyPr spcFirstLastPara="1" wrap="square" lIns="91425" tIns="91425" rIns="91425" bIns="91425" anchor="ctr" anchorCtr="0">
               <a:noAutofit/>
             </a:bodyPr>
             <a:lstStyle/>
             <a:p>
-              <a:pPr indent="0" lvl="0" marL="0" rtl="0" algn="l">
+              <a:pPr marL="0" lvl="0" indent="0" algn="l" rtl="0">
                 <a:spcBef>
                   <a:spcPts val="0"/>
                 </a:spcBef>
@@ -4663,9 +4736,6 @@
                 </a:spcAft>
                 <a:buNone/>
               </a:pPr>
-              <a:r>
-                <a:t/>
-              </a:r>
               <a:endParaRPr/>
             </a:p>
           </p:txBody>
@@ -4674,7 +4744,9 @@
       <p:sp>
         <p:nvSpPr>
           <p:cNvPr id="45" name="Google Shape;45;p6"/>
-          <p:cNvSpPr txBox="1"/>
+          <p:cNvSpPr txBox="1">
+            <a:spLocks noGrp="1"/>
+          </p:cNvSpPr>
           <p:nvPr>
             <p:ph type="title"/>
           </p:nvPr>
@@ -4689,7 +4761,7 @@
           </a:prstGeom>
         </p:spPr>
         <p:txBody>
-          <a:bodyPr anchorCtr="0" anchor="t" bIns="91425" lIns="91425" spcFirstLastPara="1" rIns="91425" wrap="square" tIns="91425">
+          <a:bodyPr spcFirstLastPara="1" wrap="square" lIns="91425" tIns="91425" rIns="91425" bIns="91425" anchor="t" anchorCtr="0">
             <a:normAutofit/>
           </a:bodyPr>
           <a:lstStyle>
@@ -4793,15 +4865,19 @@
               <a:defRPr sz="2600"/>
             </a:lvl9pPr>
           </a:lstStyle>
-          <a:p/>
+          <a:p>
+            <a:endParaRPr/>
+          </a:p>
         </p:txBody>
       </p:sp>
       <p:sp>
         <p:nvSpPr>
           <p:cNvPr id="46" name="Google Shape;46;p6"/>
-          <p:cNvSpPr txBox="1"/>
+          <p:cNvSpPr txBox="1">
+            <a:spLocks noGrp="1"/>
+          </p:cNvSpPr>
           <p:nvPr>
-            <p:ph idx="12" type="sldNum"/>
+            <p:ph type="sldNum" idx="12"/>
           </p:nvPr>
         </p:nvSpPr>
         <p:spPr>
@@ -4814,7 +4890,7 @@
           </a:prstGeom>
         </p:spPr>
         <p:txBody>
-          <a:bodyPr anchorCtr="0" anchor="ctr" bIns="91425" lIns="91425" spcFirstLastPara="1" rIns="91425" wrap="square" tIns="91425">
+          <a:bodyPr spcFirstLastPara="1" wrap="square" lIns="91425" tIns="91425" rIns="91425" bIns="91425" anchor="ctr" anchorCtr="0">
             <a:normAutofit/>
           </a:bodyPr>
           <a:lstStyle>
@@ -4856,7 +4932,7 @@
             </a:lvl9pPr>
           </a:lstStyle>
           <a:p>
-            <a:pPr indent="0" lvl="0" marL="0" rtl="0" algn="r">
+            <a:pPr marL="0" lvl="0" indent="0" algn="r" rtl="0">
               <a:spcBef>
                 <a:spcPts val="0"/>
               </a:spcBef>
@@ -4867,7 +4943,7 @@
             </a:pPr>
             <a:fld id="{00000000-1234-1234-1234-123412341234}" type="slidenum">
               <a:rPr lang="de"/>
-              <a:t>‹#›</a:t>
+              <a:t>‹Nr.›</a:t>
             </a:fld>
             <a:endParaRPr/>
           </a:p>
@@ -4882,11 +4958,11 @@
 </file>
 
 <file path=ppt/slideLayouts/slideLayout6.xml><?xml version="1.0" encoding="utf-8"?>
-<p:sldLayout xmlns:a="http://schemas.openxmlformats.org/drawingml/2006/main" xmlns:r="http://schemas.openxmlformats.org/officeDocument/2006/relationships" xmlns:mc="http://schemas.openxmlformats.org/markup-compatibility/2006" xmlns:mv="urn:schemas-microsoft-com:mac:vml" xmlns:p="http://schemas.openxmlformats.org/presentationml/2006/main" xmlns:c="http://schemas.openxmlformats.org/drawingml/2006/chart" xmlns:dgm="http://schemas.openxmlformats.org/drawingml/2006/diagram" xmlns:o="urn:schemas-microsoft-com:office:office" xmlns:v="urn:schemas-microsoft-com:vml" xmlns:pvml="urn:schemas-microsoft-com:office:powerpoint" xmlns:com="http://schemas.openxmlformats.org/drawingml/2006/compatibility" xmlns:p14="http://schemas.microsoft.com/office/powerpoint/2010/main" xmlns:p15="http://schemas.microsoft.com/office/powerpoint/2012/main" xmlns:ahyp="http://schemas.microsoft.com/office/drawing/2018/hyperlinkcolor" matchingName="One column text">
+<p:sldLayout xmlns:a="http://schemas.openxmlformats.org/drawingml/2006/main" xmlns:r="http://schemas.openxmlformats.org/officeDocument/2006/relationships" xmlns:p="http://schemas.openxmlformats.org/presentationml/2006/main" matchingName="One column text">
   <p:cSld name="ONE_COLUMN_TEXT">
     <p:spTree>
       <p:nvGrpSpPr>
-        <p:cNvPr id="47" name="Shape 47"/>
+        <p:cNvPr id="1" name="Shape 47"/>
         <p:cNvGrpSpPr/>
         <p:nvPr/>
       </p:nvGrpSpPr>
@@ -4920,12 +4996,12 @@
           </a:ln>
         </p:spPr>
         <p:txBody>
-          <a:bodyPr anchorCtr="0" anchor="ctr" bIns="91425" lIns="91425" spcFirstLastPara="1" rIns="91425" wrap="square" tIns="91425">
+          <a:bodyPr spcFirstLastPara="1" wrap="square" lIns="91425" tIns="91425" rIns="91425" bIns="91425" anchor="ctr" anchorCtr="0">
             <a:noAutofit/>
           </a:bodyPr>
           <a:lstStyle/>
           <a:p>
-            <a:pPr indent="0" lvl="0" marL="0" rtl="0" algn="l">
+            <a:pPr marL="0" lvl="0" indent="0" algn="l" rtl="0">
               <a:spcBef>
                 <a:spcPts val="0"/>
               </a:spcBef>
@@ -4934,9 +5010,6 @@
               </a:spcAft>
               <a:buNone/>
             </a:pPr>
-            <a:r>
-              <a:t/>
-            </a:r>
             <a:endParaRPr/>
           </a:p>
         </p:txBody>
@@ -4977,12 +5050,12 @@
             </a:ln>
           </p:spPr>
           <p:txBody>
-            <a:bodyPr anchorCtr="0" anchor="ctr" bIns="91425" lIns="91425" spcFirstLastPara="1" rIns="91425" wrap="square" tIns="91425">
+            <a:bodyPr spcFirstLastPara="1" wrap="square" lIns="91425" tIns="91425" rIns="91425" bIns="91425" anchor="ctr" anchorCtr="0">
               <a:noAutofit/>
             </a:bodyPr>
             <a:lstStyle/>
             <a:p>
-              <a:pPr indent="0" lvl="0" marL="0" rtl="0" algn="l">
+              <a:pPr marL="0" lvl="0" indent="0" algn="l" rtl="0">
                 <a:spcBef>
                   <a:spcPts val="0"/>
                 </a:spcBef>
@@ -4991,9 +5064,6 @@
                 </a:spcAft>
                 <a:buNone/>
               </a:pPr>
-              <a:r>
-                <a:t/>
-              </a:r>
               <a:endParaRPr/>
             </a:p>
           </p:txBody>
@@ -5020,12 +5090,12 @@
             </a:ln>
           </p:spPr>
           <p:txBody>
-            <a:bodyPr anchorCtr="0" anchor="ctr" bIns="91425" lIns="91425" spcFirstLastPara="1" rIns="91425" wrap="square" tIns="91425">
+            <a:bodyPr spcFirstLastPara="1" wrap="square" lIns="91425" tIns="91425" rIns="91425" bIns="91425" anchor="ctr" anchorCtr="0">
               <a:noAutofit/>
             </a:bodyPr>
             <a:lstStyle/>
             <a:p>
-              <a:pPr indent="0" lvl="0" marL="0" rtl="0" algn="l">
+              <a:pPr marL="0" lvl="0" indent="0" algn="l" rtl="0">
                 <a:spcBef>
                   <a:spcPts val="0"/>
                 </a:spcBef>
@@ -5034,9 +5104,6 @@
                 </a:spcAft>
                 <a:buNone/>
               </a:pPr>
-              <a:r>
-                <a:t/>
-              </a:r>
               <a:endParaRPr/>
             </a:p>
           </p:txBody>
@@ -5045,7 +5112,9 @@
       <p:sp>
         <p:nvSpPr>
           <p:cNvPr id="52" name="Google Shape;52;p7"/>
-          <p:cNvSpPr txBox="1"/>
+          <p:cNvSpPr txBox="1">
+            <a:spLocks noGrp="1"/>
+          </p:cNvSpPr>
           <p:nvPr>
             <p:ph type="title"/>
           </p:nvPr>
@@ -5060,7 +5129,7 @@
           </a:prstGeom>
         </p:spPr>
         <p:txBody>
-          <a:bodyPr anchorCtr="0" anchor="t" bIns="91425" lIns="91425" spcFirstLastPara="1" rIns="91425" wrap="square" tIns="91425">
+          <a:bodyPr spcFirstLastPara="1" wrap="square" lIns="91425" tIns="91425" rIns="91425" bIns="91425" anchor="t" anchorCtr="0">
             <a:normAutofit/>
           </a:bodyPr>
           <a:lstStyle>
@@ -5164,15 +5233,19 @@
               <a:defRPr sz="2600"/>
             </a:lvl9pPr>
           </a:lstStyle>
-          <a:p/>
+          <a:p>
+            <a:endParaRPr/>
+          </a:p>
         </p:txBody>
       </p:sp>
       <p:sp>
         <p:nvSpPr>
           <p:cNvPr id="53" name="Google Shape;53;p7"/>
-          <p:cNvSpPr txBox="1"/>
+          <p:cNvSpPr txBox="1">
+            <a:spLocks noGrp="1"/>
+          </p:cNvSpPr>
           <p:nvPr>
-            <p:ph idx="1" type="body"/>
+            <p:ph type="body" idx="1"/>
           </p:nvPr>
         </p:nvSpPr>
         <p:spPr>
@@ -5185,11 +5258,11 @@
           </a:prstGeom>
         </p:spPr>
         <p:txBody>
-          <a:bodyPr anchorCtr="0" anchor="t" bIns="91425" lIns="91425" spcFirstLastPara="1" rIns="91425" wrap="square" tIns="91425">
+          <a:bodyPr spcFirstLastPara="1" wrap="square" lIns="91425" tIns="91425" rIns="91425" bIns="91425" anchor="t" anchorCtr="0">
             <a:normAutofit/>
           </a:bodyPr>
           <a:lstStyle>
-            <a:lvl1pPr indent="-311150" lvl="0" marL="457200">
+            <a:lvl1pPr marL="457200" lvl="0" indent="-311150">
               <a:spcBef>
                 <a:spcPts val="0"/>
               </a:spcBef>
@@ -5200,7 +5273,7 @@
               <a:buChar char="●"/>
               <a:defRPr/>
             </a:lvl1pPr>
-            <a:lvl2pPr indent="-298450" lvl="1" marL="914400">
+            <a:lvl2pPr marL="914400" lvl="1" indent="-298450">
               <a:spcBef>
                 <a:spcPts val="0"/>
               </a:spcBef>
@@ -5211,7 +5284,7 @@
               <a:buChar char="○"/>
               <a:defRPr/>
             </a:lvl2pPr>
-            <a:lvl3pPr indent="-298450" lvl="2" marL="1371600">
+            <a:lvl3pPr marL="1371600" lvl="2" indent="-298450">
               <a:spcBef>
                 <a:spcPts val="0"/>
               </a:spcBef>
@@ -5222,7 +5295,7 @@
               <a:buChar char="■"/>
               <a:defRPr/>
             </a:lvl3pPr>
-            <a:lvl4pPr indent="-298450" lvl="3" marL="1828800">
+            <a:lvl4pPr marL="1828800" lvl="3" indent="-298450">
               <a:spcBef>
                 <a:spcPts val="0"/>
               </a:spcBef>
@@ -5233,7 +5306,7 @@
               <a:buChar char="●"/>
               <a:defRPr/>
             </a:lvl4pPr>
-            <a:lvl5pPr indent="-298450" lvl="4" marL="2286000">
+            <a:lvl5pPr marL="2286000" lvl="4" indent="-298450">
               <a:spcBef>
                 <a:spcPts val="0"/>
               </a:spcBef>
@@ -5244,7 +5317,7 @@
               <a:buChar char="○"/>
               <a:defRPr/>
             </a:lvl5pPr>
-            <a:lvl6pPr indent="-298450" lvl="5" marL="2743200">
+            <a:lvl6pPr marL="2743200" lvl="5" indent="-298450">
               <a:spcBef>
                 <a:spcPts val="0"/>
               </a:spcBef>
@@ -5255,7 +5328,7 @@
               <a:buChar char="■"/>
               <a:defRPr/>
             </a:lvl6pPr>
-            <a:lvl7pPr indent="-298450" lvl="6" marL="3200400">
+            <a:lvl7pPr marL="3200400" lvl="6" indent="-298450">
               <a:spcBef>
                 <a:spcPts val="0"/>
               </a:spcBef>
@@ -5266,7 +5339,7 @@
               <a:buChar char="●"/>
               <a:defRPr/>
             </a:lvl7pPr>
-            <a:lvl8pPr indent="-298450" lvl="7" marL="3657600">
+            <a:lvl8pPr marL="3657600" lvl="7" indent="-298450">
               <a:spcBef>
                 <a:spcPts val="0"/>
               </a:spcBef>
@@ -5277,7 +5350,7 @@
               <a:buChar char="○"/>
               <a:defRPr/>
             </a:lvl8pPr>
-            <a:lvl9pPr indent="-298450" lvl="8" marL="4114800">
+            <a:lvl9pPr marL="4114800" lvl="8" indent="-298450">
               <a:spcBef>
                 <a:spcPts val="0"/>
               </a:spcBef>
@@ -5289,15 +5362,19 @@
               <a:defRPr/>
             </a:lvl9pPr>
           </a:lstStyle>
-          <a:p/>
+          <a:p>
+            <a:endParaRPr/>
+          </a:p>
         </p:txBody>
       </p:sp>
       <p:sp>
         <p:nvSpPr>
           <p:cNvPr id="54" name="Google Shape;54;p7"/>
-          <p:cNvSpPr txBox="1"/>
+          <p:cNvSpPr txBox="1">
+            <a:spLocks noGrp="1"/>
+          </p:cNvSpPr>
           <p:nvPr>
-            <p:ph idx="12" type="sldNum"/>
+            <p:ph type="sldNum" idx="12"/>
           </p:nvPr>
         </p:nvSpPr>
         <p:spPr>
@@ -5310,7 +5387,7 @@
           </a:prstGeom>
         </p:spPr>
         <p:txBody>
-          <a:bodyPr anchorCtr="0" anchor="ctr" bIns="91425" lIns="91425" spcFirstLastPara="1" rIns="91425" wrap="square" tIns="91425">
+          <a:bodyPr spcFirstLastPara="1" wrap="square" lIns="91425" tIns="91425" rIns="91425" bIns="91425" anchor="ctr" anchorCtr="0">
             <a:normAutofit/>
           </a:bodyPr>
           <a:lstStyle>
@@ -5352,7 +5429,7 @@
             </a:lvl9pPr>
           </a:lstStyle>
           <a:p>
-            <a:pPr indent="0" lvl="0" marL="0" rtl="0" algn="r">
+            <a:pPr marL="0" lvl="0" indent="0" algn="r" rtl="0">
               <a:spcBef>
                 <a:spcPts val="0"/>
               </a:spcBef>
@@ -5363,7 +5440,7 @@
             </a:pPr>
             <a:fld id="{00000000-1234-1234-1234-123412341234}" type="slidenum">
               <a:rPr lang="de"/>
-              <a:t>‹#›</a:t>
+              <a:t>‹Nr.›</a:t>
             </a:fld>
             <a:endParaRPr/>
           </a:p>
@@ -5378,18 +5455,19 @@
 </file>
 
 <file path=ppt/slideLayouts/slideLayout7.xml><?xml version="1.0" encoding="utf-8"?>
-<p:sldLayout xmlns:a="http://schemas.openxmlformats.org/drawingml/2006/main" xmlns:r="http://schemas.openxmlformats.org/officeDocument/2006/relationships" xmlns:mc="http://schemas.openxmlformats.org/markup-compatibility/2006" xmlns:mv="urn:schemas-microsoft-com:mac:vml" xmlns:p="http://schemas.openxmlformats.org/presentationml/2006/main" xmlns:c="http://schemas.openxmlformats.org/drawingml/2006/chart" xmlns:dgm="http://schemas.openxmlformats.org/drawingml/2006/diagram" xmlns:o="urn:schemas-microsoft-com:office:office" xmlns:v="urn:schemas-microsoft-com:vml" xmlns:pvml="urn:schemas-microsoft-com:office:powerpoint" xmlns:com="http://schemas.openxmlformats.org/drawingml/2006/compatibility" xmlns:p14="http://schemas.microsoft.com/office/powerpoint/2010/main" xmlns:p15="http://schemas.microsoft.com/office/powerpoint/2012/main" xmlns:ahyp="http://schemas.microsoft.com/office/drawing/2018/hyperlinkcolor" matchingName="Main point">
+<p:sldLayout xmlns:a="http://schemas.openxmlformats.org/drawingml/2006/main" xmlns:r="http://schemas.openxmlformats.org/officeDocument/2006/relationships" xmlns:p="http://schemas.openxmlformats.org/presentationml/2006/main" matchingName="Main point">
   <p:cSld name="MAIN_POINT">
     <p:bg>
       <p:bgPr>
         <a:solidFill>
           <a:schemeClr val="accent3"/>
         </a:solidFill>
+        <a:effectLst/>
       </p:bgPr>
     </p:bg>
     <p:spTree>
       <p:nvGrpSpPr>
-        <p:cNvPr id="55" name="Shape 55"/>
+        <p:cNvPr id="1" name="Shape 55"/>
         <p:cNvGrpSpPr/>
         <p:nvPr/>
       </p:nvGrpSpPr>
@@ -5437,12 +5515,12 @@
             </a:ln>
           </p:spPr>
           <p:txBody>
-            <a:bodyPr anchorCtr="0" anchor="ctr" bIns="91425" lIns="91425" spcFirstLastPara="1" rIns="91425" wrap="square" tIns="91425">
+            <a:bodyPr spcFirstLastPara="1" wrap="square" lIns="91425" tIns="91425" rIns="91425" bIns="91425" anchor="ctr" anchorCtr="0">
               <a:noAutofit/>
             </a:bodyPr>
             <a:lstStyle/>
             <a:p>
-              <a:pPr indent="0" lvl="0" marL="0" rtl="0" algn="l">
+              <a:pPr marL="0" lvl="0" indent="0" algn="l" rtl="0">
                 <a:spcBef>
                   <a:spcPts val="0"/>
                 </a:spcBef>
@@ -5451,9 +5529,6 @@
                 </a:spcAft>
                 <a:buNone/>
               </a:pPr>
-              <a:r>
-                <a:t/>
-              </a:r>
               <a:endParaRPr/>
             </a:p>
           </p:txBody>
@@ -5480,12 +5555,12 @@
             </a:ln>
           </p:spPr>
           <p:txBody>
-            <a:bodyPr anchorCtr="0" anchor="ctr" bIns="91425" lIns="91425" spcFirstLastPara="1" rIns="91425" wrap="square" tIns="91425">
+            <a:bodyPr spcFirstLastPara="1" wrap="square" lIns="91425" tIns="91425" rIns="91425" bIns="91425" anchor="ctr" anchorCtr="0">
               <a:noAutofit/>
             </a:bodyPr>
             <a:lstStyle/>
             <a:p>
-              <a:pPr indent="0" lvl="0" marL="0" rtl="0" algn="l">
+              <a:pPr marL="0" lvl="0" indent="0" algn="l" rtl="0">
                 <a:spcBef>
                   <a:spcPts val="0"/>
                 </a:spcBef>
@@ -5494,9 +5569,6 @@
                 </a:spcAft>
                 <a:buNone/>
               </a:pPr>
-              <a:r>
-                <a:t/>
-              </a:r>
               <a:endParaRPr/>
             </a:p>
           </p:txBody>
@@ -5505,7 +5577,9 @@
       <p:sp>
         <p:nvSpPr>
           <p:cNvPr id="59" name="Google Shape;59;p8"/>
-          <p:cNvSpPr txBox="1"/>
+          <p:cNvSpPr txBox="1">
+            <a:spLocks noGrp="1"/>
+          </p:cNvSpPr>
           <p:nvPr>
             <p:ph type="title"/>
           </p:nvPr>
@@ -5520,7 +5594,7 @@
           </a:prstGeom>
         </p:spPr>
         <p:txBody>
-          <a:bodyPr anchorCtr="0" anchor="ctr" bIns="91425" lIns="91425" spcFirstLastPara="1" rIns="91425" wrap="square" tIns="91425">
+          <a:bodyPr spcFirstLastPara="1" wrap="square" lIns="91425" tIns="91425" rIns="91425" bIns="91425" anchor="ctr" anchorCtr="0">
             <a:normAutofit/>
           </a:bodyPr>
           <a:lstStyle>
@@ -5687,15 +5761,19 @@
               </a:defRPr>
             </a:lvl9pPr>
           </a:lstStyle>
-          <a:p/>
+          <a:p>
+            <a:endParaRPr/>
+          </a:p>
         </p:txBody>
       </p:sp>
       <p:sp>
         <p:nvSpPr>
           <p:cNvPr id="60" name="Google Shape;60;p8"/>
-          <p:cNvSpPr txBox="1"/>
+          <p:cNvSpPr txBox="1">
+            <a:spLocks noGrp="1"/>
+          </p:cNvSpPr>
           <p:nvPr>
-            <p:ph idx="12" type="sldNum"/>
+            <p:ph type="sldNum" idx="12"/>
           </p:nvPr>
         </p:nvSpPr>
         <p:spPr>
@@ -5708,7 +5786,7 @@
           </a:prstGeom>
         </p:spPr>
         <p:txBody>
-          <a:bodyPr anchorCtr="0" anchor="ctr" bIns="91425" lIns="91425" spcFirstLastPara="1" rIns="91425" wrap="square" tIns="91425">
+          <a:bodyPr spcFirstLastPara="1" wrap="square" lIns="91425" tIns="91425" rIns="91425" bIns="91425" anchor="ctr" anchorCtr="0">
             <a:normAutofit/>
           </a:bodyPr>
           <a:lstStyle>
@@ -5786,7 +5864,7 @@
             </a:lvl9pPr>
           </a:lstStyle>
           <a:p>
-            <a:pPr indent="0" lvl="0" marL="0" rtl="0" algn="r">
+            <a:pPr marL="0" lvl="0" indent="0" algn="r" rtl="0">
               <a:spcBef>
                 <a:spcPts val="0"/>
               </a:spcBef>
@@ -5797,7 +5875,7 @@
             </a:pPr>
             <a:fld id="{00000000-1234-1234-1234-123412341234}" type="slidenum">
               <a:rPr lang="de"/>
-              <a:t>‹#›</a:t>
+              <a:t>‹Nr.›</a:t>
             </a:fld>
             <a:endParaRPr/>
           </a:p>
@@ -5812,11 +5890,11 @@
 </file>
 
 <file path=ppt/slideLayouts/slideLayout8.xml><?xml version="1.0" encoding="utf-8"?>
-<p:sldLayout xmlns:a="http://schemas.openxmlformats.org/drawingml/2006/main" xmlns:r="http://schemas.openxmlformats.org/officeDocument/2006/relationships" xmlns:mc="http://schemas.openxmlformats.org/markup-compatibility/2006" xmlns:mv="urn:schemas-microsoft-com:mac:vml" xmlns:p="http://schemas.openxmlformats.org/presentationml/2006/main" xmlns:c="http://schemas.openxmlformats.org/drawingml/2006/chart" xmlns:dgm="http://schemas.openxmlformats.org/drawingml/2006/diagram" xmlns:o="urn:schemas-microsoft-com:office:office" xmlns:v="urn:schemas-microsoft-com:vml" xmlns:pvml="urn:schemas-microsoft-com:office:powerpoint" xmlns:com="http://schemas.openxmlformats.org/drawingml/2006/compatibility" xmlns:p14="http://schemas.microsoft.com/office/powerpoint/2010/main" xmlns:p15="http://schemas.microsoft.com/office/powerpoint/2012/main" xmlns:ahyp="http://schemas.microsoft.com/office/drawing/2018/hyperlinkcolor" matchingName="Section title and description">
+<p:sldLayout xmlns:a="http://schemas.openxmlformats.org/drawingml/2006/main" xmlns:r="http://schemas.openxmlformats.org/officeDocument/2006/relationships" xmlns:p="http://schemas.openxmlformats.org/presentationml/2006/main" matchingName="Section title and description">
   <p:cSld name="SECTION_TITLE_AND_DESCRIPTION">
     <p:spTree>
       <p:nvGrpSpPr>
-        <p:cNvPr id="61" name="Shape 61"/>
+        <p:cNvPr id="1" name="Shape 61"/>
         <p:cNvGrpSpPr/>
         <p:nvPr/>
       </p:nvGrpSpPr>
@@ -5850,12 +5928,12 @@
           </a:ln>
         </p:spPr>
         <p:txBody>
-          <a:bodyPr anchorCtr="0" anchor="ctr" bIns="91425" lIns="91425" spcFirstLastPara="1" rIns="91425" wrap="square" tIns="91425">
+          <a:bodyPr spcFirstLastPara="1" wrap="square" lIns="91425" tIns="91425" rIns="91425" bIns="91425" anchor="ctr" anchorCtr="0">
             <a:noAutofit/>
           </a:bodyPr>
           <a:lstStyle/>
           <a:p>
-            <a:pPr indent="0" lvl="0" marL="0" rtl="0" algn="l">
+            <a:pPr marL="0" lvl="0" indent="0" algn="l" rtl="0">
               <a:spcBef>
                 <a:spcPts val="0"/>
               </a:spcBef>
@@ -5864,9 +5942,6 @@
               </a:spcAft>
               <a:buNone/>
             </a:pPr>
-            <a:r>
-              <a:t/>
-            </a:r>
             <a:endParaRPr/>
           </a:p>
         </p:txBody>
@@ -5907,12 +5982,12 @@
             </a:ln>
           </p:spPr>
           <p:txBody>
-            <a:bodyPr anchorCtr="0" anchor="ctr" bIns="91425" lIns="91425" spcFirstLastPara="1" rIns="91425" wrap="square" tIns="91425">
+            <a:bodyPr spcFirstLastPara="1" wrap="square" lIns="91425" tIns="91425" rIns="91425" bIns="91425" anchor="ctr" anchorCtr="0">
               <a:noAutofit/>
             </a:bodyPr>
             <a:lstStyle/>
             <a:p>
-              <a:pPr indent="0" lvl="0" marL="0" rtl="0" algn="l">
+              <a:pPr marL="0" lvl="0" indent="0" algn="l" rtl="0">
                 <a:spcBef>
                   <a:spcPts val="0"/>
                 </a:spcBef>
@@ -5921,9 +5996,6 @@
                 </a:spcAft>
                 <a:buNone/>
               </a:pPr>
-              <a:r>
-                <a:t/>
-              </a:r>
               <a:endParaRPr/>
             </a:p>
           </p:txBody>
@@ -5950,12 +6022,12 @@
             </a:ln>
           </p:spPr>
           <p:txBody>
-            <a:bodyPr anchorCtr="0" anchor="ctr" bIns="91425" lIns="91425" spcFirstLastPara="1" rIns="91425" wrap="square" tIns="91425">
+            <a:bodyPr spcFirstLastPara="1" wrap="square" lIns="91425" tIns="91425" rIns="91425" bIns="91425" anchor="ctr" anchorCtr="0">
               <a:noAutofit/>
             </a:bodyPr>
             <a:lstStyle/>
             <a:p>
-              <a:pPr indent="0" lvl="0" marL="0" rtl="0" algn="l">
+              <a:pPr marL="0" lvl="0" indent="0" algn="l" rtl="0">
                 <a:spcBef>
                   <a:spcPts val="0"/>
                 </a:spcBef>
@@ -5964,9 +6036,6 @@
                 </a:spcAft>
                 <a:buNone/>
               </a:pPr>
-              <a:r>
-                <a:t/>
-              </a:r>
               <a:endParaRPr/>
             </a:p>
           </p:txBody>
@@ -5975,7 +6044,9 @@
       <p:sp>
         <p:nvSpPr>
           <p:cNvPr id="66" name="Google Shape;66;p9"/>
-          <p:cNvSpPr txBox="1"/>
+          <p:cNvSpPr txBox="1">
+            <a:spLocks noGrp="1"/>
+          </p:cNvSpPr>
           <p:nvPr>
             <p:ph type="title"/>
           </p:nvPr>
@@ -5990,7 +6061,7 @@
           </a:prstGeom>
         </p:spPr>
         <p:txBody>
-          <a:bodyPr anchorCtr="0" anchor="t" bIns="91425" lIns="91425" spcFirstLastPara="1" rIns="91425" wrap="square" tIns="91425">
+          <a:bodyPr spcFirstLastPara="1" wrap="square" lIns="91425" tIns="91425" rIns="91425" bIns="91425" anchor="t" anchorCtr="0">
             <a:normAutofit/>
           </a:bodyPr>
           <a:lstStyle>
@@ -6094,15 +6165,19 @@
               <a:defRPr sz="2600"/>
             </a:lvl9pPr>
           </a:lstStyle>
-          <a:p/>
+          <a:p>
+            <a:endParaRPr/>
+          </a:p>
         </p:txBody>
       </p:sp>
       <p:sp>
         <p:nvSpPr>
           <p:cNvPr id="67" name="Google Shape;67;p9"/>
-          <p:cNvSpPr txBox="1"/>
+          <p:cNvSpPr txBox="1">
+            <a:spLocks noGrp="1"/>
+          </p:cNvSpPr>
           <p:nvPr>
-            <p:ph idx="1" type="subTitle"/>
+            <p:ph type="subTitle" idx="1"/>
           </p:nvPr>
         </p:nvSpPr>
         <p:spPr>
@@ -6115,7 +6190,7 @@
           </a:prstGeom>
         </p:spPr>
         <p:txBody>
-          <a:bodyPr anchorCtr="0" anchor="t" bIns="91425" lIns="91425" spcFirstLastPara="1" rIns="91425" wrap="square" tIns="91425">
+          <a:bodyPr spcFirstLastPara="1" wrap="square" lIns="91425" tIns="91425" rIns="91425" bIns="91425" anchor="t" anchorCtr="0">
             <a:normAutofit/>
           </a:bodyPr>
           <a:lstStyle>
@@ -6246,15 +6321,19 @@
               <a:defRPr sz="1600"/>
             </a:lvl9pPr>
           </a:lstStyle>
-          <a:p/>
+          <a:p>
+            <a:endParaRPr/>
+          </a:p>
         </p:txBody>
       </p:sp>
       <p:sp>
         <p:nvSpPr>
           <p:cNvPr id="68" name="Google Shape;68;p9"/>
-          <p:cNvSpPr txBox="1"/>
+          <p:cNvSpPr txBox="1">
+            <a:spLocks noGrp="1"/>
+          </p:cNvSpPr>
           <p:nvPr>
-            <p:ph idx="2" type="body"/>
+            <p:ph type="body" idx="2"/>
           </p:nvPr>
         </p:nvSpPr>
         <p:spPr>
@@ -6267,11 +6346,11 @@
           </a:prstGeom>
         </p:spPr>
         <p:txBody>
-          <a:bodyPr anchorCtr="0" anchor="t" bIns="91425" lIns="91425" spcFirstLastPara="1" rIns="91425" wrap="square" tIns="91425">
+          <a:bodyPr spcFirstLastPara="1" wrap="square" lIns="91425" tIns="91425" rIns="91425" bIns="91425" anchor="t" anchorCtr="0">
             <a:normAutofit/>
           </a:bodyPr>
           <a:lstStyle>
-            <a:lvl1pPr indent="-311150" lvl="0" marL="457200">
+            <a:lvl1pPr marL="457200" lvl="0" indent="-311150">
               <a:spcBef>
                 <a:spcPts val="0"/>
               </a:spcBef>
@@ -6282,7 +6361,7 @@
               <a:buChar char="●"/>
               <a:defRPr/>
             </a:lvl1pPr>
-            <a:lvl2pPr indent="-298450" lvl="1" marL="914400">
+            <a:lvl2pPr marL="914400" lvl="1" indent="-298450">
               <a:spcBef>
                 <a:spcPts val="0"/>
               </a:spcBef>
@@ -6293,7 +6372,7 @@
               <a:buChar char="○"/>
               <a:defRPr/>
             </a:lvl2pPr>
-            <a:lvl3pPr indent="-298450" lvl="2" marL="1371600">
+            <a:lvl3pPr marL="1371600" lvl="2" indent="-298450">
               <a:spcBef>
                 <a:spcPts val="0"/>
               </a:spcBef>
@@ -6304,7 +6383,7 @@
               <a:buChar char="■"/>
               <a:defRPr/>
             </a:lvl3pPr>
-            <a:lvl4pPr indent="-298450" lvl="3" marL="1828800">
+            <a:lvl4pPr marL="1828800" lvl="3" indent="-298450">
               <a:spcBef>
                 <a:spcPts val="0"/>
               </a:spcBef>
@@ -6315,7 +6394,7 @@
               <a:buChar char="●"/>
               <a:defRPr/>
             </a:lvl4pPr>
-            <a:lvl5pPr indent="-298450" lvl="4" marL="2286000">
+            <a:lvl5pPr marL="2286000" lvl="4" indent="-298450">
               <a:spcBef>
                 <a:spcPts val="0"/>
               </a:spcBef>
@@ -6326,7 +6405,7 @@
               <a:buChar char="○"/>
               <a:defRPr/>
             </a:lvl5pPr>
-            <a:lvl6pPr indent="-298450" lvl="5" marL="2743200">
+            <a:lvl6pPr marL="2743200" lvl="5" indent="-298450">
               <a:spcBef>
                 <a:spcPts val="0"/>
               </a:spcBef>
@@ -6337,7 +6416,7 @@
               <a:buChar char="■"/>
               <a:defRPr/>
             </a:lvl6pPr>
-            <a:lvl7pPr indent="-298450" lvl="6" marL="3200400">
+            <a:lvl7pPr marL="3200400" lvl="6" indent="-298450">
               <a:spcBef>
                 <a:spcPts val="0"/>
               </a:spcBef>
@@ -6348,7 +6427,7 @@
               <a:buChar char="●"/>
               <a:defRPr/>
             </a:lvl7pPr>
-            <a:lvl8pPr indent="-298450" lvl="7" marL="3657600">
+            <a:lvl8pPr marL="3657600" lvl="7" indent="-298450">
               <a:spcBef>
                 <a:spcPts val="0"/>
               </a:spcBef>
@@ -6359,7 +6438,7 @@
               <a:buChar char="○"/>
               <a:defRPr/>
             </a:lvl8pPr>
-            <a:lvl9pPr indent="-298450" lvl="8" marL="4114800">
+            <a:lvl9pPr marL="4114800" lvl="8" indent="-298450">
               <a:spcBef>
                 <a:spcPts val="0"/>
               </a:spcBef>
@@ -6371,15 +6450,19 @@
               <a:defRPr/>
             </a:lvl9pPr>
           </a:lstStyle>
-          <a:p/>
+          <a:p>
+            <a:endParaRPr/>
+          </a:p>
         </p:txBody>
       </p:sp>
       <p:sp>
         <p:nvSpPr>
           <p:cNvPr id="69" name="Google Shape;69;p9"/>
-          <p:cNvSpPr txBox="1"/>
+          <p:cNvSpPr txBox="1">
+            <a:spLocks noGrp="1"/>
+          </p:cNvSpPr>
           <p:nvPr>
-            <p:ph idx="12" type="sldNum"/>
+            <p:ph type="sldNum" idx="12"/>
           </p:nvPr>
         </p:nvSpPr>
         <p:spPr>
@@ -6392,7 +6475,7 @@
           </a:prstGeom>
         </p:spPr>
         <p:txBody>
-          <a:bodyPr anchorCtr="0" anchor="ctr" bIns="91425" lIns="91425" spcFirstLastPara="1" rIns="91425" wrap="square" tIns="91425">
+          <a:bodyPr spcFirstLastPara="1" wrap="square" lIns="91425" tIns="91425" rIns="91425" bIns="91425" anchor="ctr" anchorCtr="0">
             <a:normAutofit/>
           </a:bodyPr>
           <a:lstStyle>
@@ -6434,7 +6517,7 @@
             </a:lvl9pPr>
           </a:lstStyle>
           <a:p>
-            <a:pPr indent="0" lvl="0" marL="0" rtl="0" algn="r">
+            <a:pPr marL="0" lvl="0" indent="0" algn="r" rtl="0">
               <a:spcBef>
                 <a:spcPts val="0"/>
               </a:spcBef>
@@ -6445,7 +6528,7 @@
             </a:pPr>
             <a:fld id="{00000000-1234-1234-1234-123412341234}" type="slidenum">
               <a:rPr lang="de"/>
-              <a:t>‹#›</a:t>
+              <a:t>‹Nr.›</a:t>
             </a:fld>
             <a:endParaRPr/>
           </a:p>
@@ -6460,11 +6543,11 @@
 </file>
 
 <file path=ppt/slideLayouts/slideLayout9.xml><?xml version="1.0" encoding="utf-8"?>
-<p:sldLayout xmlns:a="http://schemas.openxmlformats.org/drawingml/2006/main" xmlns:r="http://schemas.openxmlformats.org/officeDocument/2006/relationships" xmlns:mc="http://schemas.openxmlformats.org/markup-compatibility/2006" xmlns:mv="urn:schemas-microsoft-com:mac:vml" xmlns:p="http://schemas.openxmlformats.org/presentationml/2006/main" xmlns:c="http://schemas.openxmlformats.org/drawingml/2006/chart" xmlns:dgm="http://schemas.openxmlformats.org/drawingml/2006/diagram" xmlns:o="urn:schemas-microsoft-com:office:office" xmlns:v="urn:schemas-microsoft-com:vml" xmlns:pvml="urn:schemas-microsoft-com:office:powerpoint" xmlns:com="http://schemas.openxmlformats.org/drawingml/2006/compatibility" xmlns:p14="http://schemas.microsoft.com/office/powerpoint/2010/main" xmlns:p15="http://schemas.microsoft.com/office/powerpoint/2012/main" xmlns:ahyp="http://schemas.microsoft.com/office/drawing/2018/hyperlinkcolor" matchingName="Caption">
+<p:sldLayout xmlns:a="http://schemas.openxmlformats.org/drawingml/2006/main" xmlns:r="http://schemas.openxmlformats.org/officeDocument/2006/relationships" xmlns:p="http://schemas.openxmlformats.org/presentationml/2006/main" matchingName="Caption">
   <p:cSld name="CAPTION_ONLY">
     <p:spTree>
       <p:nvGrpSpPr>
-        <p:cNvPr id="70" name="Shape 70"/>
+        <p:cNvPr id="1" name="Shape 70"/>
         <p:cNvGrpSpPr/>
         <p:nvPr/>
       </p:nvGrpSpPr>
@@ -6479,9 +6562,11 @@
       <p:sp>
         <p:nvSpPr>
           <p:cNvPr id="71" name="Google Shape;71;p10"/>
-          <p:cNvSpPr txBox="1"/>
+          <p:cNvSpPr txBox="1">
+            <a:spLocks noGrp="1"/>
+          </p:cNvSpPr>
           <p:nvPr>
-            <p:ph idx="1" type="body"/>
+            <p:ph type="body" idx="1"/>
           </p:nvPr>
         </p:nvSpPr>
         <p:spPr>
@@ -6494,11 +6579,11 @@
           </a:prstGeom>
         </p:spPr>
         <p:txBody>
-          <a:bodyPr anchorCtr="0" anchor="ctr" bIns="91425" lIns="91425" spcFirstLastPara="1" rIns="91425" wrap="square" tIns="91425">
+          <a:bodyPr spcFirstLastPara="1" wrap="square" lIns="91425" tIns="91425" rIns="91425" bIns="91425" anchor="ctr" anchorCtr="0">
             <a:normAutofit/>
           </a:bodyPr>
           <a:lstStyle>
-            <a:lvl1pPr indent="-228600" lvl="0" marL="457200">
+            <a:lvl1pPr marL="457200" lvl="0" indent="-228600">
               <a:lnSpc>
                 <a:spcPct val="100000"/>
               </a:lnSpc>
@@ -6513,15 +6598,19 @@
               <a:defRPr/>
             </a:lvl1pPr>
           </a:lstStyle>
-          <a:p/>
+          <a:p>
+            <a:endParaRPr/>
+          </a:p>
         </p:txBody>
       </p:sp>
       <p:sp>
         <p:nvSpPr>
           <p:cNvPr id="72" name="Google Shape;72;p10"/>
-          <p:cNvSpPr txBox="1"/>
+          <p:cNvSpPr txBox="1">
+            <a:spLocks noGrp="1"/>
+          </p:cNvSpPr>
           <p:nvPr>
-            <p:ph idx="12" type="sldNum"/>
+            <p:ph type="sldNum" idx="12"/>
           </p:nvPr>
         </p:nvSpPr>
         <p:spPr>
@@ -6534,7 +6623,7 @@
           </a:prstGeom>
         </p:spPr>
         <p:txBody>
-          <a:bodyPr anchorCtr="0" anchor="ctr" bIns="91425" lIns="91425" spcFirstLastPara="1" rIns="91425" wrap="square" tIns="91425">
+          <a:bodyPr spcFirstLastPara="1" wrap="square" lIns="91425" tIns="91425" rIns="91425" bIns="91425" anchor="ctr" anchorCtr="0">
             <a:normAutofit/>
           </a:bodyPr>
           <a:lstStyle>
@@ -6576,7 +6665,7 @@
             </a:lvl9pPr>
           </a:lstStyle>
           <a:p>
-            <a:pPr indent="0" lvl="0" marL="0" rtl="0" algn="r">
+            <a:pPr marL="0" lvl="0" indent="0" algn="r" rtl="0">
               <a:spcBef>
                 <a:spcPts val="0"/>
               </a:spcBef>
@@ -6587,7 +6676,7 @@
             </a:pPr>
             <a:fld id="{00000000-1234-1234-1234-123412341234}" type="slidenum">
               <a:rPr lang="de"/>
-              <a:t>‹#›</a:t>
+              <a:t>‹Nr.›</a:t>
             </a:fld>
             <a:endParaRPr/>
           </a:p>
@@ -6602,18 +6691,19 @@
 </file>
 
 <file path=ppt/slideMasters/slideMaster1.xml><?xml version="1.0" encoding="utf-8"?>
-<p:sldMaster xmlns:a="http://schemas.openxmlformats.org/drawingml/2006/main" xmlns:r="http://schemas.openxmlformats.org/officeDocument/2006/relationships" xmlns:mc="http://schemas.openxmlformats.org/markup-compatibility/2006" xmlns:mv="urn:schemas-microsoft-com:mac:vml" xmlns:p="http://schemas.openxmlformats.org/presentationml/2006/main" xmlns:c="http://schemas.openxmlformats.org/drawingml/2006/chart" xmlns:dgm="http://schemas.openxmlformats.org/drawingml/2006/diagram" xmlns:o="urn:schemas-microsoft-com:office:office" xmlns:v="urn:schemas-microsoft-com:vml" xmlns:pvml="urn:schemas-microsoft-com:office:powerpoint" xmlns:com="http://schemas.openxmlformats.org/drawingml/2006/compatibility" xmlns:p14="http://schemas.microsoft.com/office/powerpoint/2010/main" xmlns:p15="http://schemas.microsoft.com/office/powerpoint/2012/main" xmlns:ahyp="http://schemas.microsoft.com/office/drawing/2018/hyperlinkcolor">
+<p:sldMaster xmlns:a="http://schemas.openxmlformats.org/drawingml/2006/main" xmlns:r="http://schemas.openxmlformats.org/officeDocument/2006/relationships" xmlns:p="http://schemas.openxmlformats.org/presentationml/2006/main">
   <p:cSld name="streamline">
     <p:bg>
       <p:bgPr>
         <a:solidFill>
           <a:schemeClr val="lt1"/>
         </a:solidFill>
+        <a:effectLst/>
       </p:bgPr>
     </p:bg>
     <p:spTree>
       <p:nvGrpSpPr>
-        <p:cNvPr id="5" name="Shape 5"/>
+        <p:cNvPr id="1" name="Shape 5"/>
         <p:cNvGrpSpPr/>
         <p:nvPr/>
       </p:nvGrpSpPr>
@@ -6628,7 +6718,9 @@
       <p:sp>
         <p:nvSpPr>
           <p:cNvPr id="6" name="Google Shape;6;p1"/>
-          <p:cNvSpPr txBox="1"/>
+          <p:cNvSpPr txBox="1">
+            <a:spLocks noGrp="1"/>
+          </p:cNvSpPr>
           <p:nvPr>
             <p:ph type="title"/>
           </p:nvPr>
@@ -6647,7 +6739,7 @@
           </a:ln>
         </p:spPr>
         <p:txBody>
-          <a:bodyPr anchorCtr="0" anchor="t" bIns="91425" lIns="91425" spcFirstLastPara="1" rIns="91425" wrap="square" tIns="91425">
+          <a:bodyPr spcFirstLastPara="1" wrap="square" lIns="91425" tIns="91425" rIns="91425" bIns="91425" anchor="t" anchorCtr="0">
             <a:normAutofit/>
           </a:bodyPr>
           <a:lstStyle>
@@ -6664,7 +6756,7 @@
               <a:buSzPts val="2800"/>
               <a:buFont typeface="Raleway"/>
               <a:buNone/>
-              <a:defRPr b="1" sz="2800">
+              <a:defRPr sz="2800" b="1">
                 <a:solidFill>
                   <a:schemeClr val="dk2"/>
                 </a:solidFill>
@@ -6687,7 +6779,7 @@
               <a:buSzPts val="2800"/>
               <a:buFont typeface="Raleway"/>
               <a:buNone/>
-              <a:defRPr b="1" sz="2800">
+              <a:defRPr sz="2800" b="1">
                 <a:solidFill>
                   <a:schemeClr val="dk2"/>
                 </a:solidFill>
@@ -6710,7 +6802,7 @@
               <a:buSzPts val="2800"/>
               <a:buFont typeface="Raleway"/>
               <a:buNone/>
-              <a:defRPr b="1" sz="2800">
+              <a:defRPr sz="2800" b="1">
                 <a:solidFill>
                   <a:schemeClr val="dk2"/>
                 </a:solidFill>
@@ -6733,7 +6825,7 @@
               <a:buSzPts val="2800"/>
               <a:buFont typeface="Raleway"/>
               <a:buNone/>
-              <a:defRPr b="1" sz="2800">
+              <a:defRPr sz="2800" b="1">
                 <a:solidFill>
                   <a:schemeClr val="dk2"/>
                 </a:solidFill>
@@ -6756,7 +6848,7 @@
               <a:buSzPts val="2800"/>
               <a:buFont typeface="Raleway"/>
               <a:buNone/>
-              <a:defRPr b="1" sz="2800">
+              <a:defRPr sz="2800" b="1">
                 <a:solidFill>
                   <a:schemeClr val="dk2"/>
                 </a:solidFill>
@@ -6779,7 +6871,7 @@
               <a:buSzPts val="2800"/>
               <a:buFont typeface="Raleway"/>
               <a:buNone/>
-              <a:defRPr b="1" sz="2800">
+              <a:defRPr sz="2800" b="1">
                 <a:solidFill>
                   <a:schemeClr val="dk2"/>
                 </a:solidFill>
@@ -6802,7 +6894,7 @@
               <a:buSzPts val="2800"/>
               <a:buFont typeface="Raleway"/>
               <a:buNone/>
-              <a:defRPr b="1" sz="2800">
+              <a:defRPr sz="2800" b="1">
                 <a:solidFill>
                   <a:schemeClr val="dk2"/>
                 </a:solidFill>
@@ -6825,7 +6917,7 @@
               <a:buSzPts val="2800"/>
               <a:buFont typeface="Raleway"/>
               <a:buNone/>
-              <a:defRPr b="1" sz="2800">
+              <a:defRPr sz="2800" b="1">
                 <a:solidFill>
                   <a:schemeClr val="dk2"/>
                 </a:solidFill>
@@ -6848,7 +6940,7 @@
               <a:buSzPts val="2800"/>
               <a:buFont typeface="Raleway"/>
               <a:buNone/>
-              <a:defRPr b="1" sz="2800">
+              <a:defRPr sz="2800" b="1">
                 <a:solidFill>
                   <a:schemeClr val="dk2"/>
                 </a:solidFill>
@@ -6859,15 +6951,19 @@
               </a:defRPr>
             </a:lvl9pPr>
           </a:lstStyle>
-          <a:p/>
+          <a:p>
+            <a:endParaRPr/>
+          </a:p>
         </p:txBody>
       </p:sp>
       <p:sp>
         <p:nvSpPr>
           <p:cNvPr id="7" name="Google Shape;7;p1"/>
-          <p:cNvSpPr txBox="1"/>
+          <p:cNvSpPr txBox="1">
+            <a:spLocks noGrp="1"/>
+          </p:cNvSpPr>
           <p:nvPr>
-            <p:ph idx="1" type="body"/>
+            <p:ph type="body" idx="1"/>
           </p:nvPr>
         </p:nvSpPr>
         <p:spPr>
@@ -6884,11 +6980,11 @@
           </a:ln>
         </p:spPr>
         <p:txBody>
-          <a:bodyPr anchorCtr="0" anchor="t" bIns="91425" lIns="91425" spcFirstLastPara="1" rIns="91425" wrap="square" tIns="91425">
+          <a:bodyPr spcFirstLastPara="1" wrap="square" lIns="91425" tIns="91425" rIns="91425" bIns="91425" anchor="t" anchorCtr="0">
             <a:normAutofit/>
           </a:bodyPr>
           <a:lstStyle>
-            <a:lvl1pPr indent="-311150" lvl="0" marL="457200">
+            <a:lvl1pPr marL="457200" lvl="0" indent="-311150">
               <a:lnSpc>
                 <a:spcPct val="115000"/>
               </a:lnSpc>
@@ -6914,7 +7010,7 @@
                 <a:sym typeface="Lato"/>
               </a:defRPr>
             </a:lvl1pPr>
-            <a:lvl2pPr indent="-298450" lvl="1" marL="914400">
+            <a:lvl2pPr marL="914400" lvl="1" indent="-298450">
               <a:lnSpc>
                 <a:spcPct val="115000"/>
               </a:lnSpc>
@@ -6940,7 +7036,7 @@
                 <a:sym typeface="Lato"/>
               </a:defRPr>
             </a:lvl2pPr>
-            <a:lvl3pPr indent="-298450" lvl="2" marL="1371600">
+            <a:lvl3pPr marL="1371600" lvl="2" indent="-298450">
               <a:lnSpc>
                 <a:spcPct val="115000"/>
               </a:lnSpc>
@@ -6966,7 +7062,7 @@
                 <a:sym typeface="Lato"/>
               </a:defRPr>
             </a:lvl3pPr>
-            <a:lvl4pPr indent="-298450" lvl="3" marL="1828800">
+            <a:lvl4pPr marL="1828800" lvl="3" indent="-298450">
               <a:lnSpc>
                 <a:spcPct val="115000"/>
               </a:lnSpc>
@@ -6992,7 +7088,7 @@
                 <a:sym typeface="Lato"/>
               </a:defRPr>
             </a:lvl4pPr>
-            <a:lvl5pPr indent="-298450" lvl="4" marL="2286000">
+            <a:lvl5pPr marL="2286000" lvl="4" indent="-298450">
               <a:lnSpc>
                 <a:spcPct val="115000"/>
               </a:lnSpc>
@@ -7018,7 +7114,7 @@
                 <a:sym typeface="Lato"/>
               </a:defRPr>
             </a:lvl5pPr>
-            <a:lvl6pPr indent="-298450" lvl="5" marL="2743200">
+            <a:lvl6pPr marL="2743200" lvl="5" indent="-298450">
               <a:lnSpc>
                 <a:spcPct val="115000"/>
               </a:lnSpc>
@@ -7044,7 +7140,7 @@
                 <a:sym typeface="Lato"/>
               </a:defRPr>
             </a:lvl6pPr>
-            <a:lvl7pPr indent="-298450" lvl="6" marL="3200400">
+            <a:lvl7pPr marL="3200400" lvl="6" indent="-298450">
               <a:lnSpc>
                 <a:spcPct val="115000"/>
               </a:lnSpc>
@@ -7070,7 +7166,7 @@
                 <a:sym typeface="Lato"/>
               </a:defRPr>
             </a:lvl7pPr>
-            <a:lvl8pPr indent="-298450" lvl="7" marL="3657600">
+            <a:lvl8pPr marL="3657600" lvl="7" indent="-298450">
               <a:lnSpc>
                 <a:spcPct val="115000"/>
               </a:lnSpc>
@@ -7096,7 +7192,7 @@
                 <a:sym typeface="Lato"/>
               </a:defRPr>
             </a:lvl8pPr>
-            <a:lvl9pPr indent="-298450" lvl="8" marL="4114800">
+            <a:lvl9pPr marL="4114800" lvl="8" indent="-298450">
               <a:lnSpc>
                 <a:spcPct val="115000"/>
               </a:lnSpc>
@@ -7123,15 +7219,19 @@
               </a:defRPr>
             </a:lvl9pPr>
           </a:lstStyle>
-          <a:p/>
+          <a:p>
+            <a:endParaRPr/>
+          </a:p>
         </p:txBody>
       </p:sp>
       <p:sp>
         <p:nvSpPr>
           <p:cNvPr id="8" name="Google Shape;8;p1"/>
-          <p:cNvSpPr txBox="1"/>
+          <p:cNvSpPr txBox="1">
+            <a:spLocks noGrp="1"/>
+          </p:cNvSpPr>
           <p:nvPr>
-            <p:ph idx="12" type="sldNum"/>
+            <p:ph type="sldNum" idx="12"/>
           </p:nvPr>
         </p:nvSpPr>
         <p:spPr>
@@ -7148,7 +7248,7 @@
           </a:ln>
         </p:spPr>
         <p:txBody>
-          <a:bodyPr anchorCtr="0" anchor="ctr" bIns="91425" lIns="91425" spcFirstLastPara="1" rIns="91425" wrap="square" tIns="91425">
+          <a:bodyPr spcFirstLastPara="1" wrap="square" lIns="91425" tIns="91425" rIns="91425" bIns="91425" anchor="ctr" anchorCtr="0">
             <a:normAutofit/>
           </a:bodyPr>
           <a:lstStyle>
@@ -7262,7 +7362,7 @@
             </a:lvl9pPr>
           </a:lstStyle>
           <a:p>
-            <a:pPr indent="0" lvl="0" marL="0" rtl="0" algn="r">
+            <a:pPr marL="0" lvl="0" indent="0" algn="r" rtl="0">
               <a:spcBef>
                 <a:spcPts val="0"/>
               </a:spcBef>
@@ -7273,7 +7373,7 @@
             </a:pPr>
             <a:fld id="{00000000-1234-1234-1234-123412341234}" type="slidenum">
               <a:rPr lang="de"/>
-              <a:t>‹#›</a:t>
+              <a:t>‹Nr.›</a:t>
             </a:fld>
             <a:endParaRPr/>
           </a:p>
@@ -7281,7 +7381,7 @@
       </p:sp>
     </p:spTree>
   </p:cSld>
-  <p:clrMap accent1="accent1" accent2="accent2" accent3="accent3" accent4="accent4" accent5="accent5" accent6="accent6" bg1="lt1" bg2="dk2" tx1="dk1" tx2="lt2" folHlink="folHlink" hlink="hlink"/>
+  <p:clrMap bg1="lt1" tx1="dk1" bg2="dk2" tx2="lt2" accent1="accent1" accent2="accent2" accent3="accent3" accent4="accent4" accent5="accent5" accent6="accent6" hlink="hlink" folHlink="folHlink"/>
   <p:sldLayoutIdLst>
     <p:sldLayoutId id="2147483648" r:id="rId1"/>
     <p:sldLayoutId id="2147483649" r:id="rId2"/>
@@ -7295,10 +7395,10 @@
     <p:sldLayoutId id="2147483657" r:id="rId10"/>
     <p:sldLayoutId id="2147483658" r:id="rId11"/>
   </p:sldLayoutIdLst>
-  <p:hf dt="0" ftr="0" hdr="0" sldNum="0"/>
+  <p:hf sldNum="0" hdr="0" ftr="0" dt="0"/>
   <p:txStyles>
     <p:titleStyle>
-      <a:defPPr lvl="0" marR="0" rtl="0" algn="l">
+      <a:defPPr marR="0" lvl="0" algn="l" rtl="0">
         <a:lnSpc>
           <a:spcPct val="100000"/>
         </a:lnSpc>
@@ -7309,7 +7409,7 @@
           <a:spcPts val="0"/>
         </a:spcAft>
       </a:defPPr>
-      <a:lvl1pPr lvl="0" marR="0" rtl="0" algn="l">
+      <a:lvl1pPr marR="0" lvl="0" algn="l" rtl="0">
         <a:lnSpc>
           <a:spcPct val="100000"/>
         </a:lnSpc>
@@ -7323,7 +7423,7 @@
           <a:srgbClr val="000000"/>
         </a:buClr>
         <a:buFont typeface="Arial"/>
-        <a:defRPr b="0" i="0" sz="1400" u="none" cap="none" strike="noStrike">
+        <a:defRPr sz="1400" b="0" i="0" u="none" strike="noStrike" cap="none">
           <a:solidFill>
             <a:srgbClr val="000000"/>
           </a:solidFill>
@@ -7333,7 +7433,7 @@
           <a:sym typeface="Arial"/>
         </a:defRPr>
       </a:lvl1pPr>
-      <a:lvl2pPr lvl="1" marR="0" rtl="0" algn="l">
+      <a:lvl2pPr marR="0" lvl="1" algn="l" rtl="0">
         <a:lnSpc>
           <a:spcPct val="100000"/>
         </a:lnSpc>
@@ -7347,7 +7447,7 @@
           <a:srgbClr val="000000"/>
         </a:buClr>
         <a:buFont typeface="Arial"/>
-        <a:defRPr b="0" i="0" sz="1400" u="none" cap="none" strike="noStrike">
+        <a:defRPr sz="1400" b="0" i="0" u="none" strike="noStrike" cap="none">
           <a:solidFill>
             <a:srgbClr val="000000"/>
           </a:solidFill>
@@ -7357,7 +7457,7 @@
           <a:sym typeface="Arial"/>
         </a:defRPr>
       </a:lvl2pPr>
-      <a:lvl3pPr lvl="2" marR="0" rtl="0" algn="l">
+      <a:lvl3pPr marR="0" lvl="2" algn="l" rtl="0">
         <a:lnSpc>
           <a:spcPct val="100000"/>
         </a:lnSpc>
@@ -7371,7 +7471,7 @@
           <a:srgbClr val="000000"/>
         </a:buClr>
         <a:buFont typeface="Arial"/>
-        <a:defRPr b="0" i="0" sz="1400" u="none" cap="none" strike="noStrike">
+        <a:defRPr sz="1400" b="0" i="0" u="none" strike="noStrike" cap="none">
           <a:solidFill>
             <a:srgbClr val="000000"/>
           </a:solidFill>
@@ -7381,7 +7481,7 @@
           <a:sym typeface="Arial"/>
         </a:defRPr>
       </a:lvl3pPr>
-      <a:lvl4pPr lvl="3" marR="0" rtl="0" algn="l">
+      <a:lvl4pPr marR="0" lvl="3" algn="l" rtl="0">
         <a:lnSpc>
           <a:spcPct val="100000"/>
         </a:lnSpc>
@@ -7395,7 +7495,7 @@
           <a:srgbClr val="000000"/>
         </a:buClr>
         <a:buFont typeface="Arial"/>
-        <a:defRPr b="0" i="0" sz="1400" u="none" cap="none" strike="noStrike">
+        <a:defRPr sz="1400" b="0" i="0" u="none" strike="noStrike" cap="none">
           <a:solidFill>
             <a:srgbClr val="000000"/>
           </a:solidFill>
@@ -7405,7 +7505,7 @@
           <a:sym typeface="Arial"/>
         </a:defRPr>
       </a:lvl4pPr>
-      <a:lvl5pPr lvl="4" marR="0" rtl="0" algn="l">
+      <a:lvl5pPr marR="0" lvl="4" algn="l" rtl="0">
         <a:lnSpc>
           <a:spcPct val="100000"/>
         </a:lnSpc>
@@ -7419,7 +7519,7 @@
           <a:srgbClr val="000000"/>
         </a:buClr>
         <a:buFont typeface="Arial"/>
-        <a:defRPr b="0" i="0" sz="1400" u="none" cap="none" strike="noStrike">
+        <a:defRPr sz="1400" b="0" i="0" u="none" strike="noStrike" cap="none">
           <a:solidFill>
             <a:srgbClr val="000000"/>
           </a:solidFill>
@@ -7429,7 +7529,7 @@
           <a:sym typeface="Arial"/>
         </a:defRPr>
       </a:lvl5pPr>
-      <a:lvl6pPr lvl="5" marR="0" rtl="0" algn="l">
+      <a:lvl6pPr marR="0" lvl="5" algn="l" rtl="0">
         <a:lnSpc>
           <a:spcPct val="100000"/>
         </a:lnSpc>
@@ -7443,7 +7543,7 @@
           <a:srgbClr val="000000"/>
         </a:buClr>
         <a:buFont typeface="Arial"/>
-        <a:defRPr b="0" i="0" sz="1400" u="none" cap="none" strike="noStrike">
+        <a:defRPr sz="1400" b="0" i="0" u="none" strike="noStrike" cap="none">
           <a:solidFill>
             <a:srgbClr val="000000"/>
           </a:solidFill>
@@ -7453,7 +7553,7 @@
           <a:sym typeface="Arial"/>
         </a:defRPr>
       </a:lvl6pPr>
-      <a:lvl7pPr lvl="6" marR="0" rtl="0" algn="l">
+      <a:lvl7pPr marR="0" lvl="6" algn="l" rtl="0">
         <a:lnSpc>
           <a:spcPct val="100000"/>
         </a:lnSpc>
@@ -7467,7 +7567,7 @@
           <a:srgbClr val="000000"/>
         </a:buClr>
         <a:buFont typeface="Arial"/>
-        <a:defRPr b="0" i="0" sz="1400" u="none" cap="none" strike="noStrike">
+        <a:defRPr sz="1400" b="0" i="0" u="none" strike="noStrike" cap="none">
           <a:solidFill>
             <a:srgbClr val="000000"/>
           </a:solidFill>
@@ -7477,7 +7577,7 @@
           <a:sym typeface="Arial"/>
         </a:defRPr>
       </a:lvl7pPr>
-      <a:lvl8pPr lvl="7" marR="0" rtl="0" algn="l">
+      <a:lvl8pPr marR="0" lvl="7" algn="l" rtl="0">
         <a:lnSpc>
           <a:spcPct val="100000"/>
         </a:lnSpc>
@@ -7491,7 +7591,7 @@
           <a:srgbClr val="000000"/>
         </a:buClr>
         <a:buFont typeface="Arial"/>
-        <a:defRPr b="0" i="0" sz="1400" u="none" cap="none" strike="noStrike">
+        <a:defRPr sz="1400" b="0" i="0" u="none" strike="noStrike" cap="none">
           <a:solidFill>
             <a:srgbClr val="000000"/>
           </a:solidFill>
@@ -7501,7 +7601,7 @@
           <a:sym typeface="Arial"/>
         </a:defRPr>
       </a:lvl8pPr>
-      <a:lvl9pPr lvl="8" marR="0" rtl="0" algn="l">
+      <a:lvl9pPr marR="0" lvl="8" algn="l" rtl="0">
         <a:lnSpc>
           <a:spcPct val="100000"/>
         </a:lnSpc>
@@ -7515,7 +7615,7 @@
           <a:srgbClr val="000000"/>
         </a:buClr>
         <a:buFont typeface="Arial"/>
-        <a:defRPr b="0" i="0" sz="1400" u="none" cap="none" strike="noStrike">
+        <a:defRPr sz="1400" b="0" i="0" u="none" strike="noStrike" cap="none">
           <a:solidFill>
             <a:srgbClr val="000000"/>
           </a:solidFill>
@@ -7527,7 +7627,7 @@
       </a:lvl9pPr>
     </p:titleStyle>
     <p:bodyStyle>
-      <a:defPPr lvl="0" marR="0" rtl="0" algn="l">
+      <a:defPPr marR="0" lvl="0" algn="l" rtl="0">
         <a:lnSpc>
           <a:spcPct val="100000"/>
         </a:lnSpc>
@@ -7538,7 +7638,7 @@
           <a:spcPts val="0"/>
         </a:spcAft>
       </a:defPPr>
-      <a:lvl1pPr lvl="0" marR="0" rtl="0" algn="l">
+      <a:lvl1pPr marR="0" lvl="0" algn="l" rtl="0">
         <a:lnSpc>
           <a:spcPct val="100000"/>
         </a:lnSpc>
@@ -7552,7 +7652,7 @@
           <a:srgbClr val="000000"/>
         </a:buClr>
         <a:buFont typeface="Arial"/>
-        <a:defRPr b="0" i="0" sz="1400" u="none" cap="none" strike="noStrike">
+        <a:defRPr sz="1400" b="0" i="0" u="none" strike="noStrike" cap="none">
           <a:solidFill>
             <a:srgbClr val="000000"/>
           </a:solidFill>
@@ -7562,7 +7662,7 @@
           <a:sym typeface="Arial"/>
         </a:defRPr>
       </a:lvl1pPr>
-      <a:lvl2pPr lvl="1" marR="0" rtl="0" algn="l">
+      <a:lvl2pPr marR="0" lvl="1" algn="l" rtl="0">
         <a:lnSpc>
           <a:spcPct val="100000"/>
         </a:lnSpc>
@@ -7576,7 +7676,7 @@
           <a:srgbClr val="000000"/>
         </a:buClr>
         <a:buFont typeface="Arial"/>
-        <a:defRPr b="0" i="0" sz="1400" u="none" cap="none" strike="noStrike">
+        <a:defRPr sz="1400" b="0" i="0" u="none" strike="noStrike" cap="none">
           <a:solidFill>
             <a:srgbClr val="000000"/>
           </a:solidFill>
@@ -7586,7 +7686,7 @@
           <a:sym typeface="Arial"/>
         </a:defRPr>
       </a:lvl2pPr>
-      <a:lvl3pPr lvl="2" marR="0" rtl="0" algn="l">
+      <a:lvl3pPr marR="0" lvl="2" algn="l" rtl="0">
         <a:lnSpc>
           <a:spcPct val="100000"/>
         </a:lnSpc>
@@ -7600,7 +7700,7 @@
           <a:srgbClr val="000000"/>
         </a:buClr>
         <a:buFont typeface="Arial"/>
-        <a:defRPr b="0" i="0" sz="1400" u="none" cap="none" strike="noStrike">
+        <a:defRPr sz="1400" b="0" i="0" u="none" strike="noStrike" cap="none">
           <a:solidFill>
             <a:srgbClr val="000000"/>
           </a:solidFill>
@@ -7610,7 +7710,7 @@
           <a:sym typeface="Arial"/>
         </a:defRPr>
       </a:lvl3pPr>
-      <a:lvl4pPr lvl="3" marR="0" rtl="0" algn="l">
+      <a:lvl4pPr marR="0" lvl="3" algn="l" rtl="0">
         <a:lnSpc>
           <a:spcPct val="100000"/>
         </a:lnSpc>
@@ -7624,7 +7724,7 @@
           <a:srgbClr val="000000"/>
         </a:buClr>
         <a:buFont typeface="Arial"/>
-        <a:defRPr b="0" i="0" sz="1400" u="none" cap="none" strike="noStrike">
+        <a:defRPr sz="1400" b="0" i="0" u="none" strike="noStrike" cap="none">
           <a:solidFill>
             <a:srgbClr val="000000"/>
           </a:solidFill>
@@ -7634,7 +7734,7 @@
           <a:sym typeface="Arial"/>
         </a:defRPr>
       </a:lvl4pPr>
-      <a:lvl5pPr lvl="4" marR="0" rtl="0" algn="l">
+      <a:lvl5pPr marR="0" lvl="4" algn="l" rtl="0">
         <a:lnSpc>
           <a:spcPct val="100000"/>
         </a:lnSpc>
@@ -7648,7 +7748,7 @@
           <a:srgbClr val="000000"/>
         </a:buClr>
         <a:buFont typeface="Arial"/>
-        <a:defRPr b="0" i="0" sz="1400" u="none" cap="none" strike="noStrike">
+        <a:defRPr sz="1400" b="0" i="0" u="none" strike="noStrike" cap="none">
           <a:solidFill>
             <a:srgbClr val="000000"/>
           </a:solidFill>
@@ -7658,7 +7758,7 @@
           <a:sym typeface="Arial"/>
         </a:defRPr>
       </a:lvl5pPr>
-      <a:lvl6pPr lvl="5" marR="0" rtl="0" algn="l">
+      <a:lvl6pPr marR="0" lvl="5" algn="l" rtl="0">
         <a:lnSpc>
           <a:spcPct val="100000"/>
         </a:lnSpc>
@@ -7672,7 +7772,7 @@
           <a:srgbClr val="000000"/>
         </a:buClr>
         <a:buFont typeface="Arial"/>
-        <a:defRPr b="0" i="0" sz="1400" u="none" cap="none" strike="noStrike">
+        <a:defRPr sz="1400" b="0" i="0" u="none" strike="noStrike" cap="none">
           <a:solidFill>
             <a:srgbClr val="000000"/>
           </a:solidFill>
@@ -7682,7 +7782,7 @@
           <a:sym typeface="Arial"/>
         </a:defRPr>
       </a:lvl6pPr>
-      <a:lvl7pPr lvl="6" marR="0" rtl="0" algn="l">
+      <a:lvl7pPr marR="0" lvl="6" algn="l" rtl="0">
         <a:lnSpc>
           <a:spcPct val="100000"/>
         </a:lnSpc>
@@ -7696,7 +7796,7 @@
           <a:srgbClr val="000000"/>
         </a:buClr>
         <a:buFont typeface="Arial"/>
-        <a:defRPr b="0" i="0" sz="1400" u="none" cap="none" strike="noStrike">
+        <a:defRPr sz="1400" b="0" i="0" u="none" strike="noStrike" cap="none">
           <a:solidFill>
             <a:srgbClr val="000000"/>
           </a:solidFill>
@@ -7706,7 +7806,7 @@
           <a:sym typeface="Arial"/>
         </a:defRPr>
       </a:lvl7pPr>
-      <a:lvl8pPr lvl="7" marR="0" rtl="0" algn="l">
+      <a:lvl8pPr marR="0" lvl="7" algn="l" rtl="0">
         <a:lnSpc>
           <a:spcPct val="100000"/>
         </a:lnSpc>
@@ -7720,7 +7820,7 @@
           <a:srgbClr val="000000"/>
         </a:buClr>
         <a:buFont typeface="Arial"/>
-        <a:defRPr b="0" i="0" sz="1400" u="none" cap="none" strike="noStrike">
+        <a:defRPr sz="1400" b="0" i="0" u="none" strike="noStrike" cap="none">
           <a:solidFill>
             <a:srgbClr val="000000"/>
           </a:solidFill>
@@ -7730,7 +7830,7 @@
           <a:sym typeface="Arial"/>
         </a:defRPr>
       </a:lvl8pPr>
-      <a:lvl9pPr lvl="8" marR="0" rtl="0" algn="l">
+      <a:lvl9pPr marR="0" lvl="8" algn="l" rtl="0">
         <a:lnSpc>
           <a:spcPct val="100000"/>
         </a:lnSpc>
@@ -7744,7 +7844,7 @@
           <a:srgbClr val="000000"/>
         </a:buClr>
         <a:buFont typeface="Arial"/>
-        <a:defRPr b="0" i="0" sz="1400" u="none" cap="none" strike="noStrike">
+        <a:defRPr sz="1400" b="0" i="0" u="none" strike="noStrike" cap="none">
           <a:solidFill>
             <a:srgbClr val="000000"/>
           </a:solidFill>
@@ -7756,7 +7856,7 @@
       </a:lvl9pPr>
     </p:bodyStyle>
     <p:otherStyle>
-      <a:defPPr lvl="0" marR="0" rtl="0" algn="l">
+      <a:defPPr marR="0" lvl="0" algn="l" rtl="0">
         <a:lnSpc>
           <a:spcPct val="100000"/>
         </a:lnSpc>
@@ -7767,7 +7867,7 @@
           <a:spcPts val="0"/>
         </a:spcAft>
       </a:defPPr>
-      <a:lvl1pPr lvl="0" marR="0" rtl="0" algn="l">
+      <a:lvl1pPr marR="0" lvl="0" algn="l" rtl="0">
         <a:lnSpc>
           <a:spcPct val="100000"/>
         </a:lnSpc>
@@ -7781,7 +7881,7 @@
           <a:srgbClr val="000000"/>
         </a:buClr>
         <a:buFont typeface="Arial"/>
-        <a:defRPr b="0" i="0" sz="1400" u="none" cap="none" strike="noStrike">
+        <a:defRPr sz="1400" b="0" i="0" u="none" strike="noStrike" cap="none">
           <a:solidFill>
             <a:srgbClr val="000000"/>
           </a:solidFill>
@@ -7791,7 +7891,7 @@
           <a:sym typeface="Arial"/>
         </a:defRPr>
       </a:lvl1pPr>
-      <a:lvl2pPr lvl="1" marR="0" rtl="0" algn="l">
+      <a:lvl2pPr marR="0" lvl="1" algn="l" rtl="0">
         <a:lnSpc>
           <a:spcPct val="100000"/>
         </a:lnSpc>
@@ -7805,7 +7905,7 @@
           <a:srgbClr val="000000"/>
         </a:buClr>
         <a:buFont typeface="Arial"/>
-        <a:defRPr b="0" i="0" sz="1400" u="none" cap="none" strike="noStrike">
+        <a:defRPr sz="1400" b="0" i="0" u="none" strike="noStrike" cap="none">
           <a:solidFill>
             <a:srgbClr val="000000"/>
           </a:solidFill>
@@ -7815,7 +7915,7 @@
           <a:sym typeface="Arial"/>
         </a:defRPr>
       </a:lvl2pPr>
-      <a:lvl3pPr lvl="2" marR="0" rtl="0" algn="l">
+      <a:lvl3pPr marR="0" lvl="2" algn="l" rtl="0">
         <a:lnSpc>
           <a:spcPct val="100000"/>
         </a:lnSpc>
@@ -7829,7 +7929,7 @@
           <a:srgbClr val="000000"/>
         </a:buClr>
         <a:buFont typeface="Arial"/>
-        <a:defRPr b="0" i="0" sz="1400" u="none" cap="none" strike="noStrike">
+        <a:defRPr sz="1400" b="0" i="0" u="none" strike="noStrike" cap="none">
           <a:solidFill>
             <a:srgbClr val="000000"/>
           </a:solidFill>
@@ -7839,7 +7939,7 @@
           <a:sym typeface="Arial"/>
         </a:defRPr>
       </a:lvl3pPr>
-      <a:lvl4pPr lvl="3" marR="0" rtl="0" algn="l">
+      <a:lvl4pPr marR="0" lvl="3" algn="l" rtl="0">
         <a:lnSpc>
           <a:spcPct val="100000"/>
         </a:lnSpc>
@@ -7853,7 +7953,7 @@
           <a:srgbClr val="000000"/>
         </a:buClr>
         <a:buFont typeface="Arial"/>
-        <a:defRPr b="0" i="0" sz="1400" u="none" cap="none" strike="noStrike">
+        <a:defRPr sz="1400" b="0" i="0" u="none" strike="noStrike" cap="none">
           <a:solidFill>
             <a:srgbClr val="000000"/>
           </a:solidFill>
@@ -7863,7 +7963,7 @@
           <a:sym typeface="Arial"/>
         </a:defRPr>
       </a:lvl4pPr>
-      <a:lvl5pPr lvl="4" marR="0" rtl="0" algn="l">
+      <a:lvl5pPr marR="0" lvl="4" algn="l" rtl="0">
         <a:lnSpc>
           <a:spcPct val="100000"/>
         </a:lnSpc>
@@ -7877,7 +7977,7 @@
           <a:srgbClr val="000000"/>
         </a:buClr>
         <a:buFont typeface="Arial"/>
-        <a:defRPr b="0" i="0" sz="1400" u="none" cap="none" strike="noStrike">
+        <a:defRPr sz="1400" b="0" i="0" u="none" strike="noStrike" cap="none">
           <a:solidFill>
             <a:srgbClr val="000000"/>
           </a:solidFill>
@@ -7887,7 +7987,7 @@
           <a:sym typeface="Arial"/>
         </a:defRPr>
       </a:lvl5pPr>
-      <a:lvl6pPr lvl="5" marR="0" rtl="0" algn="l">
+      <a:lvl6pPr marR="0" lvl="5" algn="l" rtl="0">
         <a:lnSpc>
           <a:spcPct val="100000"/>
         </a:lnSpc>
@@ -7901,7 +8001,7 @@
           <a:srgbClr val="000000"/>
         </a:buClr>
         <a:buFont typeface="Arial"/>
-        <a:defRPr b="0" i="0" sz="1400" u="none" cap="none" strike="noStrike">
+        <a:defRPr sz="1400" b="0" i="0" u="none" strike="noStrike" cap="none">
           <a:solidFill>
             <a:srgbClr val="000000"/>
           </a:solidFill>
@@ -7911,7 +8011,7 @@
           <a:sym typeface="Arial"/>
         </a:defRPr>
       </a:lvl6pPr>
-      <a:lvl7pPr lvl="6" marR="0" rtl="0" algn="l">
+      <a:lvl7pPr marR="0" lvl="6" algn="l" rtl="0">
         <a:lnSpc>
           <a:spcPct val="100000"/>
         </a:lnSpc>
@@ -7925,7 +8025,7 @@
           <a:srgbClr val="000000"/>
         </a:buClr>
         <a:buFont typeface="Arial"/>
-        <a:defRPr b="0" i="0" sz="1400" u="none" cap="none" strike="noStrike">
+        <a:defRPr sz="1400" b="0" i="0" u="none" strike="noStrike" cap="none">
           <a:solidFill>
             <a:srgbClr val="000000"/>
           </a:solidFill>
@@ -7935,7 +8035,7 @@
           <a:sym typeface="Arial"/>
         </a:defRPr>
       </a:lvl7pPr>
-      <a:lvl8pPr lvl="7" marR="0" rtl="0" algn="l">
+      <a:lvl8pPr marR="0" lvl="7" algn="l" rtl="0">
         <a:lnSpc>
           <a:spcPct val="100000"/>
         </a:lnSpc>
@@ -7949,7 +8049,7 @@
           <a:srgbClr val="000000"/>
         </a:buClr>
         <a:buFont typeface="Arial"/>
-        <a:defRPr b="0" i="0" sz="1400" u="none" cap="none" strike="noStrike">
+        <a:defRPr sz="1400" b="0" i="0" u="none" strike="noStrike" cap="none">
           <a:solidFill>
             <a:srgbClr val="000000"/>
           </a:solidFill>
@@ -7959,7 +8059,7 @@
           <a:sym typeface="Arial"/>
         </a:defRPr>
       </a:lvl8pPr>
-      <a:lvl9pPr lvl="8" marR="0" rtl="0" algn="l">
+      <a:lvl9pPr marR="0" lvl="8" algn="l" rtl="0">
         <a:lnSpc>
           <a:spcPct val="100000"/>
         </a:lnSpc>
@@ -7973,7 +8073,7 @@
           <a:srgbClr val="000000"/>
         </a:buClr>
         <a:buFont typeface="Arial"/>
-        <a:defRPr b="0" i="0" sz="1400" u="none" cap="none" strike="noStrike">
+        <a:defRPr sz="1400" b="0" i="0" u="none" strike="noStrike" cap="none">
           <a:solidFill>
             <a:srgbClr val="000000"/>
           </a:solidFill>
@@ -7989,11 +8089,11 @@
 </file>
 
 <file path=ppt/slides/slide1.xml><?xml version="1.0" encoding="utf-8"?>
-<p:sld xmlns:a="http://schemas.openxmlformats.org/drawingml/2006/main" xmlns:r="http://schemas.openxmlformats.org/officeDocument/2006/relationships" xmlns:mc="http://schemas.openxmlformats.org/markup-compatibility/2006" xmlns:mv="urn:schemas-microsoft-com:mac:vml" xmlns:p="http://schemas.openxmlformats.org/presentationml/2006/main" xmlns:c="http://schemas.openxmlformats.org/drawingml/2006/chart" xmlns:dgm="http://schemas.openxmlformats.org/drawingml/2006/diagram" xmlns:o="urn:schemas-microsoft-com:office:office" xmlns:v="urn:schemas-microsoft-com:vml" xmlns:pvml="urn:schemas-microsoft-com:office:powerpoint" xmlns:com="http://schemas.openxmlformats.org/drawingml/2006/compatibility" xmlns:p14="http://schemas.microsoft.com/office/powerpoint/2010/main" xmlns:p15="http://schemas.microsoft.com/office/powerpoint/2012/main" xmlns:ahyp="http://schemas.microsoft.com/office/drawing/2018/hyperlinkcolor">
+<p:sld xmlns:a="http://schemas.openxmlformats.org/drawingml/2006/main" xmlns:r="http://schemas.openxmlformats.org/officeDocument/2006/relationships" xmlns:p="http://schemas.openxmlformats.org/presentationml/2006/main">
   <p:cSld>
     <p:spTree>
       <p:nvGrpSpPr>
-        <p:cNvPr id="85" name="Shape 85"/>
+        <p:cNvPr id="1" name="Shape 85"/>
         <p:cNvGrpSpPr/>
         <p:nvPr/>
       </p:nvGrpSpPr>
@@ -8008,7 +8108,9 @@
       <p:sp>
         <p:nvSpPr>
           <p:cNvPr id="86" name="Google Shape;86;p13"/>
-          <p:cNvSpPr txBox="1"/>
+          <p:cNvSpPr txBox="1">
+            <a:spLocks noGrp="1"/>
+          </p:cNvSpPr>
           <p:nvPr>
             <p:ph type="ctrTitle"/>
           </p:nvPr>
@@ -8023,12 +8125,12 @@
           </a:prstGeom>
         </p:spPr>
         <p:txBody>
-          <a:bodyPr anchorCtr="0" anchor="t" bIns="91425" lIns="91425" spcFirstLastPara="1" rIns="91425" wrap="square" tIns="91425">
+          <a:bodyPr spcFirstLastPara="1" wrap="square" lIns="91425" tIns="91425" rIns="91425" bIns="91425" anchor="t" anchorCtr="0">
             <a:normAutofit fontScale="90000"/>
           </a:bodyPr>
           <a:lstStyle/>
           <a:p>
-            <a:pPr indent="0" lvl="0" marL="0" rtl="0" algn="l">
+            <a:pPr marL="0" lvl="0" indent="0" algn="l" rtl="0">
               <a:spcBef>
                 <a:spcPts val="0"/>
               </a:spcBef>
@@ -8049,7 +8151,7 @@
             <a:endParaRPr/>
           </a:p>
           <a:p>
-            <a:pPr indent="0" lvl="0" marL="0" rtl="0" algn="l">
+            <a:pPr marL="0" lvl="0" indent="0" algn="l" rtl="0">
               <a:spcBef>
                 <a:spcPts val="0"/>
               </a:spcBef>
@@ -8069,9 +8171,11 @@
       <p:sp>
         <p:nvSpPr>
           <p:cNvPr id="87" name="Google Shape;87;p13"/>
-          <p:cNvSpPr txBox="1"/>
+          <p:cNvSpPr txBox="1">
+            <a:spLocks noGrp="1"/>
+          </p:cNvSpPr>
           <p:nvPr>
-            <p:ph idx="1" type="subTitle"/>
+            <p:ph type="subTitle" idx="1"/>
           </p:nvPr>
         </p:nvSpPr>
         <p:spPr>
@@ -8084,12 +8188,12 @@
           </a:prstGeom>
         </p:spPr>
         <p:txBody>
-          <a:bodyPr anchorCtr="0" anchor="t" bIns="91425" lIns="91425" spcFirstLastPara="1" rIns="91425" wrap="square" tIns="91425">
+          <a:bodyPr spcFirstLastPara="1" wrap="square" lIns="91425" tIns="91425" rIns="91425" bIns="91425" anchor="t" anchorCtr="0">
             <a:normAutofit fontScale="85000" lnSpcReduction="20000"/>
           </a:bodyPr>
           <a:lstStyle/>
           <a:p>
-            <a:pPr indent="0" lvl="0" marL="0" rtl="0" algn="l">
+            <a:pPr marL="0" lvl="0" indent="0" algn="l" rtl="0">
               <a:spcBef>
                 <a:spcPts val="0"/>
               </a:spcBef>
@@ -8105,7 +8209,7 @@
             <a:endParaRPr/>
           </a:p>
           <a:p>
-            <a:pPr indent="0" lvl="0" marL="0" rtl="0" algn="l">
+            <a:pPr marL="0" lvl="0" indent="0" algn="l" rtl="0">
               <a:spcBef>
                 <a:spcPts val="0"/>
               </a:spcBef>
@@ -8131,11 +8235,11 @@
 </file>
 
 <file path=ppt/slides/slide10.xml><?xml version="1.0" encoding="utf-8"?>
-<p:sld xmlns:a="http://schemas.openxmlformats.org/drawingml/2006/main" xmlns:r="http://schemas.openxmlformats.org/officeDocument/2006/relationships" xmlns:mc="http://schemas.openxmlformats.org/markup-compatibility/2006" xmlns:mv="urn:schemas-microsoft-com:mac:vml" xmlns:p="http://schemas.openxmlformats.org/presentationml/2006/main" xmlns:c="http://schemas.openxmlformats.org/drawingml/2006/chart" xmlns:dgm="http://schemas.openxmlformats.org/drawingml/2006/diagram" xmlns:o="urn:schemas-microsoft-com:office:office" xmlns:v="urn:schemas-microsoft-com:vml" xmlns:pvml="urn:schemas-microsoft-com:office:powerpoint" xmlns:com="http://schemas.openxmlformats.org/drawingml/2006/compatibility" xmlns:p14="http://schemas.microsoft.com/office/powerpoint/2010/main" xmlns:p15="http://schemas.microsoft.com/office/powerpoint/2012/main" xmlns:ahyp="http://schemas.microsoft.com/office/drawing/2018/hyperlinkcolor">
+<p:sld xmlns:a="http://schemas.openxmlformats.org/drawingml/2006/main" xmlns:r="http://schemas.openxmlformats.org/officeDocument/2006/relationships" xmlns:p="http://schemas.openxmlformats.org/presentationml/2006/main">
   <p:cSld>
     <p:spTree>
       <p:nvGrpSpPr>
-        <p:cNvPr id="141" name="Shape 141"/>
+        <p:cNvPr id="1" name="Shape 141"/>
         <p:cNvGrpSpPr/>
         <p:nvPr/>
       </p:nvGrpSpPr>
@@ -8150,7 +8254,9 @@
       <p:sp>
         <p:nvSpPr>
           <p:cNvPr id="142" name="Google Shape;142;p22"/>
-          <p:cNvSpPr txBox="1"/>
+          <p:cNvSpPr txBox="1">
+            <a:spLocks noGrp="1"/>
+          </p:cNvSpPr>
           <p:nvPr>
             <p:ph type="title"/>
           </p:nvPr>
@@ -8165,12 +8271,12 @@
           </a:prstGeom>
         </p:spPr>
         <p:txBody>
-          <a:bodyPr anchorCtr="0" anchor="t" bIns="91425" lIns="91425" spcFirstLastPara="1" rIns="91425" wrap="square" tIns="91425">
+          <a:bodyPr spcFirstLastPara="1" wrap="square" lIns="91425" tIns="91425" rIns="91425" bIns="91425" anchor="t" anchorCtr="0">
             <a:normAutofit fontScale="90000"/>
           </a:bodyPr>
           <a:lstStyle/>
           <a:p>
-            <a:pPr indent="0" lvl="0" marL="0" rtl="0" algn="l">
+            <a:pPr marL="0" lvl="0" indent="0" algn="l" rtl="0">
               <a:spcBef>
                 <a:spcPts val="0"/>
               </a:spcBef>
@@ -8190,9 +8296,11 @@
       <p:sp>
         <p:nvSpPr>
           <p:cNvPr id="143" name="Google Shape;143;p22"/>
-          <p:cNvSpPr txBox="1"/>
+          <p:cNvSpPr txBox="1">
+            <a:spLocks noGrp="1"/>
+          </p:cNvSpPr>
           <p:nvPr>
-            <p:ph idx="1" type="body"/>
+            <p:ph type="body" idx="1"/>
           </p:nvPr>
         </p:nvSpPr>
         <p:spPr>
@@ -8205,12 +8313,12 @@
           </a:prstGeom>
         </p:spPr>
         <p:txBody>
-          <a:bodyPr anchorCtr="0" anchor="t" bIns="91425" lIns="91425" spcFirstLastPara="1" rIns="91425" wrap="square" tIns="91425">
+          <a:bodyPr spcFirstLastPara="1" wrap="square" lIns="91425" tIns="91425" rIns="91425" bIns="91425" anchor="t" anchorCtr="0">
             <a:normAutofit/>
           </a:bodyPr>
           <a:lstStyle/>
           <a:p>
-            <a:pPr indent="-311150" lvl="0" marL="457200" rtl="0" algn="l">
+            <a:pPr marL="457200" lvl="0" indent="-311150" algn="l" rtl="0">
               <a:spcBef>
                 <a:spcPts val="0"/>
               </a:spcBef>
@@ -8227,7 +8335,7 @@
             <a:endParaRPr/>
           </a:p>
           <a:p>
-            <a:pPr indent="-311150" lvl="0" marL="457200" rtl="0" algn="l">
+            <a:pPr marL="457200" lvl="0" indent="-311150" algn="l" rtl="0">
               <a:spcBef>
                 <a:spcPts val="0"/>
               </a:spcBef>
@@ -8239,20 +8347,12 @@
             </a:pPr>
             <a:r>
               <a:rPr lang="de"/>
-              <a:t>edge: replace multithreading by </a:t>
-            </a:r>
-            <a:r>
-              <a:rPr lang="de"/>
-              <a:t>multi processing</a:t>
-            </a:r>
-            <a:r>
-              <a:rPr lang="de"/>
-              <a:t> </a:t>
+              <a:t>edge: replace multithreading by multi processing </a:t>
             </a:r>
             <a:endParaRPr/>
           </a:p>
           <a:p>
-            <a:pPr indent="-311150" lvl="0" marL="457200" rtl="0" algn="l">
+            <a:pPr marL="457200" lvl="0" indent="-311150" algn="l" rtl="0">
               <a:spcBef>
                 <a:spcPts val="0"/>
               </a:spcBef>
@@ -8269,7 +8369,7 @@
             <a:endParaRPr/>
           </a:p>
           <a:p>
-            <a:pPr indent="-311150" lvl="0" marL="457200" rtl="0" algn="l">
+            <a:pPr marL="457200" lvl="0" indent="-311150" algn="l" rtl="0">
               <a:spcBef>
                 <a:spcPts val="0"/>
               </a:spcBef>
@@ -8286,7 +8386,7 @@
             <a:endParaRPr/>
           </a:p>
           <a:p>
-            <a:pPr indent="0" lvl="0" marL="0" rtl="0" algn="l">
+            <a:pPr marL="0" lvl="0" indent="0" algn="l" rtl="0">
               <a:spcBef>
                 <a:spcPts val="1200"/>
               </a:spcBef>
@@ -8295,9 +8395,6 @@
               </a:spcAft>
               <a:buNone/>
             </a:pPr>
-            <a:r>
-              <a:t/>
-            </a:r>
             <a:endParaRPr/>
           </a:p>
         </p:txBody>
@@ -8311,11 +8408,11 @@
 </file>
 
 <file path=ppt/slides/slide2.xml><?xml version="1.0" encoding="utf-8"?>
-<p:sld xmlns:a="http://schemas.openxmlformats.org/drawingml/2006/main" xmlns:r="http://schemas.openxmlformats.org/officeDocument/2006/relationships" xmlns:mc="http://schemas.openxmlformats.org/markup-compatibility/2006" xmlns:mv="urn:schemas-microsoft-com:mac:vml" xmlns:p="http://schemas.openxmlformats.org/presentationml/2006/main" xmlns:c="http://schemas.openxmlformats.org/drawingml/2006/chart" xmlns:dgm="http://schemas.openxmlformats.org/drawingml/2006/diagram" xmlns:o="urn:schemas-microsoft-com:office:office" xmlns:v="urn:schemas-microsoft-com:vml" xmlns:pvml="urn:schemas-microsoft-com:office:powerpoint" xmlns:com="http://schemas.openxmlformats.org/drawingml/2006/compatibility" xmlns:p14="http://schemas.microsoft.com/office/powerpoint/2010/main" xmlns:p15="http://schemas.microsoft.com/office/powerpoint/2012/main" xmlns:ahyp="http://schemas.microsoft.com/office/drawing/2018/hyperlinkcolor">
+<p:sld xmlns:a="http://schemas.openxmlformats.org/drawingml/2006/main" xmlns:r="http://schemas.openxmlformats.org/officeDocument/2006/relationships" xmlns:p="http://schemas.openxmlformats.org/presentationml/2006/main">
   <p:cSld>
     <p:spTree>
       <p:nvGrpSpPr>
-        <p:cNvPr id="91" name="Shape 91"/>
+        <p:cNvPr id="1" name="Shape 91"/>
         <p:cNvGrpSpPr/>
         <p:nvPr/>
       </p:nvGrpSpPr>
@@ -8330,7 +8427,9 @@
       <p:sp>
         <p:nvSpPr>
           <p:cNvPr id="92" name="Google Shape;92;p14"/>
-          <p:cNvSpPr txBox="1"/>
+          <p:cNvSpPr txBox="1">
+            <a:spLocks noGrp="1"/>
+          </p:cNvSpPr>
           <p:nvPr>
             <p:ph type="title"/>
           </p:nvPr>
@@ -8345,12 +8444,12 @@
           </a:prstGeom>
         </p:spPr>
         <p:txBody>
-          <a:bodyPr anchorCtr="0" anchor="t" bIns="91425" lIns="91425" spcFirstLastPara="1" rIns="91425" wrap="square" tIns="91425">
+          <a:bodyPr spcFirstLastPara="1" wrap="square" lIns="91425" tIns="91425" rIns="91425" bIns="91425" anchor="t" anchorCtr="0">
             <a:normAutofit fontScale="90000"/>
           </a:bodyPr>
           <a:lstStyle/>
           <a:p>
-            <a:pPr indent="0" lvl="0" marL="0" rtl="0" algn="l">
+            <a:pPr marL="0" lvl="0" indent="0" algn="l" rtl="0">
               <a:spcBef>
                 <a:spcPts val="0"/>
               </a:spcBef>
@@ -8359,9 +8458,6 @@
               </a:spcAft>
               <a:buNone/>
             </a:pPr>
-            <a:r>
-              <a:t/>
-            </a:r>
             <a:endParaRPr/>
           </a:p>
         </p:txBody>
@@ -8369,9 +8465,11 @@
       <p:sp>
         <p:nvSpPr>
           <p:cNvPr id="93" name="Google Shape;93;p14"/>
-          <p:cNvSpPr txBox="1"/>
+          <p:cNvSpPr txBox="1">
+            <a:spLocks noGrp="1"/>
+          </p:cNvSpPr>
           <p:nvPr>
-            <p:ph idx="1" type="body"/>
+            <p:ph type="body" idx="1"/>
           </p:nvPr>
         </p:nvSpPr>
         <p:spPr>
@@ -8384,12 +8482,12 @@
           </a:prstGeom>
         </p:spPr>
         <p:txBody>
-          <a:bodyPr anchorCtr="0" anchor="t" bIns="91425" lIns="91425" spcFirstLastPara="1" rIns="91425" wrap="square" tIns="91425">
+          <a:bodyPr spcFirstLastPara="1" wrap="square" lIns="91425" tIns="91425" rIns="91425" bIns="91425" anchor="t" anchorCtr="0">
             <a:normAutofit/>
           </a:bodyPr>
           <a:lstStyle/>
           <a:p>
-            <a:pPr indent="0" lvl="0" marL="0" rtl="0" algn="l">
+            <a:pPr marL="0" lvl="0" indent="0" algn="l" rtl="0">
               <a:spcBef>
                 <a:spcPts val="0"/>
               </a:spcBef>
@@ -8398,9 +8496,6 @@
               </a:spcAft>
               <a:buNone/>
             </a:pPr>
-            <a:r>
-              <a:t/>
-            </a:r>
             <a:endParaRPr/>
           </a:p>
         </p:txBody>
@@ -8442,11 +8537,11 @@
 </file>
 
 <file path=ppt/slides/slide3.xml><?xml version="1.0" encoding="utf-8"?>
-<p:sld xmlns:a="http://schemas.openxmlformats.org/drawingml/2006/main" xmlns:r="http://schemas.openxmlformats.org/officeDocument/2006/relationships" xmlns:mc="http://schemas.openxmlformats.org/markup-compatibility/2006" xmlns:mv="urn:schemas-microsoft-com:mac:vml" xmlns:p="http://schemas.openxmlformats.org/presentationml/2006/main" xmlns:c="http://schemas.openxmlformats.org/drawingml/2006/chart" xmlns:dgm="http://schemas.openxmlformats.org/drawingml/2006/diagram" xmlns:o="urn:schemas-microsoft-com:office:office" xmlns:v="urn:schemas-microsoft-com:vml" xmlns:pvml="urn:schemas-microsoft-com:office:powerpoint" xmlns:com="http://schemas.openxmlformats.org/drawingml/2006/compatibility" xmlns:p14="http://schemas.microsoft.com/office/powerpoint/2010/main" xmlns:p15="http://schemas.microsoft.com/office/powerpoint/2012/main" xmlns:ahyp="http://schemas.microsoft.com/office/drawing/2018/hyperlinkcolor">
+<p:sld xmlns:a="http://schemas.openxmlformats.org/drawingml/2006/main" xmlns:r="http://schemas.openxmlformats.org/officeDocument/2006/relationships" xmlns:p="http://schemas.openxmlformats.org/presentationml/2006/main">
   <p:cSld>
     <p:spTree>
       <p:nvGrpSpPr>
-        <p:cNvPr id="98" name="Shape 98"/>
+        <p:cNvPr id="1" name="Shape 98"/>
         <p:cNvGrpSpPr/>
         <p:nvPr/>
       </p:nvGrpSpPr>
@@ -8461,7 +8556,9 @@
       <p:sp>
         <p:nvSpPr>
           <p:cNvPr id="99" name="Google Shape;99;p15"/>
-          <p:cNvSpPr txBox="1"/>
+          <p:cNvSpPr txBox="1">
+            <a:spLocks noGrp="1"/>
+          </p:cNvSpPr>
           <p:nvPr>
             <p:ph type="title"/>
           </p:nvPr>
@@ -8476,12 +8573,12 @@
           </a:prstGeom>
         </p:spPr>
         <p:txBody>
-          <a:bodyPr anchorCtr="0" anchor="t" bIns="91425" lIns="91425" spcFirstLastPara="1" rIns="91425" wrap="square" tIns="91425">
+          <a:bodyPr spcFirstLastPara="1" wrap="square" lIns="91425" tIns="91425" rIns="91425" bIns="91425" anchor="t" anchorCtr="0">
             <a:normAutofit fontScale="90000"/>
           </a:bodyPr>
           <a:lstStyle/>
           <a:p>
-            <a:pPr indent="0" lvl="0" marL="0" rtl="0" algn="l">
+            <a:pPr marL="0" lvl="0" indent="0" algn="l" rtl="0">
               <a:spcBef>
                 <a:spcPts val="0"/>
               </a:spcBef>
@@ -8501,9 +8598,11 @@
       <p:sp>
         <p:nvSpPr>
           <p:cNvPr id="100" name="Google Shape;100;p15"/>
-          <p:cNvSpPr txBox="1"/>
+          <p:cNvSpPr txBox="1">
+            <a:spLocks noGrp="1"/>
+          </p:cNvSpPr>
           <p:nvPr>
-            <p:ph idx="1" type="body"/>
+            <p:ph type="body" idx="1"/>
           </p:nvPr>
         </p:nvSpPr>
         <p:spPr>
@@ -8516,12 +8615,12 @@
           </a:prstGeom>
         </p:spPr>
         <p:txBody>
-          <a:bodyPr anchorCtr="0" anchor="t" bIns="91425" lIns="91425" spcFirstLastPara="1" rIns="91425" wrap="square" tIns="91425">
+          <a:bodyPr spcFirstLastPara="1" wrap="square" lIns="91425" tIns="91425" rIns="91425" bIns="91425" anchor="t" anchorCtr="0">
             <a:normAutofit/>
           </a:bodyPr>
           <a:lstStyle/>
           <a:p>
-            <a:pPr indent="-311150" lvl="0" marL="457200" rtl="0" algn="l">
+            <a:pPr marL="457200" lvl="0" indent="-311150" algn="l" rtl="0">
               <a:spcBef>
                 <a:spcPts val="0"/>
               </a:spcBef>
@@ -8532,13 +8631,13 @@
               <a:buChar char="●"/>
             </a:pPr>
             <a:r>
-              <a:rPr lang="de"/>
+              <a:rPr lang="de" dirty="0"/>
               <a:t>first compressed the videos with ffmpeg from wisenet dataset</a:t>
             </a:r>
-            <a:endParaRPr/>
+            <a:endParaRPr dirty="0"/>
           </a:p>
           <a:p>
-            <a:pPr indent="-311150" lvl="0" marL="457200" rtl="0" algn="l">
+            <a:pPr marL="457200" lvl="0" indent="-311150" algn="l" rtl="0">
               <a:spcBef>
                 <a:spcPts val="0"/>
               </a:spcBef>
@@ -8549,13 +8648,13 @@
               <a:buChar char="●"/>
             </a:pPr>
             <a:r>
-              <a:rPr lang="de"/>
+              <a:rPr lang="de" dirty="0"/>
               <a:t>every device has a unique ID</a:t>
             </a:r>
-            <a:endParaRPr/>
+            <a:endParaRPr dirty="0"/>
           </a:p>
           <a:p>
-            <a:pPr indent="-311150" lvl="0" marL="457200" rtl="0" algn="l">
+            <a:pPr marL="457200" lvl="0" indent="-311150" algn="l" rtl="0">
               <a:spcBef>
                 <a:spcPts val="0"/>
               </a:spcBef>
@@ -8566,13 +8665,13 @@
               <a:buChar char="●"/>
             </a:pPr>
             <a:r>
-              <a:rPr lang="de"/>
+              <a:rPr lang="de" dirty="0"/>
               <a:t>2 threads: one for sending images, one for receiving</a:t>
             </a:r>
-            <a:endParaRPr/>
+            <a:endParaRPr dirty="0"/>
           </a:p>
           <a:p>
-            <a:pPr indent="-311150" lvl="0" marL="457200" rtl="0" algn="l">
+            <a:pPr marL="457200" lvl="0" indent="-311150" algn="l" rtl="0">
               <a:spcBef>
                 <a:spcPts val="0"/>
               </a:spcBef>
@@ -8583,21 +8682,13 @@
               <a:buChar char="●"/>
             </a:pPr>
             <a:r>
-              <a:rPr lang="de"/>
-              <a:t>2 sqs queues: </a:t>
+              <a:rPr lang="de" dirty="0"/>
+              <a:t>3 sqs queues: receiving and listing alarms, sending images</a:t>
             </a:r>
-            <a:r>
-              <a:rPr lang="de"/>
-              <a:t>receiving</a:t>
-            </a:r>
-            <a:r>
-              <a:rPr lang="de"/>
-              <a:t> alarms and sending images</a:t>
-            </a:r>
-            <a:endParaRPr/>
+            <a:endParaRPr dirty="0"/>
           </a:p>
           <a:p>
-            <a:pPr indent="-311150" lvl="0" marL="457200" rtl="0" algn="l">
+            <a:pPr marL="457200" lvl="0" indent="-311150" algn="l" rtl="0">
               <a:spcBef>
                 <a:spcPts val="0"/>
               </a:spcBef>
@@ -8608,13 +8699,13 @@
               <a:buChar char="●"/>
             </a:pPr>
             <a:r>
-              <a:rPr lang="de"/>
+              <a:rPr lang="de" dirty="0"/>
               <a:t>automated setup with docker and terraform</a:t>
             </a:r>
-            <a:endParaRPr/>
+            <a:endParaRPr dirty="0"/>
           </a:p>
           <a:p>
-            <a:pPr indent="-311150" lvl="0" marL="457200" rtl="0" algn="l">
+            <a:pPr marL="457200" lvl="0" indent="-311150" algn="l" rtl="0">
               <a:spcBef>
                 <a:spcPts val="0"/>
               </a:spcBef>
@@ -8625,13 +8716,13 @@
               <a:buChar char="●"/>
             </a:pPr>
             <a:r>
-              <a:rPr lang="de"/>
+              <a:rPr lang="de" dirty="0"/>
               <a:t>OpenCV</a:t>
             </a:r>
-            <a:endParaRPr/>
+            <a:endParaRPr dirty="0"/>
           </a:p>
           <a:p>
-            <a:pPr indent="-311150" lvl="0" marL="457200" rtl="0" algn="l">
+            <a:pPr marL="457200" lvl="0" indent="-311150" algn="l" rtl="0">
               <a:spcBef>
                 <a:spcPts val="0"/>
               </a:spcBef>
@@ -8642,14 +8733,10 @@
               <a:buChar char="●"/>
             </a:pPr>
             <a:r>
-              <a:rPr lang="de"/>
-              <a:t>Web Interface</a:t>
+              <a:rPr lang="de" dirty="0"/>
+              <a:t>Web Interface: http based, alarms seeable</a:t>
             </a:r>
-            <a:r>
-              <a:rPr lang="de"/>
-              <a:t>: http based, alarms seeable</a:t>
-            </a:r>
-            <a:endParaRPr/>
+            <a:endParaRPr dirty="0"/>
           </a:p>
         </p:txBody>
       </p:sp>
@@ -8690,11 +8777,11 @@
 </file>
 
 <file path=ppt/slides/slide4.xml><?xml version="1.0" encoding="utf-8"?>
-<p:sld xmlns:a="http://schemas.openxmlformats.org/drawingml/2006/main" xmlns:r="http://schemas.openxmlformats.org/officeDocument/2006/relationships" xmlns:mc="http://schemas.openxmlformats.org/markup-compatibility/2006" xmlns:mv="urn:schemas-microsoft-com:mac:vml" xmlns:p="http://schemas.openxmlformats.org/presentationml/2006/main" xmlns:c="http://schemas.openxmlformats.org/drawingml/2006/chart" xmlns:dgm="http://schemas.openxmlformats.org/drawingml/2006/diagram" xmlns:o="urn:schemas-microsoft-com:office:office" xmlns:v="urn:schemas-microsoft-com:vml" xmlns:pvml="urn:schemas-microsoft-com:office:powerpoint" xmlns:com="http://schemas.openxmlformats.org/drawingml/2006/compatibility" xmlns:p14="http://schemas.microsoft.com/office/powerpoint/2010/main" xmlns:p15="http://schemas.microsoft.com/office/powerpoint/2012/main" xmlns:ahyp="http://schemas.microsoft.com/office/drawing/2018/hyperlinkcolor">
+<p:sld xmlns:a="http://schemas.openxmlformats.org/drawingml/2006/main" xmlns:r="http://schemas.openxmlformats.org/officeDocument/2006/relationships" xmlns:p="http://schemas.openxmlformats.org/presentationml/2006/main">
   <p:cSld>
     <p:spTree>
       <p:nvGrpSpPr>
-        <p:cNvPr id="105" name="Shape 105"/>
+        <p:cNvPr id="1" name="Shape 105"/>
         <p:cNvGrpSpPr/>
         <p:nvPr/>
       </p:nvGrpSpPr>
@@ -8709,7 +8796,9 @@
       <p:sp>
         <p:nvSpPr>
           <p:cNvPr id="106" name="Google Shape;106;p16"/>
-          <p:cNvSpPr txBox="1"/>
+          <p:cNvSpPr txBox="1">
+            <a:spLocks noGrp="1"/>
+          </p:cNvSpPr>
           <p:nvPr>
             <p:ph type="title"/>
           </p:nvPr>
@@ -8724,12 +8813,12 @@
           </a:prstGeom>
         </p:spPr>
         <p:txBody>
-          <a:bodyPr anchorCtr="0" anchor="t" bIns="91425" lIns="91425" spcFirstLastPara="1" rIns="91425" wrap="square" tIns="91425">
+          <a:bodyPr spcFirstLastPara="1" wrap="square" lIns="91425" tIns="91425" rIns="91425" bIns="91425" anchor="t" anchorCtr="0">
             <a:normAutofit fontScale="90000"/>
           </a:bodyPr>
           <a:lstStyle/>
           <a:p>
-            <a:pPr indent="0" lvl="0" marL="0" rtl="0" algn="l">
+            <a:pPr marL="0" lvl="0" indent="0" algn="l" rtl="0">
               <a:spcBef>
                 <a:spcPts val="0"/>
               </a:spcBef>
@@ -8749,9 +8838,11 @@
       <p:sp>
         <p:nvSpPr>
           <p:cNvPr id="107" name="Google Shape;107;p16"/>
-          <p:cNvSpPr txBox="1"/>
+          <p:cNvSpPr txBox="1">
+            <a:spLocks noGrp="1"/>
+          </p:cNvSpPr>
           <p:nvPr>
-            <p:ph idx="1" type="body"/>
+            <p:ph type="body" idx="1"/>
           </p:nvPr>
         </p:nvSpPr>
         <p:spPr>
@@ -8764,12 +8855,12 @@
           </a:prstGeom>
         </p:spPr>
         <p:txBody>
-          <a:bodyPr anchorCtr="0" anchor="t" bIns="91425" lIns="91425" spcFirstLastPara="1" rIns="91425" wrap="square" tIns="91425">
+          <a:bodyPr spcFirstLastPara="1" wrap="square" lIns="91425" tIns="91425" rIns="91425" bIns="91425" anchor="t" anchorCtr="0">
             <a:normAutofit/>
           </a:bodyPr>
           <a:lstStyle/>
           <a:p>
-            <a:pPr indent="-311150" lvl="0" marL="457200" rtl="0" algn="l">
+            <a:pPr marL="457200" lvl="0" indent="-311150" algn="l" rtl="0">
               <a:spcBef>
                 <a:spcPts val="0"/>
               </a:spcBef>
@@ -8786,7 +8877,7 @@
             <a:endParaRPr/>
           </a:p>
           <a:p>
-            <a:pPr indent="-311150" lvl="0" marL="457200" rtl="0" algn="l">
+            <a:pPr marL="457200" lvl="0" indent="-311150" algn="l" rtl="0">
               <a:spcBef>
                 <a:spcPts val="0"/>
               </a:spcBef>
@@ -8803,7 +8894,7 @@
             <a:endParaRPr/>
           </a:p>
           <a:p>
-            <a:pPr indent="-311150" lvl="0" marL="457200" rtl="0" algn="l">
+            <a:pPr marL="457200" lvl="0" indent="-311150" algn="l" rtl="0">
               <a:spcBef>
                 <a:spcPts val="0"/>
               </a:spcBef>
@@ -8820,7 +8911,7 @@
             <a:endParaRPr/>
           </a:p>
           <a:p>
-            <a:pPr indent="-311150" lvl="0" marL="457200" rtl="0" algn="l">
+            <a:pPr marL="457200" lvl="0" indent="-311150" algn="l" rtl="0">
               <a:spcBef>
                 <a:spcPts val="0"/>
               </a:spcBef>
@@ -8837,7 +8928,7 @@
             <a:endParaRPr/>
           </a:p>
           <a:p>
-            <a:pPr indent="-311150" lvl="0" marL="457200" rtl="0" algn="l">
+            <a:pPr marL="457200" lvl="0" indent="-311150" algn="l" rtl="0">
               <a:spcBef>
                 <a:spcPts val="0"/>
               </a:spcBef>
@@ -8854,7 +8945,7 @@
             <a:endParaRPr/>
           </a:p>
           <a:p>
-            <a:pPr indent="-311150" lvl="0" marL="457200" rtl="0" algn="l">
+            <a:pPr marL="457200" lvl="0" indent="-311150" algn="l" rtl="0">
               <a:spcBef>
                 <a:spcPts val="0"/>
               </a:spcBef>
@@ -8871,7 +8962,7 @@
             <a:endParaRPr/>
           </a:p>
           <a:p>
-            <a:pPr indent="-311150" lvl="0" marL="457200" rtl="0" algn="l">
+            <a:pPr marL="457200" lvl="0" indent="-311150" algn="l" rtl="0">
               <a:spcBef>
                 <a:spcPts val="0"/>
               </a:spcBef>
@@ -8883,20 +8974,12 @@
             </a:pPr>
             <a:r>
               <a:rPr lang="de"/>
-              <a:t>sqs queue: Edge </a:t>
-            </a:r>
-            <a:r>
-              <a:rPr lang="de"/>
-              <a:t>detects alarms </a:t>
-            </a:r>
-            <a:r>
-              <a:rPr lang="de"/>
-              <a:t>and propagates it to correct IOT device</a:t>
+              <a:t>sqs queue: Edge detects alarms and propagates it to correct IOT device</a:t>
             </a:r>
             <a:endParaRPr/>
           </a:p>
           <a:p>
-            <a:pPr indent="-311150" lvl="0" marL="457200" rtl="0" algn="l">
+            <a:pPr marL="457200" lvl="0" indent="-311150" algn="l" rtl="0">
               <a:spcBef>
                 <a:spcPts val="0"/>
               </a:spcBef>
@@ -8923,11 +9006,11 @@
 </file>
 
 <file path=ppt/slides/slide5.xml><?xml version="1.0" encoding="utf-8"?>
-<p:sld xmlns:a="http://schemas.openxmlformats.org/drawingml/2006/main" xmlns:r="http://schemas.openxmlformats.org/officeDocument/2006/relationships" xmlns:mc="http://schemas.openxmlformats.org/markup-compatibility/2006" xmlns:mv="urn:schemas-microsoft-com:mac:vml" xmlns:p="http://schemas.openxmlformats.org/presentationml/2006/main" xmlns:c="http://schemas.openxmlformats.org/drawingml/2006/chart" xmlns:dgm="http://schemas.openxmlformats.org/drawingml/2006/diagram" xmlns:o="urn:schemas-microsoft-com:office:office" xmlns:v="urn:schemas-microsoft-com:vml" xmlns:pvml="urn:schemas-microsoft-com:office:powerpoint" xmlns:com="http://schemas.openxmlformats.org/drawingml/2006/compatibility" xmlns:p14="http://schemas.microsoft.com/office/powerpoint/2010/main" xmlns:p15="http://schemas.microsoft.com/office/powerpoint/2012/main" xmlns:ahyp="http://schemas.microsoft.com/office/drawing/2018/hyperlinkcolor">
+<p:sld xmlns:a="http://schemas.openxmlformats.org/drawingml/2006/main" xmlns:r="http://schemas.openxmlformats.org/officeDocument/2006/relationships" xmlns:p="http://schemas.openxmlformats.org/presentationml/2006/main">
   <p:cSld>
     <p:spTree>
       <p:nvGrpSpPr>
-        <p:cNvPr id="111" name="Shape 111"/>
+        <p:cNvPr id="1" name="Shape 111"/>
         <p:cNvGrpSpPr/>
         <p:nvPr/>
       </p:nvGrpSpPr>
@@ -8942,7 +9025,9 @@
       <p:sp>
         <p:nvSpPr>
           <p:cNvPr id="112" name="Google Shape;112;p17"/>
-          <p:cNvSpPr txBox="1"/>
+          <p:cNvSpPr txBox="1">
+            <a:spLocks noGrp="1"/>
+          </p:cNvSpPr>
           <p:nvPr>
             <p:ph type="title"/>
           </p:nvPr>
@@ -8957,12 +9042,12 @@
           </a:prstGeom>
         </p:spPr>
         <p:txBody>
-          <a:bodyPr anchorCtr="0" anchor="t" bIns="91425" lIns="91425" spcFirstLastPara="1" rIns="91425" wrap="square" tIns="91425">
+          <a:bodyPr spcFirstLastPara="1" wrap="square" lIns="91425" tIns="91425" rIns="91425" bIns="91425" anchor="t" anchorCtr="0">
             <a:normAutofit fontScale="90000"/>
           </a:bodyPr>
           <a:lstStyle/>
           <a:p>
-            <a:pPr indent="0" lvl="0" marL="0" rtl="0" algn="l">
+            <a:pPr marL="0" lvl="0" indent="0" algn="l" rtl="0">
               <a:spcBef>
                 <a:spcPts val="0"/>
               </a:spcBef>
@@ -8982,9 +9067,11 @@
       <p:sp>
         <p:nvSpPr>
           <p:cNvPr id="113" name="Google Shape;113;p17"/>
-          <p:cNvSpPr txBox="1"/>
+          <p:cNvSpPr txBox="1">
+            <a:spLocks noGrp="1"/>
+          </p:cNvSpPr>
           <p:nvPr>
-            <p:ph idx="1" type="body"/>
+            <p:ph type="body" idx="1"/>
           </p:nvPr>
         </p:nvSpPr>
         <p:spPr>
@@ -8997,12 +9084,12 @@
           </a:prstGeom>
         </p:spPr>
         <p:txBody>
-          <a:bodyPr anchorCtr="0" anchor="t" bIns="91425" lIns="91425" spcFirstLastPara="1" rIns="91425" wrap="square" tIns="91425">
+          <a:bodyPr spcFirstLastPara="1" wrap="square" lIns="91425" tIns="91425" rIns="91425" bIns="91425" anchor="t" anchorCtr="0">
             <a:normAutofit/>
           </a:bodyPr>
           <a:lstStyle/>
           <a:p>
-            <a:pPr indent="-311150" lvl="0" marL="457200" rtl="0" algn="l">
+            <a:pPr marL="457200" lvl="0" indent="-311150" algn="l" rtl="0">
               <a:spcBef>
                 <a:spcPts val="0"/>
               </a:spcBef>
@@ -9014,16 +9101,12 @@
             </a:pPr>
             <a:r>
               <a:rPr lang="de"/>
-              <a:t>not a direct connection with aws rekognition =&gt; Lambda </a:t>
-            </a:r>
-            <a:r>
-              <a:rPr lang="de"/>
-              <a:t>in between</a:t>
+              <a:t>not a direct connection with aws rekognition =&gt; Lambda in between</a:t>
             </a:r>
             <a:endParaRPr/>
           </a:p>
           <a:p>
-            <a:pPr indent="-311150" lvl="0" marL="457200" rtl="0" algn="l">
+            <a:pPr marL="457200" lvl="0" indent="-311150" algn="l" rtl="0">
               <a:spcBef>
                 <a:spcPts val="0"/>
               </a:spcBef>
@@ -9040,7 +9123,7 @@
             <a:endParaRPr/>
           </a:p>
           <a:p>
-            <a:pPr indent="-311150" lvl="0" marL="457200" rtl="0" algn="l">
+            <a:pPr marL="457200" lvl="0" indent="-311150" algn="l" rtl="0">
               <a:spcBef>
                 <a:spcPts val="0"/>
               </a:spcBef>
@@ -9057,7 +9140,7 @@
             <a:endParaRPr/>
           </a:p>
           <a:p>
-            <a:pPr indent="-311150" lvl="0" marL="457200" rtl="0" algn="l">
+            <a:pPr marL="457200" lvl="0" indent="-311150" algn="l" rtl="0">
               <a:spcBef>
                 <a:spcPts val="0"/>
               </a:spcBef>
@@ -9074,7 +9157,7 @@
             <a:endParaRPr/>
           </a:p>
           <a:p>
-            <a:pPr indent="-311150" lvl="0" marL="457200" rtl="0" algn="l">
+            <a:pPr marL="457200" lvl="0" indent="-311150" algn="l" rtl="0">
               <a:spcBef>
                 <a:spcPts val="0"/>
               </a:spcBef>
@@ -9091,7 +9174,7 @@
             <a:endParaRPr/>
           </a:p>
           <a:p>
-            <a:pPr indent="0" lvl="0" marL="0" rtl="0" algn="l">
+            <a:pPr marL="0" lvl="0" indent="0" algn="l" rtl="0">
               <a:spcBef>
                 <a:spcPts val="1200"/>
               </a:spcBef>
@@ -9100,9 +9183,6 @@
               </a:spcAft>
               <a:buNone/>
             </a:pPr>
-            <a:r>
-              <a:t/>
-            </a:r>
             <a:endParaRPr/>
           </a:p>
         </p:txBody>
@@ -9200,11 +9280,11 @@
 </file>
 
 <file path=ppt/slides/slide6.xml><?xml version="1.0" encoding="utf-8"?>
-<p:sld xmlns:a="http://schemas.openxmlformats.org/drawingml/2006/main" xmlns:r="http://schemas.openxmlformats.org/officeDocument/2006/relationships" xmlns:mc="http://schemas.openxmlformats.org/markup-compatibility/2006" xmlns:mv="urn:schemas-microsoft-com:mac:vml" xmlns:p="http://schemas.openxmlformats.org/presentationml/2006/main" xmlns:c="http://schemas.openxmlformats.org/drawingml/2006/chart" xmlns:dgm="http://schemas.openxmlformats.org/drawingml/2006/diagram" xmlns:o="urn:schemas-microsoft-com:office:office" xmlns:v="urn:schemas-microsoft-com:vml" xmlns:pvml="urn:schemas-microsoft-com:office:powerpoint" xmlns:com="http://schemas.openxmlformats.org/drawingml/2006/compatibility" xmlns:p14="http://schemas.microsoft.com/office/powerpoint/2010/main" xmlns:p15="http://schemas.microsoft.com/office/powerpoint/2012/main" xmlns:ahyp="http://schemas.microsoft.com/office/drawing/2018/hyperlinkcolor">
+<p:sld xmlns:a="http://schemas.openxmlformats.org/drawingml/2006/main" xmlns:r="http://schemas.openxmlformats.org/officeDocument/2006/relationships" xmlns:p="http://schemas.openxmlformats.org/presentationml/2006/main">
   <p:cSld>
     <p:spTree>
       <p:nvGrpSpPr>
-        <p:cNvPr id="120" name="Shape 120"/>
+        <p:cNvPr id="1" name="Shape 120"/>
         <p:cNvGrpSpPr/>
         <p:nvPr/>
       </p:nvGrpSpPr>
@@ -9219,7 +9299,9 @@
       <p:sp>
         <p:nvSpPr>
           <p:cNvPr id="121" name="Google Shape;121;p18"/>
-          <p:cNvSpPr txBox="1"/>
+          <p:cNvSpPr txBox="1">
+            <a:spLocks noGrp="1"/>
+          </p:cNvSpPr>
           <p:nvPr>
             <p:ph type="title"/>
           </p:nvPr>
@@ -9234,12 +9316,12 @@
           </a:prstGeom>
         </p:spPr>
         <p:txBody>
-          <a:bodyPr anchorCtr="0" anchor="t" bIns="91425" lIns="91425" spcFirstLastPara="1" rIns="91425" wrap="square" tIns="91425">
+          <a:bodyPr spcFirstLastPara="1" wrap="square" lIns="91425" tIns="91425" rIns="91425" bIns="91425" anchor="t" anchorCtr="0">
             <a:normAutofit/>
           </a:bodyPr>
           <a:lstStyle/>
           <a:p>
-            <a:pPr indent="0" lvl="0" marL="0" rtl="0" algn="l">
+            <a:pPr marL="0" lvl="0" indent="0" algn="l" rtl="0">
               <a:spcBef>
                 <a:spcPts val="0"/>
               </a:spcBef>
@@ -9265,11 +9347,11 @@
 </file>
 
 <file path=ppt/slides/slide7.xml><?xml version="1.0" encoding="utf-8"?>
-<p:sld xmlns:a="http://schemas.openxmlformats.org/drawingml/2006/main" xmlns:r="http://schemas.openxmlformats.org/officeDocument/2006/relationships" xmlns:mc="http://schemas.openxmlformats.org/markup-compatibility/2006" xmlns:mv="urn:schemas-microsoft-com:mac:vml" xmlns:p="http://schemas.openxmlformats.org/presentationml/2006/main" xmlns:c="http://schemas.openxmlformats.org/drawingml/2006/chart" xmlns:dgm="http://schemas.openxmlformats.org/drawingml/2006/diagram" xmlns:o="urn:schemas-microsoft-com:office:office" xmlns:v="urn:schemas-microsoft-com:vml" xmlns:pvml="urn:schemas-microsoft-com:office:powerpoint" xmlns:com="http://schemas.openxmlformats.org/drawingml/2006/compatibility" xmlns:p14="http://schemas.microsoft.com/office/powerpoint/2010/main" xmlns:p15="http://schemas.microsoft.com/office/powerpoint/2012/main" xmlns:ahyp="http://schemas.microsoft.com/office/drawing/2018/hyperlinkcolor">
+<p:sld xmlns:a="http://schemas.openxmlformats.org/drawingml/2006/main" xmlns:r="http://schemas.openxmlformats.org/officeDocument/2006/relationships" xmlns:p="http://schemas.openxmlformats.org/presentationml/2006/main">
   <p:cSld>
     <p:spTree>
       <p:nvGrpSpPr>
-        <p:cNvPr id="125" name="Shape 125"/>
+        <p:cNvPr id="1" name="Shape 125"/>
         <p:cNvGrpSpPr/>
         <p:nvPr/>
       </p:nvGrpSpPr>
@@ -9284,7 +9366,9 @@
       <p:sp>
         <p:nvSpPr>
           <p:cNvPr id="126" name="Google Shape;126;p19"/>
-          <p:cNvSpPr txBox="1"/>
+          <p:cNvSpPr txBox="1">
+            <a:spLocks noGrp="1"/>
+          </p:cNvSpPr>
           <p:nvPr>
             <p:ph type="title"/>
           </p:nvPr>
@@ -9299,12 +9383,12 @@
           </a:prstGeom>
         </p:spPr>
         <p:txBody>
-          <a:bodyPr anchorCtr="0" anchor="t" bIns="91425" lIns="91425" spcFirstLastPara="1" rIns="91425" wrap="square" tIns="91425">
+          <a:bodyPr spcFirstLastPara="1" wrap="square" lIns="91425" tIns="91425" rIns="91425" bIns="91425" anchor="t" anchorCtr="0">
             <a:normAutofit fontScale="90000"/>
           </a:bodyPr>
           <a:lstStyle/>
           <a:p>
-            <a:pPr indent="0" lvl="0" marL="0" rtl="0" algn="l">
+            <a:pPr marL="0" lvl="0" indent="0" algn="l" rtl="0">
               <a:spcBef>
                 <a:spcPts val="0"/>
               </a:spcBef>
@@ -9358,11 +9442,11 @@
 </file>
 
 <file path=ppt/slides/slide8.xml><?xml version="1.0" encoding="utf-8"?>
-<p:sld xmlns:a="http://schemas.openxmlformats.org/drawingml/2006/main" xmlns:r="http://schemas.openxmlformats.org/officeDocument/2006/relationships" xmlns:mc="http://schemas.openxmlformats.org/markup-compatibility/2006" xmlns:mv="urn:schemas-microsoft-com:mac:vml" xmlns:p="http://schemas.openxmlformats.org/presentationml/2006/main" xmlns:c="http://schemas.openxmlformats.org/drawingml/2006/chart" xmlns:dgm="http://schemas.openxmlformats.org/drawingml/2006/diagram" xmlns:o="urn:schemas-microsoft-com:office:office" xmlns:v="urn:schemas-microsoft-com:vml" xmlns:pvml="urn:schemas-microsoft-com:office:powerpoint" xmlns:com="http://schemas.openxmlformats.org/drawingml/2006/compatibility" xmlns:p14="http://schemas.microsoft.com/office/powerpoint/2010/main" xmlns:p15="http://schemas.microsoft.com/office/powerpoint/2012/main" xmlns:ahyp="http://schemas.microsoft.com/office/drawing/2018/hyperlinkcolor">
+<p:sld xmlns:a="http://schemas.openxmlformats.org/drawingml/2006/main" xmlns:r="http://schemas.openxmlformats.org/officeDocument/2006/relationships" xmlns:p="http://schemas.openxmlformats.org/presentationml/2006/main">
   <p:cSld>
     <p:spTree>
       <p:nvGrpSpPr>
-        <p:cNvPr id="131" name="Shape 131"/>
+        <p:cNvPr id="1" name="Shape 131"/>
         <p:cNvGrpSpPr/>
         <p:nvPr/>
       </p:nvGrpSpPr>
@@ -9411,11 +9495,11 @@
 </file>
 
 <file path=ppt/slides/slide9.xml><?xml version="1.0" encoding="utf-8"?>
-<p:sld xmlns:a="http://schemas.openxmlformats.org/drawingml/2006/main" xmlns:r="http://schemas.openxmlformats.org/officeDocument/2006/relationships" xmlns:mc="http://schemas.openxmlformats.org/markup-compatibility/2006" xmlns:mv="urn:schemas-microsoft-com:mac:vml" xmlns:p="http://schemas.openxmlformats.org/presentationml/2006/main" xmlns:c="http://schemas.openxmlformats.org/drawingml/2006/chart" xmlns:dgm="http://schemas.openxmlformats.org/drawingml/2006/diagram" xmlns:o="urn:schemas-microsoft-com:office:office" xmlns:v="urn:schemas-microsoft-com:vml" xmlns:pvml="urn:schemas-microsoft-com:office:powerpoint" xmlns:com="http://schemas.openxmlformats.org/drawingml/2006/compatibility" xmlns:p14="http://schemas.microsoft.com/office/powerpoint/2010/main" xmlns:p15="http://schemas.microsoft.com/office/powerpoint/2012/main" xmlns:ahyp="http://schemas.microsoft.com/office/drawing/2018/hyperlinkcolor">
+<p:sld xmlns:a="http://schemas.openxmlformats.org/drawingml/2006/main" xmlns:r="http://schemas.openxmlformats.org/officeDocument/2006/relationships" xmlns:p="http://schemas.openxmlformats.org/presentationml/2006/main">
   <p:cSld>
     <p:spTree>
       <p:nvGrpSpPr>
-        <p:cNvPr id="136" name="Shape 136"/>
+        <p:cNvPr id="1" name="Shape 136"/>
         <p:cNvGrpSpPr/>
         <p:nvPr/>
       </p:nvGrpSpPr>
@@ -9464,7 +9548,7 @@
 </file>
 
 <file path=ppt/theme/theme1.xml><?xml version="1.0" encoding="utf-8"?>
-<a:theme xmlns:a="http://schemas.openxmlformats.org/drawingml/2006/main" xmlns:r="http://schemas.openxmlformats.org/officeDocument/2006/relationships" name="Streamline">
+<a:theme xmlns:a="http://schemas.openxmlformats.org/drawingml/2006/main" name="Streamline">
   <a:themeElements>
     <a:clrScheme name="Streamline">
       <a:dk1>
@@ -9739,11 +9823,13 @@
       </a:bgFillStyleLst>
     </a:fmtScheme>
   </a:themeElements>
+  <a:objectDefaults/>
+  <a:extraClrSchemeLst/>
 </a:theme>
 </file>
 
 <file path=ppt/theme/theme2.xml><?xml version="1.0" encoding="utf-8"?>
-<a:theme xmlns:a="http://schemas.openxmlformats.org/drawingml/2006/main" xmlns:r="http://schemas.openxmlformats.org/officeDocument/2006/relationships">
+<a:theme xmlns:a="http://schemas.openxmlformats.org/drawingml/2006/main">
   <a:themeElements>
     <a:clrScheme name="Default">
       <a:dk1>
@@ -10018,5 +10104,7 @@
       </a:bgFillStyleLst>
     </a:fmtScheme>
   </a:themeElements>
+  <a:objectDefaults/>
+  <a:extraClrSchemeLst/>
 </a:theme>
 </file>